--- a/DMcourse/Chapter12.pptx
+++ b/DMcourse/Chapter12.pptx
@@ -138,6 +138,22 @@
       </a:defRPr>
     </a:lvl9pPr>
   </p:defaultTextStyle>
+  <p:extLst>
+    <p:ext uri="{EFAFB233-063F-42B5-8137-9DF3F51BA10A}">
+      <p15:sldGuideLst xmlns:p15="http://schemas.microsoft.com/office/powerpoint/2012/main">
+        <p15:guide id="1" orient="horz" pos="2160">
+          <p15:clr>
+            <a:srgbClr val="A4A3A4"/>
+          </p15:clr>
+        </p15:guide>
+        <p15:guide id="2" pos="2880">
+          <p15:clr>
+            <a:srgbClr val="A4A3A4"/>
+          </p15:clr>
+        </p15:guide>
+      </p15:sldGuideLst>
+    </p:ext>
+  </p:extLst>
 </p:presentation>
 </file>
 
@@ -3960,7 +3976,7 @@
           </a:lstStyle>
           <a:p>
             <a:r>
-              <a:rPr lang="en-US" smtClean="0"/>
+              <a:rPr lang="en-US"/>
               <a:t>Click to edit Master title style</a:t>
             </a:r>
             <a:endParaRPr lang="en-NZ"/>
@@ -4025,7 +4041,7 @@
           </a:lstStyle>
           <a:p>
             <a:r>
-              <a:rPr lang="en-US" smtClean="0"/>
+              <a:rPr lang="en-US"/>
               <a:t>Click to edit Master subtitle style</a:t>
             </a:r>
             <a:endParaRPr lang="en-NZ"/>
@@ -4049,7 +4065,7 @@
           <a:p>
             <a:fld id="{3641C46D-3ACE-254C-964D-F18E44ADC973}" type="datetime1">
               <a:rPr lang="en-NZ" smtClean="0"/>
-              <a:t>8/11/16</a:t>
+              <a:t>18/03/2025</a:t>
             </a:fld>
             <a:endParaRPr lang="en-NZ"/>
           </a:p>
@@ -4143,7 +4159,7 @@
           <a:lstStyle/>
           <a:p>
             <a:r>
-              <a:rPr lang="en-US" smtClean="0"/>
+              <a:rPr lang="en-US"/>
               <a:t>Click to edit Master title style</a:t>
             </a:r>
             <a:endParaRPr lang="en-NZ"/>
@@ -4167,35 +4183,35 @@
           <a:p>
             <a:pPr lvl="0"/>
             <a:r>
-              <a:rPr lang="en-US" smtClean="0"/>
+              <a:rPr lang="en-US"/>
               <a:t>Click to edit Master text styles</a:t>
             </a:r>
           </a:p>
           <a:p>
             <a:pPr lvl="1"/>
             <a:r>
-              <a:rPr lang="en-US" smtClean="0"/>
+              <a:rPr lang="en-US"/>
               <a:t>Second level</a:t>
             </a:r>
           </a:p>
           <a:p>
             <a:pPr lvl="2"/>
             <a:r>
-              <a:rPr lang="en-US" smtClean="0"/>
+              <a:rPr lang="en-US"/>
               <a:t>Third level</a:t>
             </a:r>
           </a:p>
           <a:p>
             <a:pPr lvl="3"/>
             <a:r>
-              <a:rPr lang="en-US" smtClean="0"/>
+              <a:rPr lang="en-US"/>
               <a:t>Fourth level</a:t>
             </a:r>
           </a:p>
           <a:p>
             <a:pPr lvl="4"/>
             <a:r>
-              <a:rPr lang="en-US" smtClean="0"/>
+              <a:rPr lang="en-US"/>
               <a:t>Fifth level</a:t>
             </a:r>
             <a:endParaRPr lang="en-NZ"/>
@@ -4219,7 +4235,7 @@
           <a:p>
             <a:fld id="{80FADBE8-D27E-EF4D-9032-02331296BC6E}" type="datetime1">
               <a:rPr lang="en-NZ" smtClean="0"/>
-              <a:t>8/11/16</a:t>
+              <a:t>18/03/2025</a:t>
             </a:fld>
             <a:endParaRPr lang="en-NZ"/>
           </a:p>
@@ -4318,7 +4334,7 @@
           <a:lstStyle/>
           <a:p>
             <a:r>
-              <a:rPr lang="en-US" smtClean="0"/>
+              <a:rPr lang="en-US"/>
               <a:t>Click to edit Master title style</a:t>
             </a:r>
             <a:endParaRPr lang="en-NZ"/>
@@ -4347,35 +4363,35 @@
           <a:p>
             <a:pPr lvl="0"/>
             <a:r>
-              <a:rPr lang="en-US" smtClean="0"/>
+              <a:rPr lang="en-US"/>
               <a:t>Click to edit Master text styles</a:t>
             </a:r>
           </a:p>
           <a:p>
             <a:pPr lvl="1"/>
             <a:r>
-              <a:rPr lang="en-US" smtClean="0"/>
+              <a:rPr lang="en-US"/>
               <a:t>Second level</a:t>
             </a:r>
           </a:p>
           <a:p>
             <a:pPr lvl="2"/>
             <a:r>
-              <a:rPr lang="en-US" smtClean="0"/>
+              <a:rPr lang="en-US"/>
               <a:t>Third level</a:t>
             </a:r>
           </a:p>
           <a:p>
             <a:pPr lvl="3"/>
             <a:r>
-              <a:rPr lang="en-US" smtClean="0"/>
+              <a:rPr lang="en-US"/>
               <a:t>Fourth level</a:t>
             </a:r>
           </a:p>
           <a:p>
             <a:pPr lvl="4"/>
             <a:r>
-              <a:rPr lang="en-US" smtClean="0"/>
+              <a:rPr lang="en-US"/>
               <a:t>Fifth level</a:t>
             </a:r>
             <a:endParaRPr lang="en-NZ"/>
@@ -4399,7 +4415,7 @@
           <a:p>
             <a:fld id="{79CEEE95-A16C-A84D-9CD3-DFD54E10F7F4}" type="datetime1">
               <a:rPr lang="en-NZ" smtClean="0"/>
-              <a:t>8/11/16</a:t>
+              <a:t>18/03/2025</a:t>
             </a:fld>
             <a:endParaRPr lang="en-NZ"/>
           </a:p>
@@ -4502,7 +4518,7 @@
           </a:lstStyle>
           <a:p>
             <a:r>
-              <a:rPr lang="en-US" smtClean="0"/>
+              <a:rPr lang="en-US"/>
               <a:t>Click to edit Master title style</a:t>
             </a:r>
             <a:endParaRPr lang="en-NZ"/>
@@ -4567,7 +4583,7 @@
           </a:lstStyle>
           <a:p>
             <a:r>
-              <a:rPr lang="en-US" smtClean="0"/>
+              <a:rPr lang="en-US"/>
               <a:t>Click to edit Master subtitle style</a:t>
             </a:r>
             <a:endParaRPr lang="en-NZ"/>
@@ -4584,14 +4600,6 @@
   <p:clrMapOvr>
     <a:masterClrMapping/>
   </p:clrMapOvr>
-  <mc:AlternateContent xmlns:mc="http://schemas.openxmlformats.org/markup-compatibility/2006" xmlns:p14="http://schemas.microsoft.com/office/powerpoint/2010/main">
-    <mc:Choice Requires="p14">
-      <p:transition spd="slow" p14:dur="2000"/>
-    </mc:Choice>
-    <mc:Fallback xmlns="">
-      <p:transition spd="slow"/>
-    </mc:Fallback>
-  </mc:AlternateContent>
 </p:sldLayout>
 </file>
 
@@ -4628,7 +4636,7 @@
           <a:lstStyle/>
           <a:p>
             <a:r>
-              <a:rPr lang="en-US" smtClean="0"/>
+              <a:rPr lang="en-US"/>
               <a:t>Click to edit Master title style</a:t>
             </a:r>
             <a:endParaRPr lang="en-NZ"/>
@@ -4652,35 +4660,35 @@
           <a:p>
             <a:pPr lvl="0"/>
             <a:r>
-              <a:rPr lang="en-US" smtClean="0"/>
+              <a:rPr lang="en-US"/>
               <a:t>Click to edit Master text styles</a:t>
             </a:r>
           </a:p>
           <a:p>
             <a:pPr lvl="1"/>
             <a:r>
-              <a:rPr lang="en-US" smtClean="0"/>
+              <a:rPr lang="en-US"/>
               <a:t>Second level</a:t>
             </a:r>
           </a:p>
           <a:p>
             <a:pPr lvl="2"/>
             <a:r>
-              <a:rPr lang="en-US" smtClean="0"/>
+              <a:rPr lang="en-US"/>
               <a:t>Third level</a:t>
             </a:r>
           </a:p>
           <a:p>
             <a:pPr lvl="3"/>
             <a:r>
-              <a:rPr lang="en-US" smtClean="0"/>
+              <a:rPr lang="en-US"/>
               <a:t>Fourth level</a:t>
             </a:r>
           </a:p>
           <a:p>
             <a:pPr lvl="4"/>
             <a:r>
-              <a:rPr lang="en-US" smtClean="0"/>
+              <a:rPr lang="en-US"/>
               <a:t>Fifth level</a:t>
             </a:r>
             <a:endParaRPr lang="en-NZ"/>
@@ -4697,14 +4705,6 @@
   <p:clrMapOvr>
     <a:masterClrMapping/>
   </p:clrMapOvr>
-  <mc:AlternateContent xmlns:mc="http://schemas.openxmlformats.org/markup-compatibility/2006" xmlns:p14="http://schemas.microsoft.com/office/powerpoint/2010/main">
-    <mc:Choice Requires="p14">
-      <p:transition spd="slow" p14:dur="2000"/>
-    </mc:Choice>
-    <mc:Fallback xmlns="">
-      <p:transition spd="slow"/>
-    </mc:Fallback>
-  </mc:AlternateContent>
 </p:sldLayout>
 </file>
 
@@ -4750,7 +4750,7 @@
           </a:lstStyle>
           <a:p>
             <a:r>
-              <a:rPr lang="en-US" smtClean="0"/>
+              <a:rPr lang="en-US"/>
               <a:t>Click to edit Master title style</a:t>
             </a:r>
             <a:endParaRPr lang="en-NZ"/>
@@ -4870,7 +4870,7 @@
           <a:p>
             <a:pPr lvl="0"/>
             <a:r>
-              <a:rPr lang="en-US" smtClean="0"/>
+              <a:rPr lang="en-US"/>
               <a:t>Click to edit Master text styles</a:t>
             </a:r>
           </a:p>
@@ -4886,14 +4886,6 @@
   <p:clrMapOvr>
     <a:masterClrMapping/>
   </p:clrMapOvr>
-  <mc:AlternateContent xmlns:mc="http://schemas.openxmlformats.org/markup-compatibility/2006" xmlns:p14="http://schemas.microsoft.com/office/powerpoint/2010/main">
-    <mc:Choice Requires="p14">
-      <p:transition spd="slow" p14:dur="2000"/>
-    </mc:Choice>
-    <mc:Fallback xmlns="">
-      <p:transition spd="slow"/>
-    </mc:Fallback>
-  </mc:AlternateContent>
 </p:sldLayout>
 </file>
 
@@ -4930,7 +4922,7 @@
           <a:lstStyle/>
           <a:p>
             <a:r>
-              <a:rPr lang="en-US" smtClean="0"/>
+              <a:rPr lang="en-US"/>
               <a:t>Click to edit Master title style</a:t>
             </a:r>
             <a:endParaRPr lang="en-NZ"/>
@@ -4959,35 +4951,35 @@
           <a:p>
             <a:pPr lvl="0"/>
             <a:r>
-              <a:rPr lang="en-US" smtClean="0"/>
+              <a:rPr lang="en-US"/>
               <a:t>Click to edit Master text styles</a:t>
             </a:r>
           </a:p>
           <a:p>
             <a:pPr lvl="1"/>
             <a:r>
-              <a:rPr lang="en-US" smtClean="0"/>
+              <a:rPr lang="en-US"/>
               <a:t>Second level</a:t>
             </a:r>
           </a:p>
           <a:p>
             <a:pPr lvl="2"/>
             <a:r>
-              <a:rPr lang="en-US" smtClean="0"/>
+              <a:rPr lang="en-US"/>
               <a:t>Third level</a:t>
             </a:r>
           </a:p>
           <a:p>
             <a:pPr lvl="3"/>
             <a:r>
-              <a:rPr lang="en-US" smtClean="0"/>
+              <a:rPr lang="en-US"/>
               <a:t>Fourth level</a:t>
             </a:r>
           </a:p>
           <a:p>
             <a:pPr lvl="4"/>
             <a:r>
-              <a:rPr lang="en-US" smtClean="0"/>
+              <a:rPr lang="en-US"/>
               <a:t>Fifth level</a:t>
             </a:r>
             <a:endParaRPr lang="en-NZ"/>
@@ -5016,35 +5008,35 @@
           <a:p>
             <a:pPr lvl="0"/>
             <a:r>
-              <a:rPr lang="en-US" smtClean="0"/>
+              <a:rPr lang="en-US"/>
               <a:t>Click to edit Master text styles</a:t>
             </a:r>
           </a:p>
           <a:p>
             <a:pPr lvl="1"/>
             <a:r>
-              <a:rPr lang="en-US" smtClean="0"/>
+              <a:rPr lang="en-US"/>
               <a:t>Second level</a:t>
             </a:r>
           </a:p>
           <a:p>
             <a:pPr lvl="2"/>
             <a:r>
-              <a:rPr lang="en-US" smtClean="0"/>
+              <a:rPr lang="en-US"/>
               <a:t>Third level</a:t>
             </a:r>
           </a:p>
           <a:p>
             <a:pPr lvl="3"/>
             <a:r>
-              <a:rPr lang="en-US" smtClean="0"/>
+              <a:rPr lang="en-US"/>
               <a:t>Fourth level</a:t>
             </a:r>
           </a:p>
           <a:p>
             <a:pPr lvl="4"/>
             <a:r>
-              <a:rPr lang="en-US" smtClean="0"/>
+              <a:rPr lang="en-US"/>
               <a:t>Fifth level</a:t>
             </a:r>
             <a:endParaRPr lang="en-NZ"/>
@@ -5061,14 +5053,6 @@
   <p:clrMapOvr>
     <a:masterClrMapping/>
   </p:clrMapOvr>
-  <mc:AlternateContent xmlns:mc="http://schemas.openxmlformats.org/markup-compatibility/2006" xmlns:p14="http://schemas.microsoft.com/office/powerpoint/2010/main">
-    <mc:Choice Requires="p14">
-      <p:transition spd="slow" p14:dur="2000"/>
-    </mc:Choice>
-    <mc:Fallback xmlns="">
-      <p:transition spd="slow"/>
-    </mc:Fallback>
-  </mc:AlternateContent>
 </p:sldLayout>
 </file>
 
@@ -5110,7 +5094,7 @@
           <a:lstStyle/>
           <a:p>
             <a:r>
-              <a:rPr lang="en-US" smtClean="0"/>
+              <a:rPr lang="en-US"/>
               <a:t>Click to edit Master title style</a:t>
             </a:r>
             <a:endParaRPr lang="en-NZ"/>
@@ -5176,7 +5160,7 @@
           <a:p>
             <a:pPr lvl="0"/>
             <a:r>
-              <a:rPr lang="en-US" smtClean="0"/>
+              <a:rPr lang="en-US"/>
               <a:t>Click to edit Master text styles</a:t>
             </a:r>
           </a:p>
@@ -5204,35 +5188,35 @@
           <a:p>
             <a:pPr lvl="0"/>
             <a:r>
-              <a:rPr lang="en-US" smtClean="0"/>
+              <a:rPr lang="en-US"/>
               <a:t>Click to edit Master text styles</a:t>
             </a:r>
           </a:p>
           <a:p>
             <a:pPr lvl="1"/>
             <a:r>
-              <a:rPr lang="en-US" smtClean="0"/>
+              <a:rPr lang="en-US"/>
               <a:t>Second level</a:t>
             </a:r>
           </a:p>
           <a:p>
             <a:pPr lvl="2"/>
             <a:r>
-              <a:rPr lang="en-US" smtClean="0"/>
+              <a:rPr lang="en-US"/>
               <a:t>Third level</a:t>
             </a:r>
           </a:p>
           <a:p>
             <a:pPr lvl="3"/>
             <a:r>
-              <a:rPr lang="en-US" smtClean="0"/>
+              <a:rPr lang="en-US"/>
               <a:t>Fourth level</a:t>
             </a:r>
           </a:p>
           <a:p>
             <a:pPr lvl="4"/>
             <a:r>
-              <a:rPr lang="en-US" smtClean="0"/>
+              <a:rPr lang="en-US"/>
               <a:t>Fifth level</a:t>
             </a:r>
             <a:endParaRPr lang="en-NZ"/>
@@ -5298,7 +5282,7 @@
           <a:p>
             <a:pPr lvl="0"/>
             <a:r>
-              <a:rPr lang="en-US" smtClean="0"/>
+              <a:rPr lang="en-US"/>
               <a:t>Click to edit Master text styles</a:t>
             </a:r>
           </a:p>
@@ -5326,35 +5310,35 @@
           <a:p>
             <a:pPr lvl="0"/>
             <a:r>
-              <a:rPr lang="en-US" smtClean="0"/>
+              <a:rPr lang="en-US"/>
               <a:t>Click to edit Master text styles</a:t>
             </a:r>
           </a:p>
           <a:p>
             <a:pPr lvl="1"/>
             <a:r>
-              <a:rPr lang="en-US" smtClean="0"/>
+              <a:rPr lang="en-US"/>
               <a:t>Second level</a:t>
             </a:r>
           </a:p>
           <a:p>
             <a:pPr lvl="2"/>
             <a:r>
-              <a:rPr lang="en-US" smtClean="0"/>
+              <a:rPr lang="en-US"/>
               <a:t>Third level</a:t>
             </a:r>
           </a:p>
           <a:p>
             <a:pPr lvl="3"/>
             <a:r>
-              <a:rPr lang="en-US" smtClean="0"/>
+              <a:rPr lang="en-US"/>
               <a:t>Fourth level</a:t>
             </a:r>
           </a:p>
           <a:p>
             <a:pPr lvl="4"/>
             <a:r>
-              <a:rPr lang="en-US" smtClean="0"/>
+              <a:rPr lang="en-US"/>
               <a:t>Fifth level</a:t>
             </a:r>
             <a:endParaRPr lang="en-NZ"/>
@@ -5371,14 +5355,6 @@
   <p:clrMapOvr>
     <a:masterClrMapping/>
   </p:clrMapOvr>
-  <mc:AlternateContent xmlns:mc="http://schemas.openxmlformats.org/markup-compatibility/2006" xmlns:p14="http://schemas.microsoft.com/office/powerpoint/2010/main">
-    <mc:Choice Requires="p14">
-      <p:transition spd="slow" p14:dur="2000"/>
-    </mc:Choice>
-    <mc:Fallback xmlns="">
-      <p:transition spd="slow"/>
-    </mc:Fallback>
-  </mc:AlternateContent>
 </p:sldLayout>
 </file>
 
@@ -5415,7 +5391,7 @@
           <a:lstStyle/>
           <a:p>
             <a:r>
-              <a:rPr lang="en-US" smtClean="0"/>
+              <a:rPr lang="en-US"/>
               <a:t>Click to edit Master title style</a:t>
             </a:r>
             <a:endParaRPr lang="en-NZ"/>
@@ -5432,14 +5408,6 @@
   <p:clrMapOvr>
     <a:masterClrMapping/>
   </p:clrMapOvr>
-  <mc:AlternateContent xmlns:mc="http://schemas.openxmlformats.org/markup-compatibility/2006" xmlns:p14="http://schemas.microsoft.com/office/powerpoint/2010/main">
-    <mc:Choice Requires="p14">
-      <p:transition spd="slow" p14:dur="2000"/>
-    </mc:Choice>
-    <mc:Fallback xmlns="">
-      <p:transition spd="slow"/>
-    </mc:Fallback>
-  </mc:AlternateContent>
 </p:sldLayout>
 </file>
 
@@ -5470,14 +5438,6 @@
   <p:clrMapOvr>
     <a:masterClrMapping/>
   </p:clrMapOvr>
-  <mc:AlternateContent xmlns:mc="http://schemas.openxmlformats.org/markup-compatibility/2006" xmlns:p14="http://schemas.microsoft.com/office/powerpoint/2010/main">
-    <mc:Choice Requires="p14">
-      <p:transition spd="slow" p14:dur="2000"/>
-    </mc:Choice>
-    <mc:Fallback xmlns="">
-      <p:transition spd="slow"/>
-    </mc:Fallback>
-  </mc:AlternateContent>
 </p:sldLayout>
 </file>
 
@@ -5523,7 +5483,7 @@
           </a:lstStyle>
           <a:p>
             <a:r>
-              <a:rPr lang="en-US" smtClean="0"/>
+              <a:rPr lang="en-US"/>
               <a:t>Click to edit Master title style</a:t>
             </a:r>
             <a:endParaRPr lang="en-NZ"/>
@@ -5580,35 +5540,35 @@
           <a:p>
             <a:pPr lvl="0"/>
             <a:r>
-              <a:rPr lang="en-US" smtClean="0"/>
+              <a:rPr lang="en-US"/>
               <a:t>Click to edit Master text styles</a:t>
             </a:r>
           </a:p>
           <a:p>
             <a:pPr lvl="1"/>
             <a:r>
-              <a:rPr lang="en-US" smtClean="0"/>
+              <a:rPr lang="en-US"/>
               <a:t>Second level</a:t>
             </a:r>
           </a:p>
           <a:p>
             <a:pPr lvl="2"/>
             <a:r>
-              <a:rPr lang="en-US" smtClean="0"/>
+              <a:rPr lang="en-US"/>
               <a:t>Third level</a:t>
             </a:r>
           </a:p>
           <a:p>
             <a:pPr lvl="3"/>
             <a:r>
-              <a:rPr lang="en-US" smtClean="0"/>
+              <a:rPr lang="en-US"/>
               <a:t>Fourth level</a:t>
             </a:r>
           </a:p>
           <a:p>
             <a:pPr lvl="4"/>
             <a:r>
-              <a:rPr lang="en-US" smtClean="0"/>
+              <a:rPr lang="en-US"/>
               <a:t>Fifth level</a:t>
             </a:r>
             <a:endParaRPr lang="en-NZ"/>
@@ -5674,7 +5634,7 @@
           <a:p>
             <a:pPr lvl="0"/>
             <a:r>
-              <a:rPr lang="en-US" smtClean="0"/>
+              <a:rPr lang="en-US"/>
               <a:t>Click to edit Master text styles</a:t>
             </a:r>
           </a:p>
@@ -5690,14 +5650,6 @@
   <p:clrMapOvr>
     <a:masterClrMapping/>
   </p:clrMapOvr>
-  <mc:AlternateContent xmlns:mc="http://schemas.openxmlformats.org/markup-compatibility/2006" xmlns:p14="http://schemas.microsoft.com/office/powerpoint/2010/main">
-    <mc:Choice Requires="p14">
-      <p:transition spd="slow" p14:dur="2000"/>
-    </mc:Choice>
-    <mc:Fallback xmlns="">
-      <p:transition spd="slow"/>
-    </mc:Fallback>
-  </mc:AlternateContent>
 </p:sldLayout>
 </file>
 
@@ -5734,7 +5686,7 @@
           <a:lstStyle/>
           <a:p>
             <a:r>
-              <a:rPr lang="en-US" smtClean="0"/>
+              <a:rPr lang="en-US"/>
               <a:t>Click to edit Master title style</a:t>
             </a:r>
             <a:endParaRPr lang="en-NZ"/>
@@ -5758,35 +5710,35 @@
           <a:p>
             <a:pPr lvl="0"/>
             <a:r>
-              <a:rPr lang="en-US" smtClean="0"/>
+              <a:rPr lang="en-US"/>
               <a:t>Click to edit Master text styles</a:t>
             </a:r>
           </a:p>
           <a:p>
             <a:pPr lvl="1"/>
             <a:r>
-              <a:rPr lang="en-US" smtClean="0"/>
+              <a:rPr lang="en-US"/>
               <a:t>Second level</a:t>
             </a:r>
           </a:p>
           <a:p>
             <a:pPr lvl="2"/>
             <a:r>
-              <a:rPr lang="en-US" smtClean="0"/>
+              <a:rPr lang="en-US"/>
               <a:t>Third level</a:t>
             </a:r>
           </a:p>
           <a:p>
             <a:pPr lvl="3"/>
             <a:r>
-              <a:rPr lang="en-US" smtClean="0"/>
+              <a:rPr lang="en-US"/>
               <a:t>Fourth level</a:t>
             </a:r>
           </a:p>
           <a:p>
             <a:pPr lvl="4"/>
             <a:r>
-              <a:rPr lang="en-US" smtClean="0"/>
+              <a:rPr lang="en-US"/>
               <a:t>Fifth level</a:t>
             </a:r>
             <a:endParaRPr lang="en-NZ"/>
@@ -5810,7 +5762,7 @@
           <a:p>
             <a:fld id="{F746E533-9C34-2247-B458-D77FA74EBB7D}" type="datetime1">
               <a:rPr lang="en-NZ" smtClean="0"/>
-              <a:t>8/11/16</a:t>
+              <a:t>18/03/2025</a:t>
             </a:fld>
             <a:endParaRPr lang="en-NZ"/>
           </a:p>
@@ -5913,7 +5865,7 @@
           </a:lstStyle>
           <a:p>
             <a:r>
-              <a:rPr lang="en-US" smtClean="0"/>
+              <a:rPr lang="en-US"/>
               <a:t>Click to edit Master title style</a:t>
             </a:r>
             <a:endParaRPr lang="en-NZ"/>
@@ -6040,7 +5992,7 @@
           <a:p>
             <a:pPr lvl="0"/>
             <a:r>
-              <a:rPr lang="en-US" smtClean="0"/>
+              <a:rPr lang="en-US"/>
               <a:t>Click to edit Master text styles</a:t>
             </a:r>
           </a:p>
@@ -6056,14 +6008,6 @@
   <p:clrMapOvr>
     <a:masterClrMapping/>
   </p:clrMapOvr>
-  <mc:AlternateContent xmlns:mc="http://schemas.openxmlformats.org/markup-compatibility/2006" xmlns:p14="http://schemas.microsoft.com/office/powerpoint/2010/main">
-    <mc:Choice Requires="p14">
-      <p:transition spd="slow" p14:dur="2000"/>
-    </mc:Choice>
-    <mc:Fallback xmlns="">
-      <p:transition spd="slow"/>
-    </mc:Fallback>
-  </mc:AlternateContent>
 </p:sldLayout>
 </file>
 
@@ -6100,7 +6044,7 @@
           <a:lstStyle/>
           <a:p>
             <a:r>
-              <a:rPr lang="en-US" smtClean="0"/>
+              <a:rPr lang="en-US"/>
               <a:t>Click to edit Master title style</a:t>
             </a:r>
             <a:endParaRPr lang="en-NZ"/>
@@ -6124,35 +6068,35 @@
           <a:p>
             <a:pPr lvl="0"/>
             <a:r>
-              <a:rPr lang="en-US" smtClean="0"/>
+              <a:rPr lang="en-US"/>
               <a:t>Click to edit Master text styles</a:t>
             </a:r>
           </a:p>
           <a:p>
             <a:pPr lvl="1"/>
             <a:r>
-              <a:rPr lang="en-US" smtClean="0"/>
+              <a:rPr lang="en-US"/>
               <a:t>Second level</a:t>
             </a:r>
           </a:p>
           <a:p>
             <a:pPr lvl="2"/>
             <a:r>
-              <a:rPr lang="en-US" smtClean="0"/>
+              <a:rPr lang="en-US"/>
               <a:t>Third level</a:t>
             </a:r>
           </a:p>
           <a:p>
             <a:pPr lvl="3"/>
             <a:r>
-              <a:rPr lang="en-US" smtClean="0"/>
+              <a:rPr lang="en-US"/>
               <a:t>Fourth level</a:t>
             </a:r>
           </a:p>
           <a:p>
             <a:pPr lvl="4"/>
             <a:r>
-              <a:rPr lang="en-US" smtClean="0"/>
+              <a:rPr lang="en-US"/>
               <a:t>Fifth level</a:t>
             </a:r>
             <a:endParaRPr lang="en-NZ"/>
@@ -6169,14 +6113,6 @@
   <p:clrMapOvr>
     <a:masterClrMapping/>
   </p:clrMapOvr>
-  <mc:AlternateContent xmlns:mc="http://schemas.openxmlformats.org/markup-compatibility/2006" xmlns:p14="http://schemas.microsoft.com/office/powerpoint/2010/main">
-    <mc:Choice Requires="p14">
-      <p:transition spd="slow" p14:dur="2000"/>
-    </mc:Choice>
-    <mc:Fallback xmlns="">
-      <p:transition spd="slow"/>
-    </mc:Fallback>
-  </mc:AlternateContent>
 </p:sldLayout>
 </file>
 
@@ -6218,7 +6154,7 @@
           <a:lstStyle/>
           <a:p>
             <a:r>
-              <a:rPr lang="en-US" smtClean="0"/>
+              <a:rPr lang="en-US"/>
               <a:t>Click to edit Master title style</a:t>
             </a:r>
             <a:endParaRPr lang="en-NZ"/>
@@ -6247,35 +6183,35 @@
           <a:p>
             <a:pPr lvl="0"/>
             <a:r>
-              <a:rPr lang="en-US" smtClean="0"/>
+              <a:rPr lang="en-US"/>
               <a:t>Click to edit Master text styles</a:t>
             </a:r>
           </a:p>
           <a:p>
             <a:pPr lvl="1"/>
             <a:r>
-              <a:rPr lang="en-US" smtClean="0"/>
+              <a:rPr lang="en-US"/>
               <a:t>Second level</a:t>
             </a:r>
           </a:p>
           <a:p>
             <a:pPr lvl="2"/>
             <a:r>
-              <a:rPr lang="en-US" smtClean="0"/>
+              <a:rPr lang="en-US"/>
               <a:t>Third level</a:t>
             </a:r>
           </a:p>
           <a:p>
             <a:pPr lvl="3"/>
             <a:r>
-              <a:rPr lang="en-US" smtClean="0"/>
+              <a:rPr lang="en-US"/>
               <a:t>Fourth level</a:t>
             </a:r>
           </a:p>
           <a:p>
             <a:pPr lvl="4"/>
             <a:r>
-              <a:rPr lang="en-US" smtClean="0"/>
+              <a:rPr lang="en-US"/>
               <a:t>Fifth level</a:t>
             </a:r>
             <a:endParaRPr lang="en-NZ"/>
@@ -6292,14 +6228,6 @@
   <p:clrMapOvr>
     <a:masterClrMapping/>
   </p:clrMapOvr>
-  <mc:AlternateContent xmlns:mc="http://schemas.openxmlformats.org/markup-compatibility/2006" xmlns:p14="http://schemas.microsoft.com/office/powerpoint/2010/main">
-    <mc:Choice Requires="p14">
-      <p:transition spd="slow" p14:dur="2000"/>
-    </mc:Choice>
-    <mc:Fallback xmlns="">
-      <p:transition spd="slow"/>
-    </mc:Fallback>
-  </mc:AlternateContent>
 </p:sldLayout>
 </file>
 
@@ -6345,7 +6273,7 @@
           </a:lstStyle>
           <a:p>
             <a:r>
-              <a:rPr lang="en-US" smtClean="0"/>
+              <a:rPr lang="en-US"/>
               <a:t>Click to edit Master title style</a:t>
             </a:r>
             <a:endParaRPr lang="en-NZ"/>
@@ -6465,7 +6393,7 @@
           <a:p>
             <a:pPr lvl="0"/>
             <a:r>
-              <a:rPr lang="en-US" smtClean="0"/>
+              <a:rPr lang="en-US"/>
               <a:t>Click to edit Master text styles</a:t>
             </a:r>
           </a:p>
@@ -6488,7 +6416,7 @@
           <a:p>
             <a:fld id="{23E35885-5BC7-FA43-9B57-6FB52E2B1A59}" type="datetime1">
               <a:rPr lang="en-NZ" smtClean="0"/>
-              <a:t>8/11/16</a:t>
+              <a:t>18/03/2025</a:t>
             </a:fld>
             <a:endParaRPr lang="en-NZ"/>
           </a:p>
@@ -6582,7 +6510,7 @@
           <a:lstStyle/>
           <a:p>
             <a:r>
-              <a:rPr lang="en-US" smtClean="0"/>
+              <a:rPr lang="en-US"/>
               <a:t>Click to edit Master title style</a:t>
             </a:r>
             <a:endParaRPr lang="en-NZ"/>
@@ -6611,35 +6539,35 @@
           <a:p>
             <a:pPr lvl="0"/>
             <a:r>
-              <a:rPr lang="en-US" smtClean="0"/>
+              <a:rPr lang="en-US"/>
               <a:t>Click to edit Master text styles</a:t>
             </a:r>
           </a:p>
           <a:p>
             <a:pPr lvl="1"/>
             <a:r>
-              <a:rPr lang="en-US" smtClean="0"/>
+              <a:rPr lang="en-US"/>
               <a:t>Second level</a:t>
             </a:r>
           </a:p>
           <a:p>
             <a:pPr lvl="2"/>
             <a:r>
-              <a:rPr lang="en-US" smtClean="0"/>
+              <a:rPr lang="en-US"/>
               <a:t>Third level</a:t>
             </a:r>
           </a:p>
           <a:p>
             <a:pPr lvl="3"/>
             <a:r>
-              <a:rPr lang="en-US" smtClean="0"/>
+              <a:rPr lang="en-US"/>
               <a:t>Fourth level</a:t>
             </a:r>
           </a:p>
           <a:p>
             <a:pPr lvl="4"/>
             <a:r>
-              <a:rPr lang="en-US" smtClean="0"/>
+              <a:rPr lang="en-US"/>
               <a:t>Fifth level</a:t>
             </a:r>
             <a:endParaRPr lang="en-NZ"/>
@@ -6668,35 +6596,35 @@
           <a:p>
             <a:pPr lvl="0"/>
             <a:r>
-              <a:rPr lang="en-US" smtClean="0"/>
+              <a:rPr lang="en-US"/>
               <a:t>Click to edit Master text styles</a:t>
             </a:r>
           </a:p>
           <a:p>
             <a:pPr lvl="1"/>
             <a:r>
-              <a:rPr lang="en-US" smtClean="0"/>
+              <a:rPr lang="en-US"/>
               <a:t>Second level</a:t>
             </a:r>
           </a:p>
           <a:p>
             <a:pPr lvl="2"/>
             <a:r>
-              <a:rPr lang="en-US" smtClean="0"/>
+              <a:rPr lang="en-US"/>
               <a:t>Third level</a:t>
             </a:r>
           </a:p>
           <a:p>
             <a:pPr lvl="3"/>
             <a:r>
-              <a:rPr lang="en-US" smtClean="0"/>
+              <a:rPr lang="en-US"/>
               <a:t>Fourth level</a:t>
             </a:r>
           </a:p>
           <a:p>
             <a:pPr lvl="4"/>
             <a:r>
-              <a:rPr lang="en-US" smtClean="0"/>
+              <a:rPr lang="en-US"/>
               <a:t>Fifth level</a:t>
             </a:r>
             <a:endParaRPr lang="en-NZ"/>
@@ -6720,7 +6648,7 @@
           <a:p>
             <a:fld id="{7EB9BFC1-5F2E-FE46-A36D-A20AAAEF2BF5}" type="datetime1">
               <a:rPr lang="en-NZ" smtClean="0"/>
-              <a:t>8/11/16</a:t>
+              <a:t>18/03/2025</a:t>
             </a:fld>
             <a:endParaRPr lang="en-NZ"/>
           </a:p>
@@ -6819,7 +6747,7 @@
           <a:lstStyle/>
           <a:p>
             <a:r>
-              <a:rPr lang="en-US" smtClean="0"/>
+              <a:rPr lang="en-US"/>
               <a:t>Click to edit Master title style</a:t>
             </a:r>
             <a:endParaRPr lang="en-NZ"/>
@@ -6885,7 +6813,7 @@
           <a:p>
             <a:pPr lvl="0"/>
             <a:r>
-              <a:rPr lang="en-US" smtClean="0"/>
+              <a:rPr lang="en-US"/>
               <a:t>Click to edit Master text styles</a:t>
             </a:r>
           </a:p>
@@ -6913,35 +6841,35 @@
           <a:p>
             <a:pPr lvl="0"/>
             <a:r>
-              <a:rPr lang="en-US" smtClean="0"/>
+              <a:rPr lang="en-US"/>
               <a:t>Click to edit Master text styles</a:t>
             </a:r>
           </a:p>
           <a:p>
             <a:pPr lvl="1"/>
             <a:r>
-              <a:rPr lang="en-US" smtClean="0"/>
+              <a:rPr lang="en-US"/>
               <a:t>Second level</a:t>
             </a:r>
           </a:p>
           <a:p>
             <a:pPr lvl="2"/>
             <a:r>
-              <a:rPr lang="en-US" smtClean="0"/>
+              <a:rPr lang="en-US"/>
               <a:t>Third level</a:t>
             </a:r>
           </a:p>
           <a:p>
             <a:pPr lvl="3"/>
             <a:r>
-              <a:rPr lang="en-US" smtClean="0"/>
+              <a:rPr lang="en-US"/>
               <a:t>Fourth level</a:t>
             </a:r>
           </a:p>
           <a:p>
             <a:pPr lvl="4"/>
             <a:r>
-              <a:rPr lang="en-US" smtClean="0"/>
+              <a:rPr lang="en-US"/>
               <a:t>Fifth level</a:t>
             </a:r>
             <a:endParaRPr lang="en-NZ"/>
@@ -7007,7 +6935,7 @@
           <a:p>
             <a:pPr lvl="0"/>
             <a:r>
-              <a:rPr lang="en-US" smtClean="0"/>
+              <a:rPr lang="en-US"/>
               <a:t>Click to edit Master text styles</a:t>
             </a:r>
           </a:p>
@@ -7035,35 +6963,35 @@
           <a:p>
             <a:pPr lvl="0"/>
             <a:r>
-              <a:rPr lang="en-US" smtClean="0"/>
+              <a:rPr lang="en-US"/>
               <a:t>Click to edit Master text styles</a:t>
             </a:r>
           </a:p>
           <a:p>
             <a:pPr lvl="1"/>
             <a:r>
-              <a:rPr lang="en-US" smtClean="0"/>
+              <a:rPr lang="en-US"/>
               <a:t>Second level</a:t>
             </a:r>
           </a:p>
           <a:p>
             <a:pPr lvl="2"/>
             <a:r>
-              <a:rPr lang="en-US" smtClean="0"/>
+              <a:rPr lang="en-US"/>
               <a:t>Third level</a:t>
             </a:r>
           </a:p>
           <a:p>
             <a:pPr lvl="3"/>
             <a:r>
-              <a:rPr lang="en-US" smtClean="0"/>
+              <a:rPr lang="en-US"/>
               <a:t>Fourth level</a:t>
             </a:r>
           </a:p>
           <a:p>
             <a:pPr lvl="4"/>
             <a:r>
-              <a:rPr lang="en-US" smtClean="0"/>
+              <a:rPr lang="en-US"/>
               <a:t>Fifth level</a:t>
             </a:r>
             <a:endParaRPr lang="en-NZ"/>
@@ -7087,7 +7015,7 @@
           <a:p>
             <a:fld id="{1BB1D3A6-6EA6-D241-8D8C-F2AE6F0A5C87}" type="datetime1">
               <a:rPr lang="en-NZ" smtClean="0"/>
-              <a:t>8/11/16</a:t>
+              <a:t>18/03/2025</a:t>
             </a:fld>
             <a:endParaRPr lang="en-NZ"/>
           </a:p>
@@ -7181,7 +7109,7 @@
           <a:lstStyle/>
           <a:p>
             <a:r>
-              <a:rPr lang="en-US" smtClean="0"/>
+              <a:rPr lang="en-US"/>
               <a:t>Click to edit Master title style</a:t>
             </a:r>
             <a:endParaRPr lang="en-NZ"/>
@@ -7205,7 +7133,7 @@
           <a:p>
             <a:fld id="{21E844FA-9117-7743-998B-854B12D5F551}" type="datetime1">
               <a:rPr lang="en-NZ" smtClean="0"/>
-              <a:t>8/11/16</a:t>
+              <a:t>18/03/2025</a:t>
             </a:fld>
             <a:endParaRPr lang="en-NZ"/>
           </a:p>
@@ -7300,7 +7228,7 @@
           <a:p>
             <a:fld id="{AC067F12-9F0B-5B4B-860F-10BE20A7C5C8}" type="datetime1">
               <a:rPr lang="en-NZ" smtClean="0"/>
-              <a:t>8/11/16</a:t>
+              <a:t>18/03/2025</a:t>
             </a:fld>
             <a:endParaRPr lang="en-NZ"/>
           </a:p>
@@ -7403,7 +7331,7 @@
           </a:lstStyle>
           <a:p>
             <a:r>
-              <a:rPr lang="en-US" smtClean="0"/>
+              <a:rPr lang="en-US"/>
               <a:t>Click to edit Master title style</a:t>
             </a:r>
             <a:endParaRPr lang="en-NZ"/>
@@ -7460,35 +7388,35 @@
           <a:p>
             <a:pPr lvl="0"/>
             <a:r>
-              <a:rPr lang="en-US" smtClean="0"/>
+              <a:rPr lang="en-US"/>
               <a:t>Click to edit Master text styles</a:t>
             </a:r>
           </a:p>
           <a:p>
             <a:pPr lvl="1"/>
             <a:r>
-              <a:rPr lang="en-US" smtClean="0"/>
+              <a:rPr lang="en-US"/>
               <a:t>Second level</a:t>
             </a:r>
           </a:p>
           <a:p>
             <a:pPr lvl="2"/>
             <a:r>
-              <a:rPr lang="en-US" smtClean="0"/>
+              <a:rPr lang="en-US"/>
               <a:t>Third level</a:t>
             </a:r>
           </a:p>
           <a:p>
             <a:pPr lvl="3"/>
             <a:r>
-              <a:rPr lang="en-US" smtClean="0"/>
+              <a:rPr lang="en-US"/>
               <a:t>Fourth level</a:t>
             </a:r>
           </a:p>
           <a:p>
             <a:pPr lvl="4"/>
             <a:r>
-              <a:rPr lang="en-US" smtClean="0"/>
+              <a:rPr lang="en-US"/>
               <a:t>Fifth level</a:t>
             </a:r>
             <a:endParaRPr lang="en-NZ"/>
@@ -7554,7 +7482,7 @@
           <a:p>
             <a:pPr lvl="0"/>
             <a:r>
-              <a:rPr lang="en-US" smtClean="0"/>
+              <a:rPr lang="en-US"/>
               <a:t>Click to edit Master text styles</a:t>
             </a:r>
           </a:p>
@@ -7577,7 +7505,7 @@
           <a:p>
             <a:fld id="{E9B23208-4C57-EE42-B3C2-299EC969159E}" type="datetime1">
               <a:rPr lang="en-NZ" smtClean="0"/>
-              <a:t>8/11/16</a:t>
+              <a:t>18/03/2025</a:t>
             </a:fld>
             <a:endParaRPr lang="en-NZ"/>
           </a:p>
@@ -7680,7 +7608,7 @@
           </a:lstStyle>
           <a:p>
             <a:r>
-              <a:rPr lang="en-US" smtClean="0"/>
+              <a:rPr lang="en-US"/>
               <a:t>Click to edit Master title style</a:t>
             </a:r>
             <a:endParaRPr lang="en-NZ"/>
@@ -7807,7 +7735,7 @@
           <a:p>
             <a:pPr lvl="0"/>
             <a:r>
-              <a:rPr lang="en-US" smtClean="0"/>
+              <a:rPr lang="en-US"/>
               <a:t>Click to edit Master text styles</a:t>
             </a:r>
           </a:p>
@@ -7830,7 +7758,7 @@
           <a:p>
             <a:fld id="{083B9934-5530-C049-8885-AE4E55CC8E3D}" type="datetime1">
               <a:rPr lang="en-NZ" smtClean="0"/>
-              <a:t>8/11/16</a:t>
+              <a:t>18/03/2025</a:t>
             </a:fld>
             <a:endParaRPr lang="en-NZ"/>
           </a:p>
@@ -7939,7 +7867,7 @@
           <a:lstStyle/>
           <a:p>
             <a:r>
-              <a:rPr lang="en-US" smtClean="0"/>
+              <a:rPr lang="en-US"/>
               <a:t>Click to edit Master title style</a:t>
             </a:r>
             <a:endParaRPr lang="en-NZ"/>
@@ -7973,35 +7901,35 @@
           <a:p>
             <a:pPr lvl="0"/>
             <a:r>
-              <a:rPr lang="en-US" smtClean="0"/>
+              <a:rPr lang="en-US"/>
               <a:t>Click to edit Master text styles</a:t>
             </a:r>
           </a:p>
           <a:p>
             <a:pPr lvl="1"/>
             <a:r>
-              <a:rPr lang="en-US" smtClean="0"/>
+              <a:rPr lang="en-US"/>
               <a:t>Second level</a:t>
             </a:r>
           </a:p>
           <a:p>
             <a:pPr lvl="2"/>
             <a:r>
-              <a:rPr lang="en-US" smtClean="0"/>
+              <a:rPr lang="en-US"/>
               <a:t>Third level</a:t>
             </a:r>
           </a:p>
           <a:p>
             <a:pPr lvl="3"/>
             <a:r>
-              <a:rPr lang="en-US" smtClean="0"/>
+              <a:rPr lang="en-US"/>
               <a:t>Fourth level</a:t>
             </a:r>
           </a:p>
           <a:p>
             <a:pPr lvl="4"/>
             <a:r>
-              <a:rPr lang="en-US" smtClean="0"/>
+              <a:rPr lang="en-US"/>
               <a:t>Fifth level</a:t>
             </a:r>
             <a:endParaRPr lang="en-NZ"/>
@@ -8043,7 +7971,7 @@
           <a:p>
             <a:fld id="{F5A7111B-9274-E740-8D8C-FD3A10CAAC92}" type="datetime1">
               <a:rPr lang="en-NZ" smtClean="0"/>
-              <a:t>8/11/16</a:t>
+              <a:t>18/03/2025</a:t>
             </a:fld>
             <a:endParaRPr lang="en-NZ"/>
           </a:p>
@@ -8517,38 +8445,37 @@
           <a:p>
             <a:pPr lvl="0"/>
             <a:r>
-              <a:rPr lang="en-US" smtClean="0"/>
+              <a:rPr lang="en-US"/>
               <a:t>Click to edit Master text styles</a:t>
             </a:r>
           </a:p>
           <a:p>
             <a:pPr lvl="1"/>
             <a:r>
-              <a:rPr lang="en-US" smtClean="0"/>
+              <a:rPr lang="en-US"/>
               <a:t>Second level</a:t>
             </a:r>
           </a:p>
           <a:p>
             <a:pPr lvl="2"/>
             <a:r>
-              <a:rPr lang="en-US" smtClean="0"/>
+              <a:rPr lang="en-US"/>
               <a:t>Third level</a:t>
             </a:r>
           </a:p>
           <a:p>
             <a:pPr lvl="3"/>
             <a:r>
-              <a:rPr lang="en-US" smtClean="0"/>
+              <a:rPr lang="en-US"/>
               <a:t>Fourth level</a:t>
             </a:r>
           </a:p>
           <a:p>
             <a:pPr lvl="4"/>
             <a:r>
-              <a:rPr lang="en-US" smtClean="0"/>
+              <a:rPr lang="en-US"/>
               <a:t>Fifth level</a:t>
             </a:r>
-            <a:endParaRPr lang="en-US"/>
           </a:p>
         </p:txBody>
       </p:sp>
@@ -8568,14 +8495,6 @@
     <p:sldLayoutId id="2147483670" r:id="rId10"/>
     <p:sldLayoutId id="2147483671" r:id="rId11"/>
   </p:sldLayoutIdLst>
-  <mc:AlternateContent xmlns:mc="http://schemas.openxmlformats.org/markup-compatibility/2006" xmlns:p14="http://schemas.microsoft.com/office/powerpoint/2010/main">
-    <mc:Choice Requires="p14">
-      <p:transition spd="slow" p14:dur="2000"/>
-    </mc:Choice>
-    <mc:Fallback xmlns="">
-      <p:transition spd="slow"/>
-    </mc:Fallback>
-  </mc:AlternateContent>
   <p:hf hdr="0" ftr="0" dt="0"/>
   <p:txStyles>
     <p:titleStyle>
@@ -9002,7 +8921,7 @@
               </a:tabLst>
             </a:pPr>
             <a:r>
-              <a:rPr lang="en-AU" sz="5400" b="0" i="0" u="none" strike="noStrike" baseline="0" dirty="0" smtClean="0">
+              <a:rPr lang="en-AU" sz="5400" b="0" i="0" u="none" strike="noStrike" baseline="0" dirty="0">
                 <a:ln>
                   <a:noFill/>
                 </a:ln>
@@ -9013,21 +8932,7 @@
                 <a:ea typeface="Times New Roman" pitchFamily="2"/>
                 <a:cs typeface="Times New Roman" pitchFamily="2"/>
               </a:rPr>
-              <a:t>Data </a:t>
-            </a:r>
-            <a:r>
-              <a:rPr lang="en-AU" sz="5400" b="0" i="0" u="none" strike="noStrike" baseline="0" dirty="0">
-                <a:ln>
-                  <a:noFill/>
-                </a:ln>
-                <a:solidFill>
-                  <a:srgbClr val="000000"/>
-                </a:solidFill>
-                <a:latin typeface="Utopia" pitchFamily="34"/>
-                <a:ea typeface="Times New Roman" pitchFamily="2"/>
-                <a:cs typeface="Times New Roman" pitchFamily="2"/>
-              </a:rPr>
-              <a:t>Mining</a:t>
+              <a:t>Data Mining</a:t>
             </a:r>
           </a:p>
           <a:p>
@@ -9150,24 +9055,10 @@
                 <a:ea typeface="Times New Roman" pitchFamily="2"/>
                 <a:cs typeface="Times New Roman" pitchFamily="2"/>
               </a:rPr>
-              <a:t>Slides for Chapter </a:t>
-            </a:r>
-            <a:r>
-              <a:rPr lang="en-AU" sz="2400" b="0" i="0" u="none" strike="noStrike" baseline="0" dirty="0" smtClean="0">
-                <a:ln>
-                  <a:noFill/>
-                </a:ln>
-                <a:solidFill>
-                  <a:srgbClr val="000000"/>
-                </a:solidFill>
-                <a:latin typeface="Utopia" pitchFamily="34"/>
-                <a:ea typeface="Times New Roman" pitchFamily="2"/>
-                <a:cs typeface="Times New Roman" pitchFamily="2"/>
-              </a:rPr>
-              <a:t>12,</a:t>
-            </a:r>
-            <a:r>
-              <a:rPr lang="en-AU" sz="2400" b="0" i="0" u="none" strike="noStrike" dirty="0" smtClean="0">
+              <a:t>Slides for Chapter 12,</a:t>
+            </a:r>
+            <a:r>
+              <a:rPr lang="en-AU" sz="2400" b="0" i="0" u="none" strike="noStrike" dirty="0">
                 <a:ln>
                   <a:noFill/>
                 </a:ln>
@@ -9245,7 +9136,7 @@
               </a:tabLst>
             </a:pPr>
             <a:r>
-              <a:rPr lang="en-AU" sz="2400" b="0" i="0" u="none" strike="noStrike" baseline="0" dirty="0" smtClean="0">
+              <a:rPr lang="en-AU" sz="2400" b="0" i="0" u="none" strike="noStrike" baseline="0" dirty="0">
                 <a:ln>
                   <a:noFill/>
                 </a:ln>
@@ -9256,10 +9147,10 @@
                 <a:ea typeface="Times New Roman" pitchFamily="2"/>
                 <a:cs typeface="Times New Roman" pitchFamily="2"/>
               </a:rPr>
-              <a:t> </a:t>
-            </a:r>
-            <a:r>
-              <a:rPr lang="en-AU" sz="2400" b="0" i="0" u="none" strike="noStrike" baseline="0" dirty="0">
+              <a:t> of </a:t>
+            </a:r>
+            <a:r>
+              <a:rPr lang="en-AU" sz="2400" b="0" i="1" u="none" strike="noStrike" baseline="0" dirty="0">
                 <a:ln>
                   <a:noFill/>
                 </a:ln>
@@ -9270,10 +9161,10 @@
                 <a:ea typeface="Times New Roman" pitchFamily="2"/>
                 <a:cs typeface="Times New Roman" pitchFamily="2"/>
               </a:rPr>
-              <a:t>of </a:t>
-            </a:r>
-            <a:r>
-              <a:rPr lang="en-AU" sz="2400" b="0" i="1" u="none" strike="noStrike" baseline="0" dirty="0">
+              <a:t>Data Mining</a:t>
+            </a:r>
+            <a:r>
+              <a:rPr lang="en-AU" sz="2400" b="0" i="0" u="none" strike="noStrike" baseline="0" dirty="0">
                 <a:ln>
                   <a:noFill/>
                 </a:ln>
@@ -9284,47 +9175,8 @@
                 <a:ea typeface="Times New Roman" pitchFamily="2"/>
                 <a:cs typeface="Times New Roman" pitchFamily="2"/>
               </a:rPr>
-              <a:t>Data Mining</a:t>
-            </a:r>
-            <a:r>
-              <a:rPr lang="en-AU" sz="2400" b="0" i="0" u="none" strike="noStrike" baseline="0" dirty="0">
-                <a:ln>
-                  <a:noFill/>
-                </a:ln>
-                <a:solidFill>
-                  <a:srgbClr val="000000"/>
-                </a:solidFill>
-                <a:latin typeface="Utopia" pitchFamily="34"/>
-                <a:ea typeface="Times New Roman" pitchFamily="2"/>
-                <a:cs typeface="Times New Roman" pitchFamily="2"/>
-              </a:rPr>
-              <a:t> by I. H. Witten, E. </a:t>
-            </a:r>
-            <a:r>
-              <a:rPr lang="en-AU" sz="2400" b="0" i="0" u="none" strike="noStrike" baseline="0" dirty="0" smtClean="0">
-                <a:ln>
-                  <a:noFill/>
-                </a:ln>
-                <a:solidFill>
-                  <a:srgbClr val="000000"/>
-                </a:solidFill>
-                <a:latin typeface="Utopia" pitchFamily="34"/>
-                <a:ea typeface="Times New Roman" pitchFamily="2"/>
-                <a:cs typeface="Times New Roman" pitchFamily="2"/>
-              </a:rPr>
-              <a:t>Frank,</a:t>
-            </a:r>
-            <a:endParaRPr lang="en-AU" sz="2400" b="0" i="0" u="none" strike="noStrike" baseline="0" dirty="0">
-              <a:ln>
-                <a:noFill/>
-              </a:ln>
-              <a:solidFill>
-                <a:srgbClr val="000000"/>
-              </a:solidFill>
-              <a:latin typeface="Utopia" pitchFamily="34"/>
-              <a:ea typeface="Times New Roman" pitchFamily="2"/>
-              <a:cs typeface="Times New Roman" pitchFamily="2"/>
-            </a:endParaRPr>
+              <a:t> by I. H. Witten, E. Frank,</a:t>
+            </a:r>
           </a:p>
           <a:p>
             <a:pPr marL="0" marR="0" lvl="0" indent="0" algn="ctr" rtl="0" hangingPunct="0">
@@ -9365,21 +9217,7 @@
                 <a:ea typeface="Times New Roman" pitchFamily="2"/>
                 <a:cs typeface="Times New Roman" pitchFamily="2"/>
               </a:rPr>
-              <a:t>M. A. </a:t>
-            </a:r>
-            <a:r>
-              <a:rPr lang="en-AU" sz="2400" b="0" i="0" u="none" strike="noStrike" baseline="0" dirty="0" smtClean="0">
-                <a:ln>
-                  <a:noFill/>
-                </a:ln>
-                <a:solidFill>
-                  <a:srgbClr val="000000"/>
-                </a:solidFill>
-                <a:latin typeface="Utopia" pitchFamily="34"/>
-                <a:ea typeface="Times New Roman" pitchFamily="2"/>
-                <a:cs typeface="Times New Roman" pitchFamily="2"/>
-              </a:rPr>
-              <a:t>Hall and C. J. Pal</a:t>
+              <a:t>M. A. Hall and C. J. Pal</a:t>
             </a:r>
             <a:endParaRPr lang="en-AU" sz="2200" b="0" i="0" u="none" strike="noStrike" baseline="0" dirty="0">
               <a:ln>
@@ -9478,14 +9316,6 @@
   <p:clrMapOvr>
     <a:masterClrMapping/>
   </p:clrMapOvr>
-  <mc:AlternateContent xmlns:mc="http://schemas.openxmlformats.org/markup-compatibility/2006" xmlns:p14="http://schemas.microsoft.com/office/powerpoint/2010/main">
-    <mc:Choice Requires="p14">
-      <p:transition spd="slow" p14:dur="2000"/>
-    </mc:Choice>
-    <mc:Fallback xmlns="">
-      <p:transition spd="slow"/>
-    </mc:Fallback>
-  </mc:AlternateContent>
 </p:sld>
 </file>
 
@@ -9531,13 +9361,8 @@
             <a:pPr lvl="0"/>
             <a:r>
               <a:rPr lang="en-US" sz="3600" dirty="0"/>
-              <a:t>Rotation </a:t>
-            </a:r>
-            <a:r>
-              <a:rPr lang="en-US" sz="3600" dirty="0" smtClean="0"/>
-              <a:t>forests: motivation</a:t>
-            </a:r>
-            <a:endParaRPr lang="en-US" sz="3600" dirty="0"/>
+              <a:t>Rotation forests: motivation</a:t>
+            </a:r>
           </a:p>
         </p:txBody>
       </p:sp>
@@ -9578,34 +9403,25 @@
             <a:pPr lvl="0"/>
             <a:r>
               <a:rPr lang="en-US" sz="2400" dirty="0"/>
-              <a:t>Randomness in the learning algorithm increases diversity but sacrifices accuracy of individual ensemble </a:t>
-            </a:r>
-            <a:r>
-              <a:rPr lang="en-US" sz="2400" dirty="0" smtClean="0"/>
-              <a:t>members</a:t>
+              <a:t>Randomness in the learning algorithm increases diversity but sacrifices accuracy of individual ensemble members</a:t>
             </a:r>
           </a:p>
           <a:p>
             <a:pPr lvl="1"/>
             <a:r>
-              <a:rPr lang="en-US" sz="2000" dirty="0" smtClean="0"/>
+              <a:rPr lang="en-US" sz="2000" dirty="0"/>
               <a:t>This is why random forests normally require hundreds or thousands of ensemble members to achieve their best performance</a:t>
             </a:r>
-            <a:endParaRPr lang="en-US" sz="2000" dirty="0"/>
           </a:p>
           <a:p>
             <a:pPr lvl="0"/>
             <a:r>
-              <a:rPr lang="en-US" sz="2400" dirty="0" smtClean="0"/>
+              <a:rPr lang="en-US" sz="2400" dirty="0"/>
               <a:t>So-called </a:t>
             </a:r>
             <a:r>
-              <a:rPr lang="en-US" sz="2400" i="1" dirty="0" smtClean="0"/>
-              <a:t>rotation </a:t>
-            </a:r>
-            <a:r>
               <a:rPr lang="en-US" sz="2400" i="1" dirty="0"/>
-              <a:t>forests </a:t>
+              <a:t>rotation forests </a:t>
             </a:r>
             <a:r>
               <a:rPr lang="en-US" sz="2400" dirty="0"/>
@@ -9651,14 +9467,6 @@
   <p:clrMapOvr>
     <a:masterClrMapping/>
   </p:clrMapOvr>
-  <mc:AlternateContent xmlns:mc="http://schemas.openxmlformats.org/markup-compatibility/2006" xmlns:p14="http://schemas.microsoft.com/office/powerpoint/2010/main">
-    <mc:Choice Requires="p14">
-      <p:transition spd="slow" p14:dur="2000"/>
-    </mc:Choice>
-    <mc:Fallback xmlns="">
-      <p:transition spd="slow"/>
-    </mc:Fallback>
-  </mc:AlternateContent>
 </p:sld>
 </file>
 
@@ -9741,23 +9549,15 @@
             <a:pPr lvl="0"/>
             <a:r>
               <a:rPr lang="en-US" sz="2400" dirty="0"/>
-              <a:t>An </a:t>
-            </a:r>
-            <a:r>
-              <a:rPr lang="en-US" sz="2400" dirty="0" smtClean="0"/>
-              <a:t>iteration of the algorithm for creating rotation forests, building </a:t>
-            </a:r>
-            <a:r>
-              <a:rPr lang="en-US" sz="2400" i="1" dirty="0" smtClean="0"/>
+              <a:t>An iteration of the algorithm for creating rotation forests, building </a:t>
+            </a:r>
+            <a:r>
+              <a:rPr lang="en-US" sz="2400" i="1" dirty="0"/>
               <a:t>k</a:t>
             </a:r>
             <a:r>
-              <a:rPr lang="en-US" sz="2400" dirty="0" smtClean="0"/>
-              <a:t> ensemble members, </a:t>
-            </a:r>
-            <a:r>
               <a:rPr lang="en-US" sz="2400" dirty="0"/>
-              <a:t>involves</a:t>
+              <a:t> ensemble members, involves</a:t>
             </a:r>
           </a:p>
           <a:p>
@@ -9809,20 +9609,15 @@
             <a:pPr lvl="0"/>
             <a:r>
               <a:rPr lang="en-US" sz="2400" dirty="0"/>
-              <a:t>Further increases in diversity can be achieved by creating a bootstrap sample in each iteration before applying </a:t>
-            </a:r>
-            <a:r>
-              <a:rPr lang="en-US" sz="2400" dirty="0" smtClean="0"/>
-              <a:t>PCA</a:t>
+              <a:t>Further increases in diversity can be achieved by creating a bootstrap sample in each iteration before applying PCA</a:t>
             </a:r>
           </a:p>
           <a:p>
             <a:pPr lvl="0"/>
             <a:r>
-              <a:rPr lang="en-US" sz="2400" dirty="0" smtClean="0"/>
+              <a:rPr lang="en-US" sz="2400" dirty="0"/>
               <a:t>Performance of this method compares favorably to that of random forests on many practical datasets</a:t>
             </a:r>
-            <a:endParaRPr lang="en-US" sz="2400" dirty="0"/>
           </a:p>
         </p:txBody>
       </p:sp>
@@ -9854,14 +9649,6 @@
   <p:clrMapOvr>
     <a:masterClrMapping/>
   </p:clrMapOvr>
-  <mc:AlternateContent xmlns:mc="http://schemas.openxmlformats.org/markup-compatibility/2006" xmlns:p14="http://schemas.microsoft.com/office/powerpoint/2010/main">
-    <mc:Choice Requires="p14">
-      <p:transition spd="slow" p14:dur="2000"/>
-    </mc:Choice>
-    <mc:Fallback xmlns="">
-      <p:transition spd="slow"/>
-    </mc:Fallback>
-  </mc:AlternateContent>
 </p:sld>
 </file>
 
@@ -9969,7 +9756,7 @@
               </a:tabLst>
             </a:pPr>
             <a:r>
-              <a:rPr lang="en-US" sz="2400" b="0" i="0" u="none" strike="noStrike" baseline="0" dirty="0" smtClean="0">
+              <a:rPr lang="en-US" sz="2400" b="0" i="0" u="none" strike="noStrike" baseline="0" dirty="0">
                 <a:ln>
                   <a:noFill/>
                 </a:ln>
@@ -10015,7 +9802,7 @@
               </a:tabLst>
             </a:pPr>
             <a:r>
-              <a:rPr lang="en-US" sz="2400" b="0" i="0" u="none" strike="noStrike" baseline="0" dirty="0" smtClean="0">
+              <a:rPr lang="en-US" sz="2400" b="0" i="0" u="none" strike="noStrike" baseline="0" dirty="0">
                 <a:ln>
                   <a:noFill/>
                 </a:ln>
@@ -10028,7 +9815,7 @@
               <a:t>Boosting</a:t>
             </a:r>
             <a:r>
-              <a:rPr lang="en-US" sz="2400" b="0" i="0" u="none" strike="noStrike" dirty="0" smtClean="0">
+              <a:rPr lang="en-US" sz="2400" b="0" i="0" u="none" strike="noStrike" dirty="0">
                 <a:ln>
                   <a:noFill/>
                 </a:ln>
@@ -10041,7 +9828,7 @@
               <a:t> is an </a:t>
             </a:r>
             <a:r>
-              <a:rPr lang="en-US" sz="2400" dirty="0" smtClean="0">
+              <a:rPr lang="en-US" sz="2400" dirty="0">
                 <a:solidFill>
                   <a:srgbClr val="000000"/>
                 </a:solidFill>
@@ -10084,19 +9871,6 @@
               </a:tabLst>
             </a:pPr>
             <a:r>
-              <a:rPr lang="en-US" sz="2400" b="0" i="0" u="none" strike="noStrike" baseline="0" dirty="0" smtClean="0">
-                <a:ln>
-                  <a:noFill/>
-                </a:ln>
-                <a:solidFill>
-                  <a:srgbClr val="000000"/>
-                </a:solidFill>
-                <a:ea typeface="Gothic" pitchFamily="2"/>
-                <a:cs typeface="Lucidasans" pitchFamily="2"/>
-              </a:rPr>
-              <a:t>Also </a:t>
-            </a:r>
-            <a:r>
               <a:rPr lang="en-US" sz="2400" b="0" i="0" u="none" strike="noStrike" baseline="0" dirty="0">
                 <a:ln>
                   <a:noFill/>
@@ -10107,7 +9881,7 @@
                 <a:ea typeface="Gothic" pitchFamily="2"/>
                 <a:cs typeface="Lucidasans" pitchFamily="2"/>
               </a:rPr>
-              <a:t>uses voting/averaging</a:t>
+              <a:t>Also uses voting/averaging</a:t>
             </a:r>
           </a:p>
           <a:p>
@@ -10143,7 +9917,7 @@
               </a:tabLst>
             </a:pPr>
             <a:r>
-              <a:rPr lang="en-US" sz="2400" dirty="0" smtClean="0">
+              <a:rPr lang="en-US" sz="2400" dirty="0">
                 <a:solidFill>
                   <a:srgbClr val="000000"/>
                 </a:solidFill>
@@ -10153,19 +9927,6 @@
               <a:t>But: w</a:t>
             </a:r>
             <a:r>
-              <a:rPr lang="en-US" sz="2400" b="0" i="0" u="none" strike="noStrike" baseline="0" dirty="0" smtClean="0">
-                <a:ln>
-                  <a:noFill/>
-                </a:ln>
-                <a:solidFill>
-                  <a:srgbClr val="000000"/>
-                </a:solidFill>
-                <a:ea typeface="Gothic" pitchFamily="2"/>
-                <a:cs typeface="Lucidasans" pitchFamily="2"/>
-              </a:rPr>
-              <a:t>eights </a:t>
-            </a:r>
-            <a:r>
               <a:rPr lang="en-US" sz="2400" b="0" i="0" u="none" strike="noStrike" baseline="0" dirty="0">
                 <a:ln>
                   <a:noFill/>
@@ -10176,7 +9937,7 @@
                 <a:ea typeface="Gothic" pitchFamily="2"/>
                 <a:cs typeface="Lucidasans" pitchFamily="2"/>
               </a:rPr>
-              <a:t>models according to performance</a:t>
+              <a:t>eights models according to performance</a:t>
             </a:r>
           </a:p>
           <a:p>
@@ -10338,7 +10099,7 @@
               </a:tabLst>
             </a:pPr>
             <a:r>
-              <a:rPr lang="en-US" sz="2400" b="0" i="0" u="none" strike="noStrike" baseline="0" dirty="0" smtClean="0">
+              <a:rPr lang="en-US" sz="2400" b="0" i="0" u="none" strike="noStrike" baseline="0" dirty="0">
                 <a:ln>
                   <a:noFill/>
                 </a:ln>
@@ -10350,16 +10111,6 @@
               </a:rPr>
               <a:t>Many variants of boosting exist, we cover a couple</a:t>
             </a:r>
-            <a:endParaRPr lang="en-US" sz="2400" b="0" i="0" u="none" strike="noStrike" baseline="0" dirty="0">
-              <a:ln>
-                <a:noFill/>
-              </a:ln>
-              <a:solidFill>
-                <a:srgbClr val="000000"/>
-              </a:solidFill>
-              <a:ea typeface="Gothic" pitchFamily="2"/>
-              <a:cs typeface="Lucidasans" pitchFamily="2"/>
-            </a:endParaRPr>
           </a:p>
         </p:txBody>
       </p:sp>
@@ -10391,14 +10142,6 @@
   <p:clrMapOvr>
     <a:masterClrMapping/>
   </p:clrMapOvr>
-  <mc:AlternateContent xmlns:mc="http://schemas.openxmlformats.org/markup-compatibility/2006" xmlns:p14="http://schemas.microsoft.com/office/powerpoint/2010/main">
-    <mc:Choice Requires="p14">
-      <p:transition spd="slow" p14:dur="2000"/>
-    </mc:Choice>
-    <mc:Fallback xmlns="">
-      <p:transition spd="slow"/>
-    </mc:Fallback>
-  </mc:AlternateContent>
 </p:sld>
 </file>
 
@@ -10443,10 +10186,9 @@
           <a:p>
             <a:pPr lvl="0"/>
             <a:r>
-              <a:rPr lang="en-US" sz="3600" dirty="0" smtClean="0"/>
+              <a:rPr lang="en-US" sz="3600" dirty="0"/>
               <a:t>Boosting using AdaBoost.M1</a:t>
             </a:r>
-            <a:endParaRPr lang="en-US" sz="3600" dirty="0"/>
           </a:p>
         </p:txBody>
       </p:sp>
@@ -11756,14 +11498,6 @@
   <p:clrMapOvr>
     <a:masterClrMapping/>
   </p:clrMapOvr>
-  <mc:AlternateContent xmlns:mc="http://schemas.openxmlformats.org/markup-compatibility/2006" xmlns:p14="http://schemas.microsoft.com/office/powerpoint/2010/main">
-    <mc:Choice Requires="p14">
-      <p:transition spd="slow" p14:dur="2000"/>
-    </mc:Choice>
-    <mc:Fallback xmlns="">
-      <p:transition spd="slow"/>
-    </mc:Fallback>
-  </mc:AlternateContent>
 </p:sld>
 </file>
 
@@ -11808,10 +11542,9 @@
           <a:p>
             <a:pPr lvl="0"/>
             <a:r>
-              <a:rPr lang="en-US" sz="3600" dirty="0" smtClean="0"/>
+              <a:rPr lang="en-US" sz="3600" dirty="0"/>
               <a:t>Comments on AdaBoost.M1</a:t>
             </a:r>
-            <a:endParaRPr lang="en-US" sz="3600" dirty="0"/>
           </a:p>
         </p:txBody>
       </p:sp>
@@ -11928,19 +11661,6 @@
               <a:t>c</a:t>
             </a:r>
             <a:r>
-              <a:rPr lang="en-US" sz="2400" b="0" i="0" u="none" strike="noStrike" baseline="0" dirty="0" smtClean="0">
-                <a:ln>
-                  <a:noFill/>
-                </a:ln>
-                <a:solidFill>
-                  <a:srgbClr val="000000"/>
-                </a:solidFill>
-                <a:ea typeface="Gothic" pitchFamily="2"/>
-                <a:cs typeface="Lucidasans" pitchFamily="2"/>
-              </a:rPr>
-              <a:t>an </a:t>
-            </a:r>
-            <a:r>
               <a:rPr lang="en-US" sz="2400" b="0" i="0" u="none" strike="noStrike" baseline="0" dirty="0">
                 <a:ln>
                   <a:noFill/>
@@ -11951,7 +11671,7 @@
                 <a:ea typeface="Gothic" pitchFamily="2"/>
                 <a:cs typeface="Lucidasans" pitchFamily="2"/>
               </a:rPr>
-              <a:t>adapt learning algorithm ... </a:t>
+              <a:t>an adapt learning algorithm ... </a:t>
             </a:r>
             <a:r>
               <a:rPr lang="en-US" sz="2400" dirty="0">
@@ -11964,7 +11684,7 @@
               <a:t>o</a:t>
             </a:r>
             <a:r>
-              <a:rPr lang="en-US" sz="2400" b="0" i="0" u="none" strike="noStrike" baseline="0" dirty="0" smtClean="0">
+              <a:rPr lang="en-US" sz="2400" b="0" i="0" u="none" strike="noStrike" baseline="0" dirty="0">
                 <a:ln>
                   <a:noFill/>
                 </a:ln>
@@ -11976,16 +11696,6 @@
               </a:rPr>
               <a:t>r</a:t>
             </a:r>
-            <a:endParaRPr lang="en-US" sz="2400" b="0" i="0" u="none" strike="noStrike" baseline="0" dirty="0">
-              <a:ln>
-                <a:noFill/>
-              </a:ln>
-              <a:solidFill>
-                <a:srgbClr val="000000"/>
-              </a:solidFill>
-              <a:ea typeface="Gothic" pitchFamily="2"/>
-              <a:cs typeface="Lucidasans" pitchFamily="2"/>
-            </a:endParaRPr>
           </a:p>
           <a:p>
             <a:pPr marL="342900" marR="0" lvl="0" indent="-342900" algn="l" rtl="0" hangingPunct="0">
@@ -12030,19 +11740,6 @@
               <a:t>c</a:t>
             </a:r>
             <a:r>
-              <a:rPr lang="en-US" sz="2400" b="0" i="0" u="none" strike="noStrike" baseline="0" dirty="0" smtClean="0">
-                <a:ln>
-                  <a:noFill/>
-                </a:ln>
-                <a:solidFill>
-                  <a:srgbClr val="000000"/>
-                </a:solidFill>
-                <a:ea typeface="Gothic" pitchFamily="2"/>
-                <a:cs typeface="Lucidasans" pitchFamily="2"/>
-              </a:rPr>
-              <a:t>an </a:t>
-            </a:r>
-            <a:r>
               <a:rPr lang="en-US" sz="2400" b="0" i="0" u="none" strike="noStrike" baseline="0" dirty="0">
                 <a:ln>
                   <a:noFill/>
@@ -12053,7 +11750,7 @@
                 <a:ea typeface="Gothic" pitchFamily="2"/>
                 <a:cs typeface="Lucidasans" pitchFamily="2"/>
               </a:rPr>
-              <a:t>apply boosting </a:t>
+              <a:t>an apply boosting </a:t>
             </a:r>
             <a:r>
               <a:rPr lang="en-US" sz="2400" b="0" i="1" u="none" strike="noStrike" baseline="0" dirty="0">
@@ -12079,31 +11776,8 @@
                 <a:ea typeface="Gothic" pitchFamily="2"/>
                 <a:cs typeface="Lucidasans" pitchFamily="2"/>
               </a:rPr>
-              <a:t> </a:t>
-            </a:r>
-            <a:r>
-              <a:rPr lang="en-US" sz="2400" b="0" i="0" u="none" strike="noStrike" baseline="0" dirty="0" smtClean="0">
-                <a:ln>
-                  <a:noFill/>
-                </a:ln>
-                <a:solidFill>
-                  <a:srgbClr val="000000"/>
-                </a:solidFill>
-                <a:ea typeface="Gothic" pitchFamily="2"/>
-                <a:cs typeface="Lucidasans" pitchFamily="2"/>
-              </a:rPr>
-              <a:t>weights:</a:t>
-            </a:r>
-            <a:endParaRPr lang="en-US" sz="2400" b="0" i="0" u="none" strike="noStrike" baseline="0" dirty="0">
-              <a:ln>
-                <a:noFill/>
-              </a:ln>
-              <a:solidFill>
-                <a:srgbClr val="000000"/>
-              </a:solidFill>
-              <a:ea typeface="Gothic" pitchFamily="2"/>
-              <a:cs typeface="Lucidasans" pitchFamily="2"/>
-            </a:endParaRPr>
+              <a:t> weights:</a:t>
+            </a:r>
           </a:p>
           <a:p>
             <a:pPr marL="800100" lvl="2" indent="-342900" hangingPunct="0">
@@ -12142,19 +11816,6 @@
               <a:t>R</a:t>
             </a:r>
             <a:r>
-              <a:rPr lang="en-US" sz="2000" b="0" i="0" u="none" strike="noStrike" baseline="0" dirty="0" smtClean="0">
-                <a:ln>
-                  <a:noFill/>
-                </a:ln>
-                <a:solidFill>
-                  <a:srgbClr val="000000"/>
-                </a:solidFill>
-                <a:ea typeface="Gothic" pitchFamily="2"/>
-                <a:cs typeface="Lucidasans" pitchFamily="2"/>
-              </a:rPr>
-              <a:t>esample data with </a:t>
-            </a:r>
-            <a:r>
               <a:rPr lang="en-US" sz="2000" b="0" i="0" u="none" strike="noStrike" baseline="0" dirty="0">
                 <a:ln>
                   <a:noFill/>
@@ -12165,7 +11826,7 @@
                 <a:ea typeface="Gothic" pitchFamily="2"/>
                 <a:cs typeface="Lucidasans" pitchFamily="2"/>
               </a:rPr>
-              <a:t>probability determined by weights</a:t>
+              <a:t>esample data with probability determined by weights</a:t>
             </a:r>
           </a:p>
           <a:p>
@@ -12205,19 +11866,6 @@
               <a:t>D</a:t>
             </a:r>
             <a:r>
-              <a:rPr lang="en-US" sz="2000" b="0" i="0" u="none" strike="noStrike" baseline="0" dirty="0" smtClean="0">
-                <a:ln>
-                  <a:noFill/>
-                </a:ln>
-                <a:solidFill>
-                  <a:srgbClr val="000000"/>
-                </a:solidFill>
-                <a:ea typeface="Gothic" pitchFamily="2"/>
-                <a:cs typeface="Lucidasans" pitchFamily="2"/>
-              </a:rPr>
-              <a:t>isadvantage</a:t>
-            </a:r>
-            <a:r>
               <a:rPr lang="en-US" sz="2000" b="0" i="0" u="none" strike="noStrike" baseline="0" dirty="0">
                 <a:ln>
                   <a:noFill/>
@@ -12228,7 +11876,7 @@
                 <a:ea typeface="Gothic" pitchFamily="2"/>
                 <a:cs typeface="Lucidasans" pitchFamily="2"/>
               </a:rPr>
-              <a:t>: not all instances are used</a:t>
+              <a:t>isadvantage: not all instances are used</a:t>
             </a:r>
           </a:p>
           <a:p>
@@ -12268,19 +11916,6 @@
               <a:t>A</a:t>
             </a:r>
             <a:r>
-              <a:rPr lang="en-US" sz="2000" b="0" i="0" u="none" strike="noStrike" baseline="0" dirty="0" smtClean="0">
-                <a:ln>
-                  <a:noFill/>
-                </a:ln>
-                <a:solidFill>
-                  <a:srgbClr val="000000"/>
-                </a:solidFill>
-                <a:ea typeface="Gothic" pitchFamily="2"/>
-                <a:cs typeface="Lucidasans" pitchFamily="2"/>
-              </a:rPr>
-              <a:t>dvantage</a:t>
-            </a:r>
-            <a:r>
               <a:rPr lang="en-US" sz="2000" b="0" i="0" u="none" strike="noStrike" baseline="0" dirty="0">
                 <a:ln>
                   <a:noFill/>
@@ -12291,7 +11926,7 @@
                 <a:ea typeface="Gothic" pitchFamily="2"/>
                 <a:cs typeface="Lucidasans" pitchFamily="2"/>
               </a:rPr>
-              <a:t>: if error &gt; 0.5, can resample again</a:t>
+              <a:t>dvantage: if error &gt; 0.5, can resample again</a:t>
             </a:r>
           </a:p>
           <a:p>
@@ -12327,7 +11962,7 @@
               </a:tabLst>
             </a:pPr>
             <a:r>
-              <a:rPr lang="en-US" sz="2400" dirty="0" smtClean="0">
+              <a:rPr lang="en-US" sz="2400" dirty="0">
                 <a:solidFill>
                   <a:srgbClr val="000000"/>
                 </a:solidFill>
@@ -12337,7 +11972,7 @@
               <a:t>The AdaBoost.M1 boosting algorithm s</a:t>
             </a:r>
             <a:r>
-              <a:rPr lang="en-US" sz="2400" b="0" i="0" u="none" strike="noStrike" baseline="0" dirty="0" smtClean="0">
+              <a:rPr lang="en-US" sz="2400" b="0" i="0" u="none" strike="noStrike" baseline="0" dirty="0">
                 <a:ln>
                   <a:noFill/>
                 </a:ln>
@@ -12446,19 +12081,6 @@
               <a:t>T</a:t>
             </a:r>
             <a:r>
-              <a:rPr lang="en-US" sz="2000" b="0" i="0" u="none" strike="noStrike" baseline="0" dirty="0" smtClean="0">
-                <a:ln>
-                  <a:noFill/>
-                </a:ln>
-                <a:solidFill>
-                  <a:srgbClr val="000000"/>
-                </a:solidFill>
-                <a:ea typeface="Gothic" pitchFamily="2"/>
-                <a:cs typeface="Lucidasans" pitchFamily="2"/>
-              </a:rPr>
-              <a:t>raining </a:t>
-            </a:r>
-            <a:r>
               <a:rPr lang="en-US" sz="2000" b="0" i="0" u="none" strike="noStrike" baseline="0" dirty="0">
                 <a:ln>
                   <a:noFill/>
@@ -12469,31 +12091,8 @@
                 <a:ea typeface="Gothic" pitchFamily="2"/>
                 <a:cs typeface="Lucidasans" pitchFamily="2"/>
               </a:rPr>
-              <a:t>error decreases </a:t>
-            </a:r>
-            <a:r>
-              <a:rPr lang="en-US" sz="2000" b="0" i="0" u="none" strike="noStrike" baseline="0" dirty="0" smtClean="0">
-                <a:ln>
-                  <a:noFill/>
-                </a:ln>
-                <a:solidFill>
-                  <a:srgbClr val="000000"/>
-                </a:solidFill>
-                <a:ea typeface="Gothic" pitchFamily="2"/>
-                <a:cs typeface="Lucidasans" pitchFamily="2"/>
-              </a:rPr>
-              <a:t>exponentially as iterations are performed</a:t>
-            </a:r>
-            <a:endParaRPr lang="en-US" sz="2000" b="0" i="0" u="none" strike="noStrike" baseline="0" dirty="0">
-              <a:ln>
-                <a:noFill/>
-              </a:ln>
-              <a:solidFill>
-                <a:srgbClr val="000000"/>
-              </a:solidFill>
-              <a:ea typeface="Gothic" pitchFamily="2"/>
-              <a:cs typeface="Lucidasans" pitchFamily="2"/>
-            </a:endParaRPr>
+              <a:t>raining error decreases exponentially as iterations are performed</a:t>
+            </a:r>
           </a:p>
           <a:p>
             <a:pPr marL="342900" marR="0" lvl="0" indent="-342900" algn="l" rtl="0" hangingPunct="0">
@@ -12528,7 +12127,7 @@
               </a:tabLst>
             </a:pPr>
             <a:r>
-              <a:rPr lang="en-US" sz="2400" b="0" i="0" u="none" strike="noStrike" baseline="0" dirty="0" smtClean="0">
+              <a:rPr lang="en-US" sz="2400" b="0" i="0" u="none" strike="noStrike" baseline="0" dirty="0">
                 <a:ln>
                   <a:noFill/>
                 </a:ln>
@@ -12540,16 +12139,6 @@
               </a:rPr>
               <a:t>Other theoretical results:</a:t>
             </a:r>
-            <a:endParaRPr lang="en-US" sz="2400" b="0" i="0" u="none" strike="noStrike" baseline="0" dirty="0">
-              <a:ln>
-                <a:noFill/>
-              </a:ln>
-              <a:solidFill>
-                <a:srgbClr val="000000"/>
-              </a:solidFill>
-              <a:ea typeface="Gothic" pitchFamily="2"/>
-              <a:cs typeface="Lucidasans" pitchFamily="2"/>
-            </a:endParaRPr>
           </a:p>
           <a:p>
             <a:pPr marL="800100" lvl="2" indent="-342900" hangingPunct="0">
@@ -12578,7 +12167,7 @@
               </a:tabLst>
             </a:pPr>
             <a:r>
-              <a:rPr lang="en-US" sz="2000" dirty="0" smtClean="0">
+              <a:rPr lang="en-US" sz="2000" dirty="0">
                 <a:solidFill>
                   <a:srgbClr val="000000"/>
                 </a:solidFill>
@@ -12588,19 +12177,6 @@
               <a:t>W</a:t>
             </a:r>
             <a:r>
-              <a:rPr lang="en-US" sz="2000" b="0" i="0" u="none" strike="noStrike" baseline="0" dirty="0" smtClean="0">
-                <a:ln>
-                  <a:noFill/>
-                </a:ln>
-                <a:solidFill>
-                  <a:srgbClr val="000000"/>
-                </a:solidFill>
-                <a:ea typeface="Gothic" pitchFamily="2"/>
-                <a:cs typeface="Lucidasans" pitchFamily="2"/>
-              </a:rPr>
-              <a:t>orks well </a:t>
-            </a:r>
-            <a:r>
               <a:rPr lang="en-US" sz="2000" b="0" i="0" u="none" strike="noStrike" baseline="0" dirty="0">
                 <a:ln>
                   <a:noFill/>
@@ -12611,33 +12187,7 @@
                 <a:ea typeface="Gothic" pitchFamily="2"/>
                 <a:cs typeface="Lucidasans" pitchFamily="2"/>
               </a:rPr>
-              <a:t>if base classifiers are not too </a:t>
-            </a:r>
-            <a:r>
-              <a:rPr lang="en-US" sz="2000" b="0" i="0" u="none" strike="noStrike" baseline="0" dirty="0" smtClean="0">
-                <a:ln>
-                  <a:noFill/>
-                </a:ln>
-                <a:solidFill>
-                  <a:srgbClr val="000000"/>
-                </a:solidFill>
-                <a:ea typeface="Gothic" pitchFamily="2"/>
-                <a:cs typeface="Lucidasans" pitchFamily="2"/>
-              </a:rPr>
-              <a:t>complex </a:t>
-            </a:r>
-            <a:r>
-              <a:rPr lang="en-US" sz="2000" b="0" i="0" u="none" strike="noStrike" baseline="0" dirty="0">
-                <a:ln>
-                  <a:noFill/>
-                </a:ln>
-                <a:solidFill>
-                  <a:srgbClr val="000000"/>
-                </a:solidFill>
-                <a:ea typeface="Gothic" pitchFamily="2"/>
-                <a:cs typeface="Lucidasans" pitchFamily="2"/>
-              </a:rPr>
-              <a:t>and</a:t>
+              <a:t>orks well if base classifiers are not too complex and</a:t>
             </a:r>
           </a:p>
           <a:p>
@@ -12677,19 +12227,6 @@
               <a:t>t</a:t>
             </a:r>
             <a:r>
-              <a:rPr lang="en-US" sz="2000" b="0" i="0" u="none" strike="noStrike" baseline="0" dirty="0" smtClean="0">
-                <a:ln>
-                  <a:noFill/>
-                </a:ln>
-                <a:solidFill>
-                  <a:srgbClr val="000000"/>
-                </a:solidFill>
-                <a:ea typeface="Gothic" pitchFamily="2"/>
-                <a:cs typeface="Lucidasans" pitchFamily="2"/>
-              </a:rPr>
-              <a:t>heir </a:t>
-            </a:r>
-            <a:r>
               <a:rPr lang="en-US" sz="2000" b="0" i="0" u="none" strike="noStrike" baseline="0" dirty="0">
                 <a:ln>
                   <a:noFill/>
@@ -12700,23 +12237,10 @@
                 <a:ea typeface="Gothic" pitchFamily="2"/>
                 <a:cs typeface="Lucidasans" pitchFamily="2"/>
               </a:rPr>
-              <a:t>error </a:t>
-            </a:r>
-            <a:r>
-              <a:rPr lang="en-US" sz="2000" b="0" i="0" u="none" strike="noStrike" baseline="0" dirty="0" smtClean="0">
-                <a:ln>
-                  <a:noFill/>
-                </a:ln>
-                <a:solidFill>
-                  <a:srgbClr val="000000"/>
-                </a:solidFill>
-                <a:ea typeface="Gothic" pitchFamily="2"/>
-                <a:cs typeface="Lucidasans" pitchFamily="2"/>
-              </a:rPr>
-              <a:t>does</a:t>
-            </a:r>
-            <a:r>
-              <a:rPr lang="en-US" sz="2000" b="0" i="0" u="none" strike="noStrike" dirty="0" smtClean="0">
+              <a:t>heir error does</a:t>
+            </a:r>
+            <a:r>
+              <a:rPr lang="en-US" sz="2000" b="0" i="0" u="none" strike="noStrike" dirty="0">
                 <a:ln>
                   <a:noFill/>
                 </a:ln>
@@ -12729,19 +12253,6 @@
               <a:t> not</a:t>
             </a:r>
             <a:r>
-              <a:rPr lang="en-US" sz="2000" b="0" i="0" u="none" strike="noStrike" baseline="0" dirty="0" smtClean="0">
-                <a:ln>
-                  <a:noFill/>
-                </a:ln>
-                <a:solidFill>
-                  <a:srgbClr val="000000"/>
-                </a:solidFill>
-                <a:ea typeface="Gothic" pitchFamily="2"/>
-                <a:cs typeface="Lucidasans" pitchFamily="2"/>
-              </a:rPr>
-              <a:t> </a:t>
-            </a:r>
-            <a:r>
               <a:rPr lang="en-US" sz="2000" b="0" i="0" u="none" strike="noStrike" baseline="0" dirty="0">
                 <a:ln>
                   <a:noFill/>
@@ -12752,31 +12263,8 @@
                 <a:ea typeface="Gothic" pitchFamily="2"/>
                 <a:cs typeface="Lucidasans" pitchFamily="2"/>
               </a:rPr>
-              <a:t>become too large too </a:t>
-            </a:r>
-            <a:r>
-              <a:rPr lang="en-US" sz="2000" b="0" i="0" u="none" strike="noStrike" baseline="0" dirty="0" smtClean="0">
-                <a:ln>
-                  <a:noFill/>
-                </a:ln>
-                <a:solidFill>
-                  <a:srgbClr val="000000"/>
-                </a:solidFill>
-                <a:ea typeface="Gothic" pitchFamily="2"/>
-                <a:cs typeface="Lucidasans" pitchFamily="2"/>
-              </a:rPr>
-              <a:t>quickly as more iterations are performed</a:t>
-            </a:r>
-            <a:endParaRPr lang="en-US" sz="2000" b="0" i="0" u="none" strike="noStrike" baseline="0" dirty="0">
-              <a:ln>
-                <a:noFill/>
-              </a:ln>
-              <a:solidFill>
-                <a:srgbClr val="000000"/>
-              </a:solidFill>
-              <a:ea typeface="Gothic" pitchFamily="2"/>
-              <a:cs typeface="Lucidasans" pitchFamily="2"/>
-            </a:endParaRPr>
+              <a:t> become too large too quickly as more iterations are performed</a:t>
+            </a:r>
           </a:p>
         </p:txBody>
       </p:sp>
@@ -12808,14 +12296,6 @@
   <p:clrMapOvr>
     <a:masterClrMapping/>
   </p:clrMapOvr>
-  <mc:AlternateContent xmlns:mc="http://schemas.openxmlformats.org/markup-compatibility/2006" xmlns:p14="http://schemas.microsoft.com/office/powerpoint/2010/main">
-    <mc:Choice Requires="p14">
-      <p:transition spd="slow" p14:dur="2000"/>
-    </mc:Choice>
-    <mc:Fallback xmlns="">
-      <p:transition spd="slow"/>
-    </mc:Fallback>
-  </mc:AlternateContent>
 </p:sld>
 </file>
 
@@ -12861,13 +12341,8 @@
             <a:pPr lvl="0"/>
             <a:r>
               <a:rPr lang="en-US" sz="3600" dirty="0"/>
-              <a:t>More </a:t>
-            </a:r>
-            <a:r>
-              <a:rPr lang="en-US" sz="3600" dirty="0" smtClean="0"/>
-              <a:t>comments on boosting</a:t>
-            </a:r>
-            <a:endParaRPr lang="en-US" sz="3600" dirty="0"/>
+              <a:t>More comments on boosting</a:t>
+            </a:r>
           </a:p>
         </p:txBody>
       </p:sp>
@@ -12984,23 +12459,10 @@
                 <a:ea typeface="Gothic" pitchFamily="2"/>
                 <a:cs typeface="Lucidasans" pitchFamily="2"/>
               </a:rPr>
-              <a:t>Puzzling </a:t>
-            </a:r>
-            <a:r>
-              <a:rPr lang="en-US" sz="2400" b="0" i="0" u="none" strike="noStrike" baseline="0" dirty="0" smtClean="0">
-                <a:ln>
-                  <a:noFill/>
-                </a:ln>
-                <a:solidFill>
-                  <a:srgbClr val="000000"/>
-                </a:solidFill>
-                <a:ea typeface="Gothic" pitchFamily="2"/>
-                <a:cs typeface="Lucidasans" pitchFamily="2"/>
-              </a:rPr>
-              <a:t>fact:</a:t>
-            </a:r>
-            <a:r>
-              <a:rPr lang="en-US" sz="2400" b="0" i="0" u="none" strike="noStrike" dirty="0" smtClean="0">
+              <a:t>Puzzling fact:</a:t>
+            </a:r>
+            <a:r>
+              <a:rPr lang="en-US" sz="2400" b="0" i="0" u="none" strike="noStrike" dirty="0">
                 <a:ln>
                   <a:noFill/>
                 </a:ln>
@@ -13013,19 +12475,6 @@
               <a:t> </a:t>
             </a:r>
             <a:r>
-              <a:rPr lang="en-US" sz="2400" b="0" i="0" u="none" strike="noStrike" baseline="0" dirty="0" smtClean="0">
-                <a:ln>
-                  <a:noFill/>
-                </a:ln>
-                <a:solidFill>
-                  <a:srgbClr val="000000"/>
-                </a:solidFill>
-                <a:ea typeface="Gothic" pitchFamily="2"/>
-                <a:cs typeface="Lucidasans" pitchFamily="2"/>
-              </a:rPr>
-              <a:t>generalization </a:t>
-            </a:r>
-            <a:r>
               <a:rPr lang="en-US" sz="2400" b="0" i="0" u="none" strike="noStrike" baseline="0" dirty="0">
                 <a:ln>
                   <a:noFill/>
@@ -13036,7 +12485,7 @@
                 <a:ea typeface="Gothic" pitchFamily="2"/>
                 <a:cs typeface="Lucidasans" pitchFamily="2"/>
               </a:rPr>
-              <a:t>error continues to decrease!</a:t>
+              <a:t>generalization error continues to decrease!</a:t>
             </a:r>
           </a:p>
           <a:p>
@@ -13112,7 +12561,7 @@
               </a:tabLst>
             </a:pPr>
             <a:r>
-              <a:rPr lang="en-US" sz="2400" dirty="0" smtClean="0">
+              <a:rPr lang="en-US" sz="2400" dirty="0">
                 <a:solidFill>
                   <a:srgbClr val="000000"/>
                 </a:solidFill>
@@ -13122,19 +12571,6 @@
               <a:t>Possible e</a:t>
             </a:r>
             <a:r>
-              <a:rPr lang="en-US" sz="2400" b="0" i="0" u="none" strike="noStrike" baseline="0" dirty="0" smtClean="0">
-                <a:ln>
-                  <a:noFill/>
-                </a:ln>
-                <a:solidFill>
-                  <a:srgbClr val="000000"/>
-                </a:solidFill>
-                <a:ea typeface="Gothic" pitchFamily="2"/>
-                <a:cs typeface="Lucidasans" pitchFamily="2"/>
-              </a:rPr>
-              <a:t>xplanation</a:t>
-            </a:r>
-            <a:r>
               <a:rPr lang="en-US" sz="2400" b="0" i="0" u="none" strike="noStrike" baseline="0" dirty="0">
                 <a:ln>
                   <a:noFill/>
@@ -13145,7 +12581,7 @@
                 <a:ea typeface="Gothic" pitchFamily="2"/>
                 <a:cs typeface="Lucidasans" pitchFamily="2"/>
               </a:rPr>
-              <a:t>:</a:t>
+              <a:t>xplanation:</a:t>
             </a:r>
             <a:br>
               <a:rPr lang="en-US" sz="2400" b="0" i="0" u="none" strike="noStrike" baseline="0" dirty="0">
@@ -13196,31 +12632,8 @@
                 <a:ea typeface="Gothic" pitchFamily="2"/>
                 <a:cs typeface="Lucidasans" pitchFamily="2"/>
               </a:rPr>
-              <a:t> (confidence), not </a:t>
-            </a:r>
-            <a:r>
-              <a:rPr lang="en-US" sz="2400" b="0" i="0" u="none" strike="noStrike" baseline="0" dirty="0" smtClean="0">
-                <a:ln>
-                  <a:noFill/>
-                </a:ln>
-                <a:solidFill>
-                  <a:srgbClr val="000000"/>
-                </a:solidFill>
-                <a:ea typeface="Gothic" pitchFamily="2"/>
-                <a:cs typeface="Lucidasans" pitchFamily="2"/>
-              </a:rPr>
-              <a:t>just error</a:t>
-            </a:r>
-            <a:endParaRPr lang="en-US" sz="2400" b="0" i="0" u="none" strike="noStrike" baseline="0" dirty="0">
-              <a:ln>
-                <a:noFill/>
-              </a:ln>
-              <a:solidFill>
-                <a:srgbClr val="000000"/>
-              </a:solidFill>
-              <a:ea typeface="Gothic" pitchFamily="2"/>
-              <a:cs typeface="Lucidasans" pitchFamily="2"/>
-            </a:endParaRPr>
+              <a:t> (confidence), not just error</a:t>
+            </a:r>
           </a:p>
           <a:p>
             <a:pPr marL="800100" lvl="2" indent="-342900" hangingPunct="0">
@@ -13249,7 +12662,7 @@
               </a:tabLst>
             </a:pPr>
             <a:r>
-              <a:rPr lang="en-US" sz="2000" dirty="0" smtClean="0">
+              <a:rPr lang="en-US" sz="2000" dirty="0">
                 <a:solidFill>
                   <a:srgbClr val="000000"/>
                 </a:solidFill>
@@ -13259,7 +12672,7 @@
               <a:t>A possible definition of </a:t>
             </a:r>
             <a:r>
-              <a:rPr lang="en-US" sz="2000" i="1" dirty="0" smtClean="0">
+              <a:rPr lang="en-US" sz="2000" i="1" dirty="0">
                 <a:solidFill>
                   <a:srgbClr val="000000"/>
                 </a:solidFill>
@@ -13269,7 +12682,7 @@
               <a:t>margin</a:t>
             </a:r>
             <a:r>
-              <a:rPr lang="en-US" sz="2000" dirty="0" smtClean="0">
+              <a:rPr lang="en-US" sz="2000" dirty="0">
                 <a:solidFill>
                   <a:srgbClr val="000000"/>
                 </a:solidFill>
@@ -13279,19 +12692,6 @@
               <a:t>: d</a:t>
             </a:r>
             <a:r>
-              <a:rPr lang="en-US" sz="2000" b="0" i="0" u="none" strike="noStrike" baseline="0" dirty="0" smtClean="0">
-                <a:ln>
-                  <a:noFill/>
-                </a:ln>
-                <a:solidFill>
-                  <a:srgbClr val="000000"/>
-                </a:solidFill>
-                <a:ea typeface="Gothic" pitchFamily="2"/>
-                <a:cs typeface="Lucidasans" pitchFamily="2"/>
-              </a:rPr>
-              <a:t>ifference </a:t>
-            </a:r>
-            <a:r>
               <a:rPr lang="en-US" sz="2000" b="0" i="0" u="none" strike="noStrike" baseline="0" dirty="0">
                 <a:ln>
                   <a:noFill/>
@@ -13302,7 +12702,7 @@
                 <a:ea typeface="Gothic" pitchFamily="2"/>
                 <a:cs typeface="Lucidasans" pitchFamily="2"/>
               </a:rPr>
-              <a:t>between estimated probability for true class and nearest other class (between –1 and 1)</a:t>
+              <a:t>ifference between estimated probability for true class and nearest other class (between –1 and 1)</a:t>
             </a:r>
           </a:p>
           <a:p>
@@ -13332,7 +12732,7 @@
               </a:tabLst>
             </a:pPr>
             <a:r>
-              <a:rPr lang="en-US" sz="2000" b="0" i="0" u="none" strike="noStrike" baseline="0" dirty="0" smtClean="0">
+              <a:rPr lang="en-US" sz="2000" b="0" i="0" u="none" strike="noStrike" baseline="0" dirty="0">
                 <a:ln>
                   <a:noFill/>
                 </a:ln>
@@ -13345,7 +12745,7 @@
               <a:t>Margin continues to </a:t>
             </a:r>
             <a:r>
-              <a:rPr lang="en-US" sz="2000" dirty="0" smtClean="0">
+              <a:rPr lang="en-US" sz="2000" dirty="0">
                 <a:solidFill>
                   <a:srgbClr val="000000"/>
                 </a:solidFill>
@@ -13355,7 +12755,7 @@
               <a:t>in</a:t>
             </a:r>
             <a:r>
-              <a:rPr lang="en-US" sz="2000" b="0" i="0" u="none" strike="noStrike" baseline="0" dirty="0" smtClean="0">
+              <a:rPr lang="en-US" sz="2000" b="0" i="0" u="none" strike="noStrike" baseline="0" dirty="0">
                 <a:ln>
                   <a:noFill/>
                 </a:ln>
@@ -13401,7 +12801,7 @@
               </a:tabLst>
             </a:pPr>
             <a:r>
-              <a:rPr lang="en-US" sz="2400" b="0" i="0" u="none" strike="noStrike" baseline="0" dirty="0" smtClean="0">
+              <a:rPr lang="en-US" sz="2400" b="0" i="0" u="none" strike="noStrike" baseline="0" dirty="0">
                 <a:ln>
                   <a:noFill/>
                 </a:ln>
@@ -13414,7 +12814,7 @@
               <a:t>AdaBoost.M1 works well with so-called </a:t>
             </a:r>
             <a:r>
-              <a:rPr lang="en-US" sz="2400" b="0" i="1" u="none" strike="noStrike" baseline="0" dirty="0" smtClean="0">
+              <a:rPr lang="en-US" sz="2400" b="0" i="1" u="none" strike="noStrike" baseline="0" dirty="0">
                 <a:ln>
                   <a:noFill/>
                 </a:ln>
@@ -13427,19 +12827,6 @@
               <a:t>weak</a:t>
             </a:r>
             <a:r>
-              <a:rPr lang="en-US" sz="2400" b="0" i="0" u="none" strike="noStrike" baseline="0" dirty="0" smtClean="0">
-                <a:ln>
-                  <a:noFill/>
-                </a:ln>
-                <a:solidFill>
-                  <a:srgbClr val="000000"/>
-                </a:solidFill>
-                <a:ea typeface="Gothic" pitchFamily="2"/>
-                <a:cs typeface="Lucidasans" pitchFamily="2"/>
-              </a:rPr>
-              <a:t> learners; only </a:t>
-            </a:r>
-            <a:r>
               <a:rPr lang="en-US" sz="2400" b="0" i="0" u="none" strike="noStrike" baseline="0" dirty="0">
                 <a:ln>
                   <a:noFill/>
@@ -13450,23 +12837,10 @@
                 <a:ea typeface="Gothic" pitchFamily="2"/>
                 <a:cs typeface="Lucidasans" pitchFamily="2"/>
               </a:rPr>
-              <a:t>condition: error </a:t>
-            </a:r>
-            <a:r>
-              <a:rPr lang="en-US" sz="2400" b="0" i="0" u="none" strike="noStrike" baseline="0" dirty="0" smtClean="0">
-                <a:ln>
-                  <a:noFill/>
-                </a:ln>
-                <a:solidFill>
-                  <a:srgbClr val="000000"/>
-                </a:solidFill>
-                <a:ea typeface="Gothic" pitchFamily="2"/>
-                <a:cs typeface="Lucidasans" pitchFamily="2"/>
-              </a:rPr>
-              <a:t>does</a:t>
-            </a:r>
-            <a:r>
-              <a:rPr lang="en-US" sz="2400" b="0" i="0" u="none" strike="noStrike" dirty="0" smtClean="0">
+              <a:t> learners; only condition: error does</a:t>
+            </a:r>
+            <a:r>
+              <a:rPr lang="en-US" sz="2400" b="0" i="0" u="none" strike="noStrike" dirty="0">
                 <a:ln>
                   <a:noFill/>
                 </a:ln>
@@ -13479,19 +12853,6 @@
               <a:t> not</a:t>
             </a:r>
             <a:r>
-              <a:rPr lang="en-US" sz="2400" b="0" i="0" u="none" strike="noStrike" baseline="0" dirty="0" smtClean="0">
-                <a:ln>
-                  <a:noFill/>
-                </a:ln>
-                <a:solidFill>
-                  <a:srgbClr val="000000"/>
-                </a:solidFill>
-                <a:ea typeface="Gothic" pitchFamily="2"/>
-                <a:cs typeface="Lucidasans" pitchFamily="2"/>
-              </a:rPr>
-              <a:t> </a:t>
-            </a:r>
-            <a:r>
               <a:rPr lang="en-US" sz="2400" b="0" i="0" u="none" strike="noStrike" baseline="0" dirty="0">
                 <a:ln>
                   <a:noFill/>
@@ -13502,20 +12863,7 @@
                 <a:ea typeface="Gothic" pitchFamily="2"/>
                 <a:cs typeface="Lucidasans" pitchFamily="2"/>
               </a:rPr>
-              <a:t>exceed </a:t>
-            </a:r>
-            <a:r>
-              <a:rPr lang="en-US" sz="2400" b="0" i="0" u="none" strike="noStrike" baseline="0" dirty="0" smtClean="0">
-                <a:ln>
-                  <a:noFill/>
-                </a:ln>
-                <a:solidFill>
-                  <a:srgbClr val="000000"/>
-                </a:solidFill>
-                <a:ea typeface="Gothic" pitchFamily="2"/>
-                <a:cs typeface="Lucidasans" pitchFamily="2"/>
-              </a:rPr>
-              <a:t>0.5</a:t>
+              <a:t> exceed 0.5</a:t>
             </a:r>
           </a:p>
           <a:p>
@@ -13545,7 +12893,7 @@
               </a:tabLst>
             </a:pPr>
             <a:r>
-              <a:rPr lang="en-US" sz="2000" dirty="0" smtClean="0">
+              <a:rPr lang="en-US" sz="2000" dirty="0">
                 <a:solidFill>
                   <a:srgbClr val="000000"/>
                 </a:solidFill>
@@ -13634,33 +12982,7 @@
                 <a:ea typeface="Gothic" pitchFamily="2"/>
                 <a:cs typeface="Lucidasans" pitchFamily="2"/>
               </a:rPr>
-              <a:t> </a:t>
-            </a:r>
-            <a:r>
-              <a:rPr lang="en-US" sz="2400" b="0" i="0" u="none" strike="noStrike" baseline="0" dirty="0" smtClean="0">
-                <a:ln>
-                  <a:noFill/>
-                </a:ln>
-                <a:solidFill>
-                  <a:srgbClr val="000000"/>
-                </a:solidFill>
-                <a:ea typeface="Gothic" pitchFamily="2"/>
-                <a:cs typeface="Lucidasans" pitchFamily="2"/>
-              </a:rPr>
-              <a:t>if too many iterations are performed (</a:t>
-            </a:r>
-            <a:r>
-              <a:rPr lang="en-US" sz="2400" b="0" i="0" u="none" strike="noStrike" baseline="0" dirty="0">
-                <a:ln>
-                  <a:noFill/>
-                </a:ln>
-                <a:solidFill>
-                  <a:srgbClr val="000000"/>
-                </a:solidFill>
-                <a:ea typeface="Gothic" pitchFamily="2"/>
-                <a:cs typeface="Lucidasans" pitchFamily="2"/>
-              </a:rPr>
-              <a:t>in contrast to bagging)</a:t>
+              <a:t> if too many iterations are performed (in contrast to bagging)</a:t>
             </a:r>
           </a:p>
         </p:txBody>
@@ -13693,14 +13015,6 @@
   <p:clrMapOvr>
     <a:masterClrMapping/>
   </p:clrMapOvr>
-  <mc:AlternateContent xmlns:mc="http://schemas.openxmlformats.org/markup-compatibility/2006" xmlns:p14="http://schemas.microsoft.com/office/powerpoint/2010/main">
-    <mc:Choice Requires="p14">
-      <p:transition spd="slow" p14:dur="2000"/>
-    </mc:Choice>
-    <mc:Fallback xmlns="">
-      <p:transition spd="slow"/>
-    </mc:Fallback>
-  </mc:AlternateContent>
 </p:sld>
 </file>
 
@@ -13746,13 +13060,8 @@
             <a:pPr lvl="0"/>
             <a:r>
               <a:rPr lang="en-US" sz="3600" dirty="0"/>
-              <a:t>Additive </a:t>
-            </a:r>
-            <a:r>
-              <a:rPr lang="en-US" sz="3600" dirty="0" smtClean="0"/>
-              <a:t>regression</a:t>
-            </a:r>
-            <a:endParaRPr lang="en-US" sz="3600" dirty="0"/>
+              <a:t>Additive regression</a:t>
+            </a:r>
           </a:p>
         </p:txBody>
       </p:sp>
@@ -13780,67 +13089,30 @@
           <a:p>
             <a:pPr lvl="0"/>
             <a:r>
-              <a:rPr lang="en-US" sz="2400" dirty="0" smtClean="0"/>
-              <a:t>Using statistical terminology, </a:t>
-            </a:r>
-            <a:r>
               <a:rPr lang="en-US" sz="2400" dirty="0"/>
-              <a:t>boosting is a greedy algorithm for </a:t>
-            </a:r>
-            <a:r>
-              <a:rPr lang="en-US" sz="2400" dirty="0" smtClean="0"/>
-              <a:t>fitting an </a:t>
+              <a:t>Using statistical terminology, boosting is a greedy algorithm for fitting an </a:t>
             </a:r>
             <a:r>
               <a:rPr lang="en-US" sz="2400" i="1" dirty="0"/>
-              <a:t>additive </a:t>
-            </a:r>
-            <a:r>
-              <a:rPr lang="en-US" sz="2400" i="1" dirty="0" smtClean="0"/>
-              <a:t>model</a:t>
-            </a:r>
-            <a:endParaRPr lang="en-US" sz="2400" i="1" dirty="0"/>
+              <a:t>additive model</a:t>
+            </a:r>
           </a:p>
           <a:p>
             <a:pPr lvl="0"/>
             <a:r>
               <a:rPr lang="en-US" sz="2400" dirty="0"/>
-              <a:t>More specifically, </a:t>
-            </a:r>
-            <a:r>
-              <a:rPr lang="en-US" sz="2400" dirty="0" smtClean="0"/>
-              <a:t>it implements </a:t>
+              <a:t>More specifically, it implements </a:t>
             </a:r>
             <a:r>
               <a:rPr lang="en-US" sz="2400" i="1" dirty="0"/>
-              <a:t>forward </a:t>
-            </a:r>
-            <a:r>
-              <a:rPr lang="en-US" sz="2400" i="1" dirty="0" err="1"/>
-              <a:t>stagewise</a:t>
-            </a:r>
-            <a:r>
-              <a:rPr lang="en-US" sz="2400" i="1" dirty="0"/>
-              <a:t> additive modeling</a:t>
+              <a:t>forward stage-wise additive modeling</a:t>
             </a:r>
           </a:p>
           <a:p>
             <a:pPr lvl="0"/>
             <a:r>
-              <a:rPr lang="en-US" sz="2400" dirty="0" smtClean="0"/>
-              <a:t>Forward </a:t>
-            </a:r>
-            <a:r>
-              <a:rPr lang="en-US" sz="2400" dirty="0" err="1" smtClean="0"/>
-              <a:t>stagewise</a:t>
-            </a:r>
-            <a:r>
-              <a:rPr lang="en-US" sz="2400" dirty="0" smtClean="0"/>
-              <a:t> additive modeling for </a:t>
-            </a:r>
-            <a:r>
               <a:rPr lang="en-US" sz="2400" dirty="0"/>
-              <a:t>numeric prediction:</a:t>
+              <a:t>Forward stage-wise additive modeling for numeric prediction:</a:t>
             </a:r>
           </a:p>
           <a:p>
@@ -13858,23 +13130,7 @@
                   <a:srgbClr val="000000"/>
                 </a:solidFill>
               </a:rPr>
-              <a:t>Build standard regression model (</a:t>
-            </a:r>
-            <a:r>
-              <a:rPr lang="en-US" sz="2000" dirty="0" smtClean="0">
-                <a:solidFill>
-                  <a:srgbClr val="000000"/>
-                </a:solidFill>
-              </a:rPr>
-              <a:t>e.g., regression  </a:t>
-            </a:r>
-            <a:r>
-              <a:rPr lang="en-US" sz="2000" dirty="0">
-                <a:solidFill>
-                  <a:srgbClr val="000000"/>
-                </a:solidFill>
-              </a:rPr>
-              <a:t>tree)</a:t>
+              <a:t>Build standard regression model (e.g., regression  tree)</a:t>
             </a:r>
           </a:p>
           <a:p>
@@ -13908,39 +13164,7 @@
                   <a:srgbClr val="000000"/>
                 </a:solidFill>
               </a:rPr>
-              <a:t> (</a:t>
-            </a:r>
-            <a:r>
-              <a:rPr lang="en-US" sz="2000" dirty="0" smtClean="0">
-                <a:solidFill>
-                  <a:srgbClr val="000000"/>
-                </a:solidFill>
-              </a:rPr>
-              <a:t>e.g</a:t>
-            </a:r>
-            <a:r>
-              <a:rPr lang="en-US" sz="2000" dirty="0">
-                <a:solidFill>
-                  <a:srgbClr val="000000"/>
-                </a:solidFill>
-              </a:rPr>
-              <a:t>. </a:t>
-            </a:r>
-            <a:r>
-              <a:rPr lang="en-US" sz="2000" dirty="0" smtClean="0">
-                <a:solidFill>
-                  <a:srgbClr val="000000"/>
-                </a:solidFill>
-              </a:rPr>
-              <a:t>another regression tree</a:t>
-            </a:r>
-            <a:r>
-              <a:rPr lang="en-US" sz="2000" dirty="0">
-                <a:solidFill>
-                  <a:srgbClr val="000000"/>
-                </a:solidFill>
-              </a:rPr>
-              <a:t>), and repeat</a:t>
+              <a:t> (e.g. another regression tree), and repeat</a:t>
             </a:r>
           </a:p>
           <a:p>
@@ -13954,13 +13178,8 @@
             </a:pPr>
             <a:r>
               <a:rPr lang="en-US" sz="2400" dirty="0"/>
-              <a:t>To predict, simply sum up individual predictions from all </a:t>
-            </a:r>
-            <a:r>
-              <a:rPr lang="en-US" sz="2400" dirty="0" smtClean="0"/>
-              <a:t>regression models</a:t>
-            </a:r>
-            <a:endParaRPr lang="en-US" sz="2400" dirty="0"/>
+              <a:t>To predict, simply sum up individual predictions from all regression models</a:t>
+            </a:r>
           </a:p>
         </p:txBody>
       </p:sp>
@@ -13992,14 +13211,6 @@
   <p:clrMapOvr>
     <a:masterClrMapping/>
   </p:clrMapOvr>
-  <mc:AlternateContent xmlns:mc="http://schemas.openxmlformats.org/markup-compatibility/2006" xmlns:p14="http://schemas.microsoft.com/office/powerpoint/2010/main">
-    <mc:Choice Requires="p14">
-      <p:transition spd="slow" p14:dur="2000"/>
-    </mc:Choice>
-    <mc:Fallback xmlns="">
-      <p:transition spd="slow"/>
-    </mc:Fallback>
-  </mc:AlternateContent>
 </p:sld>
 </file>
 
@@ -14044,16 +13255,8 @@
           <a:p>
             <a:pPr lvl="0"/>
             <a:r>
-              <a:rPr lang="en-US" sz="3600" dirty="0" smtClean="0"/>
-              <a:t>Comments on a</a:t>
-            </a:r>
-            <a:r>
-              <a:rPr lang="en-US" sz="3600" dirty="0" smtClean="0"/>
-              <a:t>dditive </a:t>
-            </a:r>
-            <a:r>
               <a:rPr lang="en-US" sz="3600" dirty="0"/>
-              <a:t>regression </a:t>
+              <a:t>Comments on additive regression </a:t>
             </a:r>
           </a:p>
         </p:txBody>
@@ -14082,75 +13285,30 @@
           <a:p>
             <a:pPr lvl="0"/>
             <a:r>
-              <a:rPr lang="en-US" sz="2400" dirty="0" smtClean="0"/>
-              <a:t>Additive regression greedily minimizes </a:t>
-            </a:r>
-            <a:r>
               <a:rPr lang="en-US" sz="2400" dirty="0"/>
-              <a:t>squared error of ensemble if base learner minimizes squared error</a:t>
+              <a:t>Additive regression greedily minimizes squared error of ensemble if base learner minimizes squared error</a:t>
             </a:r>
           </a:p>
           <a:p>
             <a:pPr lvl="0"/>
             <a:r>
-              <a:rPr lang="en-US" sz="2400" dirty="0" smtClean="0"/>
-              <a:t>Note that it d</a:t>
-            </a:r>
-            <a:r>
-              <a:rPr lang="en-US" sz="2400" dirty="0" smtClean="0"/>
-              <a:t>oes not </a:t>
-            </a:r>
-            <a:r>
               <a:rPr lang="en-US" sz="2400" dirty="0"/>
-              <a:t>make sense to use </a:t>
-            </a:r>
-            <a:r>
-              <a:rPr lang="en-US" sz="2400" dirty="0" smtClean="0"/>
-              <a:t>additive regression with </a:t>
-            </a:r>
+              <a:t>Note that it does not make sense to use additive regression with standard multiple linear regression</a:t>
+            </a:r>
+            <a:endParaRPr lang="en-US" sz="2600" dirty="0"/>
+          </a:p>
+          <a:p>
+            <a:pPr lvl="1"/>
+            <a:r>
+              <a:rPr lang="en-US" sz="2000" dirty="0"/>
+              <a:t>Why? Sum of linear regression models is a linear regression model and linear regression already minimizes squared error</a:t>
+            </a:r>
+          </a:p>
+          <a:p>
+            <a:pPr lvl="0"/>
             <a:r>
               <a:rPr lang="en-US" sz="2400" dirty="0"/>
-              <a:t>standard multiple linear </a:t>
-            </a:r>
-            <a:r>
-              <a:rPr lang="en-US" sz="2400" dirty="0" smtClean="0"/>
-              <a:t>regression</a:t>
-            </a:r>
-            <a:endParaRPr lang="en-US" sz="2600" dirty="0" smtClean="0"/>
-          </a:p>
-          <a:p>
-            <a:pPr lvl="1"/>
-            <a:r>
-              <a:rPr lang="en-US" sz="2000" dirty="0" smtClean="0"/>
-              <a:t>Why? Sum of linear regression models is a linear regression model and linear regression already minimizes squared error</a:t>
-            </a:r>
-            <a:endParaRPr lang="en-US" sz="2000" dirty="0"/>
-          </a:p>
-          <a:p>
-            <a:pPr lvl="0"/>
-            <a:r>
-              <a:rPr lang="en-US" sz="2400" dirty="0" smtClean="0"/>
-              <a:t>But: c</a:t>
-            </a:r>
-            <a:r>
-              <a:rPr lang="en-US" sz="2400" dirty="0" smtClean="0"/>
-              <a:t>an </a:t>
-            </a:r>
-            <a:r>
-              <a:rPr lang="en-US" sz="2400" dirty="0"/>
-              <a:t>use </a:t>
-            </a:r>
-            <a:r>
-              <a:rPr lang="en-US" sz="2400" dirty="0" smtClean="0"/>
-              <a:t>forward </a:t>
-            </a:r>
-            <a:r>
-              <a:rPr lang="en-US" sz="2400" dirty="0" err="1" smtClean="0"/>
-              <a:t>stagewise</a:t>
-            </a:r>
-            <a:r>
-              <a:rPr lang="en-US" sz="2400" dirty="0" smtClean="0"/>
-              <a:t> additive modeling with </a:t>
+              <a:t>But: can use forward stage-wise additive modeling with </a:t>
             </a:r>
             <a:r>
               <a:rPr lang="en-US" sz="2400" i="1" dirty="0"/>
@@ -14158,98 +13316,51 @@
             </a:r>
             <a:r>
               <a:rPr lang="en-US" sz="2400" dirty="0"/>
-              <a:t> linear regression </a:t>
-            </a:r>
-            <a:r>
-              <a:rPr lang="en-US" sz="2400" dirty="0" smtClean="0"/>
-              <a:t>to implement multiple </a:t>
-            </a:r>
+              <a:t> linear regression to implement multiple linear regression</a:t>
+            </a:r>
+          </a:p>
+          <a:p>
+            <a:pPr lvl="1"/>
+            <a:r>
+              <a:rPr lang="en-US" sz="2000" dirty="0"/>
+              <a:t>Idea: build simple (i.e., one-attribute) linear regression models in each iteration of additive regression, pick attribute that yields lowest error</a:t>
+            </a:r>
+          </a:p>
+          <a:p>
+            <a:pPr lvl="1"/>
+            <a:r>
+              <a:rPr lang="en-US" sz="2000" dirty="0"/>
+              <a:t>Use cross-validation to decide when to stop performing iterations</a:t>
+            </a:r>
+          </a:p>
+          <a:p>
+            <a:pPr lvl="1"/>
+            <a:r>
+              <a:rPr lang="en-US" sz="2000" dirty="0"/>
+              <a:t>Automatically performs attribute selection!</a:t>
+            </a:r>
+          </a:p>
+          <a:p>
+            <a:pPr lvl="0"/>
             <a:r>
               <a:rPr lang="en-US" sz="2400" dirty="0"/>
-              <a:t>linear </a:t>
-            </a:r>
-            <a:r>
-              <a:rPr lang="en-US" sz="2400" dirty="0" smtClean="0"/>
-              <a:t>regression</a:t>
+              <a:t>A trick to combat </a:t>
+            </a:r>
+            <a:r>
+              <a:rPr lang="en-US" sz="2400" dirty="0" err="1"/>
+              <a:t>overfitting</a:t>
+            </a:r>
+            <a:r>
+              <a:rPr lang="en-US" sz="2400" dirty="0"/>
+              <a:t> in additive regression: shrink predictions of base models by multiplying with pos. constant &lt; 1</a:t>
             </a:r>
           </a:p>
           <a:p>
             <a:pPr lvl="1"/>
             <a:r>
-              <a:rPr lang="en-US" sz="2000" dirty="0" smtClean="0"/>
-              <a:t>Idea: build simple (i.e., one-attribute) linear regression models in each iteration of additive regression, pick attribute that yields lowest error</a:t>
-            </a:r>
-            <a:endParaRPr lang="en-US" sz="2000" dirty="0"/>
-          </a:p>
-          <a:p>
-            <a:pPr lvl="1"/>
-            <a:r>
               <a:rPr lang="en-US" sz="2000" dirty="0"/>
-              <a:t>Use cross-validation to decide when to </a:t>
-            </a:r>
-            <a:r>
-              <a:rPr lang="en-US" sz="2000" dirty="0" smtClean="0"/>
-              <a:t>stop performing iterations</a:t>
-            </a:r>
-          </a:p>
-          <a:p>
-            <a:pPr lvl="1"/>
-            <a:r>
-              <a:rPr lang="en-US" sz="2000" dirty="0" smtClean="0"/>
-              <a:t>Automatically performs attribute selection!</a:t>
-            </a:r>
-            <a:endParaRPr lang="en-US" sz="2000" dirty="0"/>
-          </a:p>
-          <a:p>
-            <a:pPr lvl="0"/>
-            <a:r>
-              <a:rPr lang="en-US" sz="2400" dirty="0" smtClean="0"/>
-              <a:t>A trick to combat </a:t>
-            </a:r>
-            <a:r>
-              <a:rPr lang="en-US" sz="2400" dirty="0" err="1" smtClean="0"/>
-              <a:t>overfitting</a:t>
-            </a:r>
-            <a:r>
-              <a:rPr lang="en-US" sz="2400" dirty="0" smtClean="0"/>
-              <a:t> in additive regression: </a:t>
-            </a:r>
-            <a:r>
-              <a:rPr lang="en-US" sz="2400" dirty="0"/>
-              <a:t>shrink predictions of </a:t>
-            </a:r>
-            <a:r>
-              <a:rPr lang="en-US" sz="2400" dirty="0" smtClean="0"/>
-              <a:t>base </a:t>
-            </a:r>
-            <a:r>
-              <a:rPr lang="en-US" sz="2400" dirty="0" smtClean="0"/>
-              <a:t>models </a:t>
-            </a:r>
-            <a:r>
-              <a:rPr lang="en-US" sz="2400" dirty="0"/>
-              <a:t>by multiplying with pos. constant &lt; 1</a:t>
-            </a:r>
-          </a:p>
-          <a:p>
-            <a:pPr lvl="1"/>
-            <a:r>
-              <a:rPr lang="en-US" sz="2000" dirty="0"/>
-              <a:t>Caveat: need to start </a:t>
-            </a:r>
-            <a:r>
-              <a:rPr lang="en-US" sz="2000" dirty="0" smtClean="0"/>
-              <a:t>additive regression with initial model </a:t>
-            </a:r>
-            <a:r>
-              <a:rPr lang="en-US" sz="2000" dirty="0"/>
-              <a:t>that predicts the </a:t>
-            </a:r>
-            <a:r>
-              <a:rPr lang="en-US" sz="2000" dirty="0" smtClean="0"/>
-              <a:t>mean, in order to shrink towards the mean, not 0</a:t>
-            </a:r>
-            <a:endParaRPr lang="en-US" sz="2000" dirty="0"/>
+              <a:t>Caveat: need to start additive regression with initial model that predicts the mean, in order to shrink towards the mean, not 0</a:t>
+            </a:r>
           </a:p>
         </p:txBody>
       </p:sp>
@@ -14281,14 +13392,6 @@
   <p:clrMapOvr>
     <a:masterClrMapping/>
   </p:clrMapOvr>
-  <mc:AlternateContent xmlns:mc="http://schemas.openxmlformats.org/markup-compatibility/2006" xmlns:p14="http://schemas.microsoft.com/office/powerpoint/2010/main">
-    <mc:Choice Requires="p14">
-      <p:transition spd="slow" p14:dur="2000"/>
-    </mc:Choice>
-    <mc:Fallback xmlns="">
-      <p:transition spd="slow"/>
-    </mc:Fallback>
-  </mc:AlternateContent>
 </p:sld>
 </file>
 
@@ -14364,19 +13467,7 @@
             <a:pPr lvl="0"/>
             <a:r>
               <a:rPr lang="en-US" sz="2400" dirty="0"/>
-              <a:t>Can </a:t>
-            </a:r>
-            <a:r>
-              <a:rPr lang="en-US" sz="2400" dirty="0" smtClean="0"/>
-              <a:t>apply additive regression in </a:t>
-            </a:r>
-            <a:r>
-              <a:rPr lang="en-US" sz="2400" dirty="0" smtClean="0"/>
-              <a:t>conjunction with </a:t>
-            </a:r>
-            <a:r>
-              <a:rPr lang="en-US" sz="2400" dirty="0" smtClean="0"/>
-              <a:t>the </a:t>
+              <a:t>Can apply additive regression in conjunction with the </a:t>
             </a:r>
             <a:r>
               <a:rPr lang="en-US" sz="2400" dirty="0" err="1"/>
@@ -14384,104 +13475,43 @@
             </a:r>
             <a:r>
               <a:rPr lang="en-US" sz="2400" dirty="0"/>
-              <a:t> transformation to get </a:t>
-            </a:r>
-            <a:r>
-              <a:rPr lang="en-US" sz="2400" dirty="0" smtClean="0"/>
-              <a:t>an algorithm </a:t>
-            </a:r>
+              <a:t> transformation to get an algorithm for classification</a:t>
+            </a:r>
+          </a:p>
+          <a:p>
+            <a:pPr lvl="1"/>
+            <a:r>
+              <a:rPr lang="en-US" sz="2000" dirty="0"/>
+              <a:t>More precisely, an algorithm for class probability estimation</a:t>
+            </a:r>
+          </a:p>
+          <a:p>
+            <a:pPr lvl="1"/>
+            <a:r>
+              <a:rPr lang="en-US" sz="2000" dirty="0"/>
+              <a:t>Probability estimation problem is transformed into a regression problem</a:t>
+            </a:r>
+          </a:p>
+          <a:p>
+            <a:pPr lvl="1"/>
+            <a:r>
+              <a:rPr lang="en-US" sz="2000" dirty="0"/>
+              <a:t>Regression scheme is used as base learner (e.g., regression tree learner)</a:t>
+            </a:r>
+          </a:p>
+          <a:p>
+            <a:pPr lvl="0"/>
             <a:r>
               <a:rPr lang="en-US" sz="2400" dirty="0"/>
-              <a:t>for classification</a:t>
-            </a:r>
-          </a:p>
-          <a:p>
-            <a:pPr lvl="1"/>
-            <a:r>
-              <a:rPr lang="en-US" sz="2000" dirty="0"/>
-              <a:t>More precisely, </a:t>
-            </a:r>
-            <a:r>
-              <a:rPr lang="en-US" sz="2000" dirty="0" smtClean="0"/>
-              <a:t>an algorithm for class </a:t>
-            </a:r>
-            <a:r>
-              <a:rPr lang="en-US" sz="2000" dirty="0"/>
-              <a:t>probability estimation</a:t>
-            </a:r>
-          </a:p>
-          <a:p>
-            <a:pPr lvl="1"/>
-            <a:r>
-              <a:rPr lang="en-US" sz="2000" dirty="0"/>
-              <a:t>Probability estimation problem is transformed into </a:t>
-            </a:r>
-            <a:r>
-              <a:rPr lang="en-US" sz="2000" dirty="0" smtClean="0"/>
-              <a:t>a regression </a:t>
-            </a:r>
-            <a:r>
-              <a:rPr lang="en-US" sz="2000" dirty="0"/>
-              <a:t>problem</a:t>
-            </a:r>
-          </a:p>
-          <a:p>
-            <a:pPr lvl="1"/>
-            <a:r>
-              <a:rPr lang="en-US" sz="2000" dirty="0"/>
-              <a:t>Regression scheme is used as base learner (</a:t>
-            </a:r>
-            <a:r>
-              <a:rPr lang="en-US" sz="2000" dirty="0" smtClean="0"/>
-              <a:t>e.g., </a:t>
-            </a:r>
-            <a:r>
-              <a:rPr lang="en-US" sz="2000" dirty="0"/>
-              <a:t>regression tree learner)</a:t>
+              <a:t>Implemented using forward stage-wise algorithm: at each stage, add base model that maximizes the probability the of data</a:t>
             </a:r>
           </a:p>
           <a:p>
             <a:pPr lvl="0"/>
             <a:r>
-              <a:rPr lang="en-US" sz="2400" dirty="0" smtClean="0"/>
-              <a:t>Implemented using</a:t>
-            </a:r>
-            <a:r>
-              <a:rPr lang="en-US" sz="2400" dirty="0" smtClean="0"/>
-              <a:t> </a:t>
-            </a:r>
-            <a:r>
               <a:rPr lang="en-US" sz="2400" dirty="0"/>
-              <a:t>forward </a:t>
-            </a:r>
-            <a:r>
-              <a:rPr lang="en-US" sz="2400" dirty="0" err="1"/>
-              <a:t>stagewise</a:t>
-            </a:r>
-            <a:r>
-              <a:rPr lang="en-US" sz="2400" dirty="0"/>
-              <a:t> algorithm: at each stage, add </a:t>
-            </a:r>
-            <a:r>
-              <a:rPr lang="en-US" sz="2400" dirty="0" smtClean="0"/>
-              <a:t>base model </a:t>
-            </a:r>
-            <a:r>
-              <a:rPr lang="en-US" sz="2400" dirty="0"/>
-              <a:t>that maximizes </a:t>
-            </a:r>
-            <a:r>
-              <a:rPr lang="en-US" sz="2400" dirty="0" smtClean="0"/>
-              <a:t>the probability the of data</a:t>
-            </a:r>
-          </a:p>
-          <a:p>
-            <a:pPr lvl="0"/>
-            <a:r>
-              <a:rPr lang="en-US" sz="2400" dirty="0" smtClean="0"/>
               <a:t>We consider two-class classification in the following</a:t>
             </a:r>
-            <a:endParaRPr lang="en-US" sz="2400" dirty="0"/>
           </a:p>
           <a:p>
             <a:pPr lvl="0"/>
@@ -14511,69 +13541,32 @@
             </a:r>
             <a:r>
               <a:rPr lang="en-US" sz="2400" dirty="0"/>
-              <a:t> regression model, </a:t>
-            </a:r>
-            <a:r>
-              <a:rPr lang="en-US" sz="2400" dirty="0" smtClean="0"/>
-              <a:t>and </a:t>
-            </a:r>
-            <a:r>
-              <a:rPr lang="en-US" sz="2400" b="1" dirty="0" smtClean="0"/>
+              <a:t> regression model, and </a:t>
+            </a:r>
+            <a:r>
+              <a:rPr lang="en-US" sz="2400" b="1" dirty="0"/>
               <a:t>a </a:t>
             </a:r>
             <a:r>
-              <a:rPr lang="en-US" sz="2400" dirty="0" smtClean="0"/>
-              <a:t>is an instance, </a:t>
-            </a:r>
-            <a:r>
-              <a:rPr lang="en-US" sz="2400" dirty="0" smtClean="0"/>
-              <a:t>the </a:t>
-            </a:r>
-            <a:r>
               <a:rPr lang="en-US" sz="2400" dirty="0"/>
-              <a:t>ensemble predicts probability                                         </a:t>
-            </a:r>
-            <a:r>
-              <a:rPr lang="en-US" sz="2400" dirty="0" smtClean="0"/>
-              <a:t/>
+              <a:t>is an instance, the ensemble predicts probability                                         </a:t>
             </a:r>
             <a:br>
-              <a:rPr lang="en-US" sz="2400" dirty="0" smtClean="0"/>
+              <a:rPr lang="en-US" sz="2400" dirty="0"/>
             </a:br>
-            <a:r>
-              <a:rPr lang="en-US" sz="2400" dirty="0" smtClean="0"/>
-              <a:t/>
-            </a:r>
             <a:br>
-              <a:rPr lang="en-US" sz="2400" dirty="0" smtClean="0"/>
+              <a:rPr lang="en-US" sz="2400" dirty="0"/>
             </a:br>
-            <a:r>
-              <a:rPr lang="en-US" sz="2400" dirty="0" smtClean="0"/>
-              <a:t/>
-            </a:r>
             <a:br>
-              <a:rPr lang="en-US" sz="2400" dirty="0" smtClean="0"/>
+              <a:rPr lang="en-US" sz="2400" dirty="0"/>
             </a:br>
-            <a:r>
-              <a:rPr lang="en-US" sz="2400" dirty="0" smtClean="0"/>
-              <a:t/>
-            </a:r>
             <a:br>
-              <a:rPr lang="en-US" sz="2400" dirty="0" smtClean="0"/>
+              <a:rPr lang="en-US" sz="2400" dirty="0"/>
             </a:br>
             <a:r>
-              <a:rPr lang="en-US" sz="2400" dirty="0" smtClean="0"/>
-              <a:t>for </a:t>
-            </a:r>
-            <a:r>
               <a:rPr lang="en-US" sz="2400" dirty="0"/>
-              <a:t>the first </a:t>
-            </a:r>
-            <a:r>
-              <a:rPr lang="en-US" sz="2400" dirty="0" smtClean="0"/>
-              <a:t>class (compare to logistic regression model)</a:t>
-            </a:r>
-            <a:endParaRPr lang="en-US" sz="2400" dirty="0"/>
+              <a:t>for the first class (compare to logistic regression model)</a:t>
+            </a:r>
           </a:p>
         </p:txBody>
       </p:sp>
@@ -14629,14 +13622,6 @@
   <p:clrMapOvr>
     <a:masterClrMapping/>
   </p:clrMapOvr>
-  <mc:AlternateContent xmlns:mc="http://schemas.openxmlformats.org/markup-compatibility/2006" xmlns:p14="http://schemas.microsoft.com/office/powerpoint/2010/main">
-    <mc:Choice Requires="p14">
-      <p:transition spd="slow" p14:dur="2000"/>
-    </mc:Choice>
-    <mc:Fallback xmlns="">
-      <p:transition spd="slow"/>
-    </mc:Fallback>
-  </mc:AlternateContent>
 </p:sld>
 </file>
 
@@ -14712,83 +13697,38 @@
           <a:p>
             <a:pPr lvl="0"/>
             <a:r>
-              <a:rPr lang="en-US" sz="2200" dirty="0" smtClean="0"/>
-              <a:t>Greedily m</a:t>
-            </a:r>
-            <a:r>
-              <a:rPr lang="en-US" sz="2200" dirty="0" smtClean="0"/>
-              <a:t>aximizes </a:t>
-            </a:r>
-            <a:r>
               <a:rPr lang="en-US" sz="2200" dirty="0"/>
-              <a:t>probability if base learner minimizes squared error</a:t>
+              <a:t>Greedily maximizes probability if base learner minimizes squared error</a:t>
             </a:r>
           </a:p>
           <a:p>
             <a:pPr lvl="0"/>
             <a:r>
               <a:rPr lang="en-US" sz="2200" dirty="0"/>
-              <a:t>Difference to </a:t>
-            </a:r>
-            <a:r>
-              <a:rPr lang="en-US" sz="2200" dirty="0" smtClean="0"/>
-              <a:t>AdaBoost.M1: </a:t>
-            </a:r>
+              <a:t>Difference to AdaBoost.M1: optimizes probability/likelihood instead of a special loss function called </a:t>
+            </a:r>
+            <a:r>
+              <a:rPr lang="en-US" sz="2200" i="1" dirty="0"/>
+              <a:t>exponential loss</a:t>
+            </a:r>
+          </a:p>
+          <a:p>
+            <a:pPr lvl="0"/>
             <a:r>
               <a:rPr lang="en-US" sz="2200" dirty="0"/>
-              <a:t>optimizes probability/likelihood instead of </a:t>
-            </a:r>
-            <a:r>
-              <a:rPr lang="en-US" sz="2200" dirty="0" smtClean="0"/>
-              <a:t>a special loss function called </a:t>
-            </a:r>
-            <a:r>
-              <a:rPr lang="en-US" sz="2200" i="1" dirty="0" smtClean="0"/>
-              <a:t>exponential </a:t>
-            </a:r>
-            <a:r>
-              <a:rPr lang="en-US" sz="2200" i="1" dirty="0"/>
-              <a:t>loss</a:t>
+              <a:t>Can be extended to multi-class problems</a:t>
             </a:r>
           </a:p>
           <a:p>
             <a:pPr lvl="0"/>
             <a:r>
+              <a:rPr lang="en-US" sz="2200" dirty="0" err="1"/>
+              <a:t>Overfitting</a:t>
+            </a:r>
+            <a:r>
               <a:rPr lang="en-US" sz="2200" dirty="0"/>
-              <a:t>Can be </a:t>
-            </a:r>
-            <a:r>
-              <a:rPr lang="en-US" sz="2200" dirty="0" smtClean="0"/>
-              <a:t>extended to </a:t>
-            </a:r>
-            <a:r>
-              <a:rPr lang="en-US" sz="2200" dirty="0"/>
-              <a:t>multi-class problems</a:t>
-            </a:r>
-          </a:p>
-          <a:p>
-            <a:pPr lvl="0"/>
-            <a:r>
-              <a:rPr lang="en-US" sz="2200" dirty="0" err="1" smtClean="0"/>
-              <a:t>Overfitting</a:t>
-            </a:r>
-            <a:r>
-              <a:rPr lang="en-US" sz="2200" dirty="0" smtClean="0"/>
-              <a:t> avoidance: s</a:t>
-            </a:r>
-            <a:r>
-              <a:rPr lang="en-US" sz="2200" dirty="0" smtClean="0"/>
-              <a:t>hrinking </a:t>
-            </a:r>
-            <a:r>
-              <a:rPr lang="en-US" sz="2200" dirty="0"/>
-              <a:t>and cross-validation-based selection </a:t>
-            </a:r>
-            <a:r>
-              <a:rPr lang="en-US" sz="2200" dirty="0" smtClean="0"/>
-              <a:t>of the number of iterations apply</a:t>
-            </a:r>
-            <a:endParaRPr lang="en-US" sz="2200" dirty="0"/>
+              <a:t> avoidance: shrinking and cross-validation-based selection of the number of iterations apply</a:t>
+            </a:r>
           </a:p>
         </p:txBody>
       </p:sp>
@@ -15616,14 +14556,6 @@
   <p:clrMapOvr>
     <a:masterClrMapping/>
   </p:clrMapOvr>
-  <mc:AlternateContent xmlns:mc="http://schemas.openxmlformats.org/markup-compatibility/2006" xmlns:p14="http://schemas.microsoft.com/office/powerpoint/2010/main">
-    <mc:Choice Requires="p14">
-      <p:transition spd="slow" p14:dur="2000"/>
-    </mc:Choice>
-    <mc:Fallback xmlns="">
-      <p:transition spd="slow"/>
-    </mc:Fallback>
-  </mc:AlternateContent>
 </p:sld>
 </file>
 
@@ -15785,33 +14717,8 @@
                 <a:ea typeface="Gothic" pitchFamily="2"/>
                 <a:cs typeface="Lucidasans" pitchFamily="2"/>
               </a:rPr>
-              <a:t>The basic </a:t>
-            </a:r>
-            <a:r>
-              <a:rPr lang="en-NZ" b="0" i="0" u="none" strike="noStrike" baseline="0" dirty="0" smtClean="0">
-                <a:ln>
-                  <a:noFill/>
-                </a:ln>
-                <a:solidFill>
-                  <a:srgbClr val="000000"/>
-                </a:solidFill>
-                <a:latin typeface="Utopia" pitchFamily="18"/>
-                <a:ea typeface="Gothic" pitchFamily="2"/>
-                <a:cs typeface="Lucidasans" pitchFamily="2"/>
-              </a:rPr>
-              <a:t>idea</a:t>
-            </a:r>
-            <a:endParaRPr lang="en-NZ" b="0" i="0" u="none" strike="noStrike" baseline="0" dirty="0">
-              <a:ln>
-                <a:noFill/>
-              </a:ln>
-              <a:solidFill>
-                <a:srgbClr val="000000"/>
-              </a:solidFill>
-              <a:latin typeface="Utopia" pitchFamily="18"/>
-              <a:ea typeface="Gothic" pitchFamily="2"/>
-              <a:cs typeface="Lucidasans" pitchFamily="2"/>
-            </a:endParaRPr>
+              <a:t>The basic idea</a:t>
+            </a:r>
           </a:p>
           <a:p>
             <a:pPr marL="342900" marR="0" lvl="0" indent="-342900" algn="l" rtl="0" hangingPunct="0">
@@ -15975,7 +14882,7 @@
               </a:tabLst>
             </a:pPr>
             <a:r>
-              <a:rPr lang="en-NZ" dirty="0" smtClean="0">
+              <a:rPr lang="en-NZ" dirty="0">
                 <a:solidFill>
                   <a:srgbClr val="000000"/>
                 </a:solidFill>
@@ -15986,7 +14893,7 @@
               <a:t>Random forests, r</a:t>
             </a:r>
             <a:r>
-              <a:rPr lang="en-NZ" b="0" i="0" u="none" strike="noStrike" baseline="0" dirty="0" smtClean="0">
+              <a:rPr lang="en-NZ" b="0" i="0" u="none" strike="noStrike" baseline="0" dirty="0">
                 <a:ln>
                   <a:noFill/>
                 </a:ln>
@@ -15997,21 +14904,7 @@
                 <a:ea typeface="Gothic" pitchFamily="2"/>
                 <a:cs typeface="Lucidasans" pitchFamily="2"/>
               </a:rPr>
-              <a:t>otation </a:t>
-            </a:r>
-            <a:r>
-              <a:rPr lang="en-NZ" b="0" i="0" u="none" strike="noStrike" baseline="0" dirty="0">
-                <a:ln>
-                  <a:noFill/>
-                </a:ln>
-                <a:solidFill>
-                  <a:srgbClr val="000000"/>
-                </a:solidFill>
-                <a:latin typeface="Utopia" pitchFamily="18"/>
-                <a:ea typeface="Gothic" pitchFamily="2"/>
-                <a:cs typeface="Lucidasans" pitchFamily="2"/>
-              </a:rPr>
-              <a:t>forests</a:t>
+              <a:t>otation forests</a:t>
             </a:r>
           </a:p>
           <a:p>
@@ -16355,14 +15248,6 @@
   <p:clrMapOvr>
     <a:masterClrMapping/>
   </p:clrMapOvr>
-  <mc:AlternateContent xmlns:mc="http://schemas.openxmlformats.org/markup-compatibility/2006" xmlns:p14="http://schemas.microsoft.com/office/powerpoint/2010/main">
-    <mc:Choice Requires="p14">
-      <p:transition spd="slow" p14:dur="2000"/>
-    </mc:Choice>
-    <mc:Fallback xmlns="">
-      <p:transition spd="slow"/>
-    </mc:Fallback>
-  </mc:AlternateContent>
 </p:sld>
 </file>
 
@@ -16438,13 +15323,8 @@
             <a:pPr lvl="0"/>
             <a:r>
               <a:rPr lang="en-US" sz="2400" dirty="0"/>
-              <a:t>Ensembles are not </a:t>
-            </a:r>
-            <a:r>
-              <a:rPr lang="en-US" sz="2400" dirty="0" smtClean="0"/>
-              <a:t>easily interpretable</a:t>
-            </a:r>
-            <a:endParaRPr lang="en-US" sz="2400" dirty="0"/>
+              <a:t>Ensembles are not easily interpretable</a:t>
+            </a:r>
           </a:p>
           <a:p>
             <a:pPr lvl="0"/>
@@ -16457,35 +15337,14 @@
             <a:pPr lvl="1"/>
             <a:r>
               <a:rPr lang="en-US" sz="2000" dirty="0"/>
-              <a:t>One possibility: “cloning” the ensemble by using </a:t>
-            </a:r>
-            <a:r>
-              <a:rPr lang="en-US" sz="2000" dirty="0" smtClean="0"/>
-              <a:t>large amounts of </a:t>
-            </a:r>
+              <a:t>One possibility: “cloning” the ensemble by using large amounts of artificial data that is labeled by the ensemble</a:t>
+            </a:r>
+          </a:p>
+          <a:p>
+            <a:pPr lvl="1"/>
             <a:r>
               <a:rPr lang="en-US" sz="2000" dirty="0"/>
-              <a:t>artificial data that is labeled by </a:t>
-            </a:r>
-            <a:r>
-              <a:rPr lang="en-US" sz="2000" dirty="0" smtClean="0"/>
-              <a:t>the ensemble</a:t>
-            </a:r>
-            <a:endParaRPr lang="en-US" sz="2000" dirty="0"/>
-          </a:p>
-          <a:p>
-            <a:pPr lvl="1"/>
-            <a:r>
-              <a:rPr lang="en-US" sz="2000" dirty="0"/>
-              <a:t>Another possibility: generating a single structure that represents </a:t>
-            </a:r>
-            <a:r>
-              <a:rPr lang="en-US" sz="2000" dirty="0" smtClean="0"/>
-              <a:t>an ensemble in a </a:t>
-            </a:r>
-            <a:r>
-              <a:rPr lang="en-US" sz="2000" dirty="0"/>
-              <a:t>compact fashion</a:t>
+              <a:t>Another possibility: generating a single structure that represents an ensemble in a compact fashion</a:t>
             </a:r>
             <a:endParaRPr lang="en-US" sz="2400" dirty="0"/>
           </a:p>
@@ -16545,14 +15404,6 @@
   <p:clrMapOvr>
     <a:masterClrMapping/>
   </p:clrMapOvr>
-  <mc:AlternateContent xmlns:mc="http://schemas.openxmlformats.org/markup-compatibility/2006" xmlns:p14="http://schemas.microsoft.com/office/powerpoint/2010/main">
-    <mc:Choice Requires="p14">
-      <p:transition spd="slow" p14:dur="2000"/>
-    </mc:Choice>
-    <mc:Fallback xmlns="">
-      <p:transition spd="slow"/>
-    </mc:Fallback>
-  </mc:AlternateContent>
 </p:sld>
 </file>
 
@@ -16626,30 +15477,14 @@
             <a:pPr lvl="0"/>
             <a:r>
               <a:rPr lang="en-US" sz="2400" dirty="0"/>
-              <a:t>Can be learned by modifying </a:t>
-            </a:r>
-            <a:r>
-              <a:rPr lang="en-US" sz="2400" dirty="0" smtClean="0"/>
-              <a:t>a standard decision tree </a:t>
-            </a:r>
-            <a:r>
-              <a:rPr lang="en-US" sz="2400" dirty="0"/>
-              <a:t>learner:</a:t>
+              <a:t>Can be learned by modifying a standard decision tree learner:</a:t>
             </a:r>
           </a:p>
           <a:p>
             <a:pPr lvl="1"/>
             <a:r>
               <a:rPr lang="en-US" sz="2000" dirty="0"/>
-              <a:t>Create option node if there are several equally promising splits (within </a:t>
-            </a:r>
-            <a:r>
-              <a:rPr lang="en-US" sz="2000" dirty="0" smtClean="0"/>
-              <a:t>a user</a:t>
-            </a:r>
-            <a:r>
-              <a:rPr lang="en-US" sz="2000" dirty="0"/>
-              <a:t>-specified interval)</a:t>
+              <a:t>Create option node if there are several equally promising splits (within a user-specified interval)</a:t>
             </a:r>
           </a:p>
           <a:p>
@@ -16713,14 +15548,6 @@
   <p:clrMapOvr>
     <a:masterClrMapping/>
   </p:clrMapOvr>
-  <mc:AlternateContent xmlns:mc="http://schemas.openxmlformats.org/markup-compatibility/2006" xmlns:p14="http://schemas.microsoft.com/office/powerpoint/2010/main">
-    <mc:Choice Requires="p14">
-      <p:transition spd="slow" p14:dur="2000"/>
-    </mc:Choice>
-    <mc:Fallback xmlns="">
-      <p:transition spd="slow"/>
-    </mc:Fallback>
-  </mc:AlternateContent>
 </p:sld>
 </file>
 
@@ -16796,31 +15623,14 @@
             <a:pPr lvl="0"/>
             <a:r>
               <a:rPr lang="en-US" sz="2400" dirty="0"/>
-              <a:t>Can also grow </a:t>
-            </a:r>
-            <a:r>
-              <a:rPr lang="en-US" sz="2400" dirty="0" smtClean="0"/>
-              <a:t>an option </a:t>
-            </a:r>
+              <a:t>Can also grow an option tree by incrementally adding nodes to it using a boosting algorithm</a:t>
+            </a:r>
+          </a:p>
+          <a:p>
+            <a:pPr lvl="0"/>
             <a:r>
               <a:rPr lang="en-US" sz="2400" dirty="0"/>
-              <a:t>tree by incrementally adding nodes to </a:t>
-            </a:r>
-            <a:r>
-              <a:rPr lang="en-US" sz="2400" dirty="0" smtClean="0"/>
-              <a:t>it using a boosting algorithm</a:t>
-            </a:r>
-            <a:endParaRPr lang="en-US" sz="2400" dirty="0"/>
-          </a:p>
-          <a:p>
-            <a:pPr lvl="0"/>
-            <a:r>
-              <a:rPr lang="en-US" sz="2400" dirty="0" smtClean="0"/>
-              <a:t>The resulting s</a:t>
-            </a:r>
-            <a:r>
-              <a:rPr lang="en-US" sz="2400" dirty="0" smtClean="0"/>
-              <a:t>tructure is called an </a:t>
+              <a:t>The resulting structure is called an </a:t>
             </a:r>
             <a:r>
               <a:rPr lang="en-US" sz="2400" i="1" dirty="0"/>
@@ -16851,81 +15661,35 @@
             <a:pPr lvl="1"/>
             <a:r>
               <a:rPr lang="en-US" sz="2000" dirty="0"/>
-              <a:t>Prediction nodes are </a:t>
-            </a:r>
-            <a:r>
-              <a:rPr lang="en-US" sz="2000" dirty="0" smtClean="0"/>
-              <a:t>leaf nodes </a:t>
-            </a:r>
+              <a:t>Prediction nodes are leaf nodes if no splitter nodes have been added to them yet</a:t>
+            </a:r>
+          </a:p>
+          <a:p>
+            <a:pPr lvl="1"/>
             <a:r>
               <a:rPr lang="en-US" sz="2000" dirty="0"/>
-              <a:t>if no splitter nodes have been added to them yet</a:t>
+              <a:t>Standard alternating tree applies to 2-class problems but the algorithm can be extended to multi-class problems</a:t>
             </a:r>
           </a:p>
           <a:p>
             <a:pPr lvl="1"/>
             <a:r>
               <a:rPr lang="en-US" sz="2000" dirty="0"/>
-              <a:t>Standard alternating tree applies to 2-class </a:t>
-            </a:r>
-            <a:r>
-              <a:rPr lang="en-US" sz="2000" dirty="0" smtClean="0"/>
-              <a:t>problems but the algorithm can be extended to mult</a:t>
-            </a:r>
-            <a:r>
-              <a:rPr lang="en-US" sz="2000" dirty="0" smtClean="0"/>
-              <a:t>i-class problems</a:t>
-            </a:r>
-            <a:endParaRPr lang="en-US" sz="2000" dirty="0"/>
+              <a:t>To obtain a prediction from an alternating tree, filter the instance down all applicable branches and sum the predictions</a:t>
+            </a:r>
           </a:p>
           <a:p>
             <a:pPr lvl="1"/>
             <a:r>
               <a:rPr lang="en-US" sz="2000" dirty="0"/>
-              <a:t>To obtain </a:t>
-            </a:r>
-            <a:r>
-              <a:rPr lang="en-US" sz="2000" dirty="0" smtClean="0"/>
-              <a:t>a prediction from an alternating tree, </a:t>
-            </a:r>
-            <a:r>
-              <a:rPr lang="en-US" sz="2000" dirty="0"/>
-              <a:t>filter </a:t>
-            </a:r>
-            <a:r>
-              <a:rPr lang="en-US" sz="2000" dirty="0" smtClean="0"/>
-              <a:t>the instance </a:t>
-            </a:r>
-            <a:r>
-              <a:rPr lang="en-US" sz="2000" dirty="0"/>
-              <a:t>down all applicable branches and sum </a:t>
-            </a:r>
-            <a:r>
-              <a:rPr lang="en-US" sz="2000" dirty="0" smtClean="0"/>
-              <a:t>the predictions</a:t>
+              <a:t>Predictions from all relevant predictions nodes need to be used, whether those nodes are leaves or not</a:t>
             </a:r>
           </a:p>
           <a:p>
             <a:pPr lvl="1"/>
             <a:r>
-              <a:rPr lang="en-US" sz="2000" dirty="0" smtClean="0"/>
-              <a:t>Predictions from all relevant predictions nodes need to be used, whether those nodes are leaves or not</a:t>
-            </a:r>
-            <a:endParaRPr lang="en-US" sz="2000" dirty="0"/>
-          </a:p>
-          <a:p>
-            <a:pPr lvl="1"/>
-            <a:r>
               <a:rPr lang="en-US" sz="2100" dirty="0"/>
-              <a:t>Predict one </a:t>
-            </a:r>
-            <a:r>
-              <a:rPr lang="en-US" sz="2100" dirty="0" smtClean="0"/>
-              <a:t>class </a:t>
-            </a:r>
-            <a:r>
-              <a:rPr lang="en-US" sz="2100" dirty="0"/>
-              <a:t>or the other depending on whether the sum is positive or negative</a:t>
+              <a:t>Predict one class or the other depending on whether the sum is positive or negative</a:t>
             </a:r>
           </a:p>
         </p:txBody>
@@ -16958,14 +15722,6 @@
   <p:clrMapOvr>
     <a:masterClrMapping/>
   </p:clrMapOvr>
-  <mc:AlternateContent xmlns:mc="http://schemas.openxmlformats.org/markup-compatibility/2006" xmlns:p14="http://schemas.microsoft.com/office/powerpoint/2010/main">
-    <mc:Choice Requires="p14">
-      <p:transition spd="slow" p14:dur="2000"/>
-    </mc:Choice>
-    <mc:Fallback xmlns="">
-      <p:transition spd="slow"/>
-    </mc:Fallback>
-  </mc:AlternateContent>
 </p:sld>
 </file>
 
@@ -17008,10 +15764,9 @@
           <a:p>
             <a:pPr lvl="0"/>
             <a:r>
-              <a:rPr lang="en-US" dirty="0" smtClean="0"/>
+              <a:rPr lang="en-US" dirty="0"/>
               <a:t>Example tree</a:t>
             </a:r>
-            <a:endParaRPr lang="en-US" dirty="0"/>
           </a:p>
         </p:txBody>
       </p:sp>
@@ -17067,14 +15822,6 @@
   <p:clrMapOvr>
     <a:masterClrMapping/>
   </p:clrMapOvr>
-  <mc:AlternateContent xmlns:mc="http://schemas.openxmlformats.org/markup-compatibility/2006" xmlns:p14="http://schemas.microsoft.com/office/powerpoint/2010/main">
-    <mc:Choice Requires="p14">
-      <p:transition spd="slow" p14:dur="2000"/>
-    </mc:Choice>
-    <mc:Fallback xmlns="">
-      <p:transition spd="slow"/>
-    </mc:Fallback>
-  </mc:AlternateContent>
 </p:sld>
 </file>
 
@@ -17149,115 +15896,45 @@
           <a:p>
             <a:pPr lvl="0"/>
             <a:r>
-              <a:rPr lang="en-US" sz="2400" dirty="0" smtClean="0"/>
-              <a:t>An alternating t</a:t>
-            </a:r>
-            <a:r>
-              <a:rPr lang="en-US" sz="2400" dirty="0" smtClean="0"/>
-              <a:t>ree </a:t>
-            </a:r>
-            <a:r>
               <a:rPr lang="en-US" sz="2400" dirty="0"/>
-              <a:t>is grown using a boosting </a:t>
-            </a:r>
-            <a:r>
-              <a:rPr lang="en-US" sz="2400" dirty="0" smtClean="0"/>
-              <a:t>algorithm, </a:t>
+              <a:t>An alternating tree is grown using a boosting algorithm, e.g., the </a:t>
+            </a:r>
+            <a:r>
+              <a:rPr lang="en-US" sz="2400" dirty="0" err="1"/>
+              <a:t>LogitBoost</a:t>
             </a:r>
             <a:r>
               <a:rPr lang="en-US" sz="2400" dirty="0"/>
-              <a:t>e</a:t>
-            </a:r>
-            <a:r>
-              <a:rPr lang="en-US" sz="2400" dirty="0" smtClean="0"/>
-              <a:t>.g., the </a:t>
-            </a:r>
-            <a:r>
-              <a:rPr lang="en-US" sz="2400" dirty="0" err="1" smtClean="0"/>
+              <a:t> algorithm described earlier:</a:t>
+            </a:r>
+          </a:p>
+          <a:p>
+            <a:pPr lvl="1"/>
+            <a:r>
+              <a:rPr lang="en-US" sz="2000" dirty="0"/>
+              <a:t>Assume that the base learner used for boosting produces a single conjunctive if-then rule in each boosting iteration</a:t>
+            </a:r>
+            <a:br>
+              <a:rPr lang="en-US" sz="2000" dirty="0"/>
+            </a:br>
+            <a:r>
+              <a:rPr lang="en-US" sz="2000" dirty="0"/>
+              <a:t>(an if-then rule for least-squares regression if </a:t>
+            </a:r>
+            <a:r>
+              <a:rPr lang="en-US" sz="2000" dirty="0" err="1"/>
               <a:t>LogitBoost</a:t>
             </a:r>
             <a:r>
-              <a:rPr lang="en-US" sz="2400" dirty="0" smtClean="0"/>
-              <a:t> algorithm </a:t>
-            </a:r>
-            <a:r>
-              <a:rPr lang="en-US" sz="2400" dirty="0"/>
-              <a:t>described </a:t>
-            </a:r>
-            <a:r>
-              <a:rPr lang="en-US" sz="2400" dirty="0" smtClean="0"/>
-              <a:t>earlier:</a:t>
-            </a:r>
-            <a:endParaRPr lang="en-US" sz="2400" dirty="0"/>
+              <a:rPr lang="en-US" sz="2000" dirty="0"/>
+              <a:t> is used)</a:t>
+            </a:r>
           </a:p>
           <a:p>
             <a:pPr lvl="1"/>
             <a:r>
               <a:rPr lang="en-US" sz="2000" dirty="0"/>
-              <a:t>Assume that </a:t>
-            </a:r>
-            <a:r>
-              <a:rPr lang="en-US" sz="2000" dirty="0" smtClean="0"/>
-              <a:t>the base </a:t>
-            </a:r>
-            <a:r>
-              <a:rPr lang="en-US" sz="2000" dirty="0"/>
-              <a:t>learner </a:t>
-            </a:r>
-            <a:r>
-              <a:rPr lang="en-US" sz="2000" dirty="0" smtClean="0"/>
-              <a:t>used for boosting produces a single conjunctive if-then </a:t>
-            </a:r>
-            <a:r>
-              <a:rPr lang="en-US" sz="2000" dirty="0"/>
-              <a:t>rule in each boosting </a:t>
-            </a:r>
-            <a:r>
-              <a:rPr lang="en-US" sz="2000" dirty="0" smtClean="0"/>
-              <a:t>iteration</a:t>
-            </a:r>
-            <a:br>
-              <a:rPr lang="en-US" sz="2000" dirty="0" smtClean="0"/>
-            </a:br>
-            <a:r>
-              <a:rPr lang="en-US" sz="2000" dirty="0" smtClean="0"/>
-              <a:t>(an if-then</a:t>
-            </a:r>
-            <a:r>
-              <a:rPr lang="en-US" sz="2000" dirty="0" smtClean="0"/>
-              <a:t> </a:t>
-            </a:r>
-            <a:r>
-              <a:rPr lang="en-US" sz="2000" dirty="0"/>
-              <a:t>rule for </a:t>
-            </a:r>
-            <a:r>
-              <a:rPr lang="en-US" sz="2000" dirty="0" smtClean="0"/>
-              <a:t>least-squares regression if </a:t>
-            </a:r>
-            <a:r>
-              <a:rPr lang="en-US" sz="2000" dirty="0" err="1" smtClean="0"/>
-              <a:t>LogitBoost</a:t>
-            </a:r>
-            <a:r>
-              <a:rPr lang="en-US" sz="2000" dirty="0" smtClean="0"/>
-              <a:t> is used)</a:t>
-            </a:r>
-            <a:endParaRPr lang="en-US" sz="2000" dirty="0"/>
-          </a:p>
-          <a:p>
-            <a:pPr lvl="1"/>
-            <a:r>
-              <a:rPr lang="en-US" sz="2000" dirty="0"/>
-              <a:t>Each rule could simply be added into the </a:t>
-            </a:r>
-            <a:r>
-              <a:rPr lang="en-US" sz="2000" dirty="0" smtClean="0"/>
-              <a:t>current alternating tree</a:t>
-            </a:r>
-            <a:r>
-              <a:rPr lang="en-US" sz="2000" dirty="0"/>
-              <a:t>, including the numeric prediction obtained from the rule</a:t>
+              <a:t>Each rule could simply be added into the current alternating tree, including the numeric prediction obtained from the rule</a:t>
             </a:r>
           </a:p>
           <a:p>
@@ -17271,60 +15948,22 @@
             <a:pPr lvl="1"/>
             <a:r>
               <a:rPr lang="en-US" sz="2000" dirty="0"/>
-              <a:t>Solution: base learner should only consider candidate </a:t>
-            </a:r>
-            <a:r>
-              <a:rPr lang="en-US" sz="2000" dirty="0" smtClean="0"/>
-              <a:t>regression rules </a:t>
-            </a:r>
+              <a:t>Solution: base learner should only consider candidate regression rules that extend existing branches in the alternating tree</a:t>
+            </a:r>
+          </a:p>
+          <a:p>
+            <a:pPr lvl="1"/>
             <a:r>
               <a:rPr lang="en-US" sz="2000" dirty="0"/>
-              <a:t>that extend existing </a:t>
-            </a:r>
-            <a:r>
-              <a:rPr lang="en-US" sz="2000" dirty="0" smtClean="0"/>
-              <a:t>branches in the alternating tree</a:t>
-            </a:r>
-            <a:endParaRPr lang="en-US" sz="2000" dirty="0"/>
+              <a:t>An extension of a branch adds a splitter node and two prediction nodes (assuming binary splits)</a:t>
+            </a:r>
           </a:p>
           <a:p>
             <a:pPr lvl="1"/>
             <a:r>
-              <a:rPr lang="en-US" sz="2000" dirty="0" smtClean="0"/>
-              <a:t>An e</a:t>
-            </a:r>
-            <a:r>
-              <a:rPr lang="en-US" sz="2000" dirty="0" smtClean="0"/>
-              <a:t>xtension of a branch adds a splitter </a:t>
-            </a:r>
-            <a:r>
               <a:rPr lang="en-US" sz="2000" dirty="0"/>
-              <a:t>node and two prediction nodes (assuming binary splits)</a:t>
-            </a:r>
-          </a:p>
-          <a:p>
-            <a:pPr lvl="1"/>
-            <a:r>
-              <a:rPr lang="en-US" sz="2000" dirty="0" smtClean="0"/>
-              <a:t>The s</a:t>
-            </a:r>
-            <a:r>
-              <a:rPr lang="en-US" sz="2000" dirty="0" smtClean="0"/>
-              <a:t>tandard approach chooses the best </a:t>
-            </a:r>
-            <a:r>
-              <a:rPr lang="en-US" sz="2000" dirty="0"/>
-              <a:t>extension among all possible extensions applicable to </a:t>
-            </a:r>
-            <a:r>
-              <a:rPr lang="en-US" sz="2000" dirty="0" smtClean="0"/>
-              <a:t>the tree, according to the loss function </a:t>
-            </a:r>
-            <a:r>
-              <a:rPr lang="en-US" sz="2000" dirty="0" smtClean="0"/>
-              <a:t>used</a:t>
-            </a:r>
-            <a:endParaRPr lang="en-US" sz="2000" dirty="0"/>
+              <a:t>The standard approach chooses the best extension among all possible extensions applicable to the tree, according to the loss function used</a:t>
+            </a:r>
           </a:p>
           <a:p>
             <a:pPr lvl="1"/>
@@ -17364,14 +16003,6 @@
   <p:clrMapOvr>
     <a:masterClrMapping/>
   </p:clrMapOvr>
-  <mc:AlternateContent xmlns:mc="http://schemas.openxmlformats.org/markup-compatibility/2006" xmlns:p14="http://schemas.microsoft.com/office/powerpoint/2010/main">
-    <mc:Choice Requires="p14">
-      <p:transition spd="slow" p14:dur="2000"/>
-    </mc:Choice>
-    <mc:Fallback xmlns="">
-      <p:transition spd="slow"/>
-    </mc:Fallback>
-  </mc:AlternateContent>
 </p:sld>
 </file>
 
@@ -17446,60 +16077,30 @@
           <a:p>
             <a:pPr lvl="0"/>
             <a:r>
-              <a:rPr lang="en-US" sz="2400" dirty="0" smtClean="0"/>
-              <a:t>Alternating decision trees </a:t>
-            </a:r>
-            <a:r>
               <a:rPr lang="en-US" sz="2400" dirty="0"/>
-              <a:t>may still be difficult to </a:t>
-            </a:r>
-            <a:r>
-              <a:rPr lang="en-US" sz="2400" dirty="0" smtClean="0"/>
-              <a:t>interpret</a:t>
+              <a:t>Alternating decision trees may still be difficult to interpret</a:t>
             </a:r>
           </a:p>
           <a:p>
             <a:pPr lvl="1"/>
             <a:r>
-              <a:rPr lang="en-US" dirty="0" smtClean="0"/>
+              <a:rPr lang="en-US" dirty="0"/>
               <a:t>The number of prediction nodes that need to be considered for any individual test instance increases exponentially with the depth of tree in the worst case</a:t>
             </a:r>
-            <a:endParaRPr lang="en-US" dirty="0"/>
           </a:p>
           <a:p>
             <a:pPr lvl="0"/>
             <a:r>
-              <a:rPr lang="en-US" sz="2400" dirty="0" smtClean="0"/>
-              <a:t>But: c</a:t>
-            </a:r>
-            <a:r>
-              <a:rPr lang="en-US" sz="2400" dirty="0" smtClean="0"/>
-              <a:t>an </a:t>
-            </a:r>
-            <a:r>
               <a:rPr lang="en-US" sz="2400" dirty="0"/>
-              <a:t>also use boosting to build decision trees with linear models at the leaves </a:t>
-            </a:r>
-            <a:r>
-              <a:rPr lang="en-US" sz="2400" dirty="0" smtClean="0"/>
-              <a:t>(trees </a:t>
-            </a:r>
-            <a:r>
-              <a:rPr lang="en-US" sz="2400" dirty="0"/>
-              <a:t>without options</a:t>
-            </a:r>
-            <a:r>
-              <a:rPr lang="en-US" sz="2400" dirty="0" smtClean="0"/>
-              <a:t>)</a:t>
+              <a:t>But: can also use boosting to build decision trees with linear models at the leaves (trees without options)</a:t>
             </a:r>
           </a:p>
           <a:p>
             <a:pPr lvl="1"/>
             <a:r>
-              <a:rPr lang="en-US" dirty="0" smtClean="0"/>
+              <a:rPr lang="en-US" dirty="0"/>
               <a:t>These trees are often more accurate than standard decision trees but remain easily interpretable because they lack options</a:t>
             </a:r>
-            <a:endParaRPr lang="en-US" dirty="0"/>
           </a:p>
           <a:p>
             <a:pPr lvl="0"/>
@@ -17509,22 +16110,18 @@
             </a:r>
             <a:r>
               <a:rPr lang="en-US" sz="2400" i="1" dirty="0"/>
-              <a:t>logistic model </a:t>
-            </a:r>
-            <a:r>
-              <a:rPr lang="en-US" sz="2400" i="1" dirty="0" smtClean="0"/>
-              <a:t>trees </a:t>
-            </a:r>
-            <a:r>
-              <a:rPr lang="en-US" sz="2400" dirty="0" smtClean="0"/>
+              <a:t>logistic model trees </a:t>
+            </a:r>
+            <a:r>
+              <a:rPr lang="en-US" sz="2400" dirty="0"/>
               <a:t>using </a:t>
             </a:r>
             <a:r>
-              <a:rPr lang="en-US" sz="2400" dirty="0" err="1" smtClean="0"/>
+              <a:rPr lang="en-US" sz="2400" dirty="0" err="1"/>
               <a:t>LogitBoost</a:t>
             </a:r>
             <a:r>
-              <a:rPr lang="en-US" sz="2400" dirty="0" smtClean="0"/>
+              <a:rPr lang="en-US" sz="2400" dirty="0"/>
               <a:t>:</a:t>
             </a:r>
             <a:endParaRPr lang="en-US" sz="2600" dirty="0"/>
@@ -17541,141 +16138,43 @@
             </a:r>
             <a:r>
               <a:rPr lang="en-US" dirty="0"/>
-              <a:t> with simple linear regression as </a:t>
-            </a:r>
-            <a:r>
-              <a:rPr lang="en-US" dirty="0" smtClean="0"/>
-              <a:t>the base learner (choosing </a:t>
-            </a:r>
+              <a:t> with simple linear regression as the base learner (choosing the best attribute for linear regression in each iteration)</a:t>
+            </a:r>
+          </a:p>
+          <a:p>
+            <a:pPr lvl="1"/>
             <a:r>
               <a:rPr lang="en-US" dirty="0"/>
-              <a:t>the best attribute </a:t>
-            </a:r>
-            <a:r>
-              <a:rPr lang="en-US" dirty="0" smtClean="0"/>
-              <a:t>for linear regression in </a:t>
-            </a:r>
+              <a:t>Interrupt boosting when the cross-validated accuracy of the additive model no longer increases</a:t>
+            </a:r>
+          </a:p>
+          <a:p>
+            <a:pPr lvl="1"/>
             <a:r>
               <a:rPr lang="en-US" dirty="0"/>
-              <a:t>each </a:t>
-            </a:r>
-            <a:r>
-              <a:rPr lang="en-US" dirty="0" smtClean="0"/>
-              <a:t>iteration)</a:t>
-            </a:r>
-            <a:endParaRPr lang="en-US" dirty="0"/>
+              <a:t>Once that happens, split the data (e.g., as in the C4.5 decision tree learner) and resume boosting in the subsets of data that are generated by the split</a:t>
+            </a:r>
           </a:p>
           <a:p>
             <a:pPr lvl="1"/>
             <a:r>
               <a:rPr lang="en-US" dirty="0"/>
-              <a:t>Interrupt boosting when </a:t>
-            </a:r>
-            <a:r>
-              <a:rPr lang="en-US" dirty="0" smtClean="0"/>
-              <a:t>the cross</a:t>
-            </a:r>
+              <a:t>This generates a decision tree with logistic regression models at the leaves</a:t>
+            </a:r>
+          </a:p>
+          <a:p>
+            <a:pPr lvl="1"/>
             <a:r>
               <a:rPr lang="en-US" dirty="0"/>
-              <a:t>-validated </a:t>
-            </a:r>
-            <a:r>
-              <a:rPr lang="en-US" dirty="0" smtClean="0"/>
-              <a:t>accuracy of the additive </a:t>
+              <a:t>Additional </a:t>
+            </a:r>
+            <a:r>
+              <a:rPr lang="en-US" dirty="0" err="1"/>
+              <a:t>overfitting</a:t>
             </a:r>
             <a:r>
               <a:rPr lang="en-US" dirty="0"/>
-              <a:t>model no longer increases</a:t>
-            </a:r>
-          </a:p>
-          <a:p>
-            <a:pPr lvl="1"/>
-            <a:r>
-              <a:rPr lang="en-US" dirty="0" smtClean="0"/>
-              <a:t>Once that happens, split the data </a:t>
-            </a:r>
-            <a:r>
-              <a:rPr lang="en-US" dirty="0"/>
-              <a:t>(</a:t>
-            </a:r>
-            <a:r>
-              <a:rPr lang="en-US" dirty="0" smtClean="0"/>
-              <a:t>e.g., </a:t>
-            </a:r>
-            <a:r>
-              <a:rPr lang="en-US" dirty="0"/>
-              <a:t>as in </a:t>
-            </a:r>
-            <a:r>
-              <a:rPr lang="en-US" dirty="0" smtClean="0"/>
-              <a:t>the C4.5 decision tree learner) </a:t>
-            </a:r>
-            <a:r>
-              <a:rPr lang="en-US" dirty="0"/>
-              <a:t>and resume boosting in </a:t>
-            </a:r>
-            <a:r>
-              <a:rPr lang="en-US" dirty="0" smtClean="0"/>
-              <a:t>the subsets </a:t>
-            </a:r>
-            <a:r>
-              <a:rPr lang="en-US" dirty="0"/>
-              <a:t>of </a:t>
-            </a:r>
-            <a:r>
-              <a:rPr lang="en-US" dirty="0" smtClean="0"/>
-              <a:t>data that are generated by the split</a:t>
-            </a:r>
-          </a:p>
-          <a:p>
-            <a:pPr lvl="1"/>
-            <a:r>
-              <a:rPr lang="en-US" dirty="0" smtClean="0"/>
-              <a:t>This generates a decision tree with logistic regression models at the leaves</a:t>
-            </a:r>
-            <a:endParaRPr lang="en-US" dirty="0"/>
-          </a:p>
-          <a:p>
-            <a:pPr lvl="1"/>
-            <a:r>
-              <a:rPr lang="en-US" dirty="0" smtClean="0"/>
-              <a:t>Additional </a:t>
-            </a:r>
-            <a:r>
-              <a:rPr lang="en-US" dirty="0" err="1" smtClean="0"/>
-              <a:t>overfitting</a:t>
-            </a:r>
-            <a:r>
-              <a:rPr lang="en-US" dirty="0" smtClean="0"/>
-              <a:t> avoidance: p</a:t>
-            </a:r>
-            <a:r>
-              <a:rPr lang="en-US" dirty="0" smtClean="0"/>
-              <a:t>rune </a:t>
-            </a:r>
-            <a:r>
-              <a:rPr lang="en-US" dirty="0"/>
-              <a:t>tree using cross-validation-based </a:t>
-            </a:r>
-            <a:r>
-              <a:rPr lang="en-US" dirty="0" smtClean="0"/>
-              <a:t>cost-complexity pruning </a:t>
-            </a:r>
-            <a:r>
-              <a:rPr lang="en-US" dirty="0"/>
-              <a:t>strategy </a:t>
-            </a:r>
-            <a:r>
-              <a:rPr lang="en-US" dirty="0" smtClean="0"/>
-              <a:t>from </a:t>
-            </a:r>
-            <a:r>
-              <a:rPr lang="en-US" dirty="0"/>
-              <a:t>CART tree </a:t>
-            </a:r>
-            <a:r>
-              <a:rPr lang="en-US" dirty="0" smtClean="0"/>
-              <a:t>learner</a:t>
+              <a:t> avoidance: prune tree using cross-validation-based cost-complexity pruning strategy from CART tree learner</a:t>
             </a:r>
           </a:p>
         </p:txBody>
@@ -17708,14 +16207,6 @@
   <p:clrMapOvr>
     <a:masterClrMapping/>
   </p:clrMapOvr>
-  <mc:AlternateContent xmlns:mc="http://schemas.openxmlformats.org/markup-compatibility/2006" xmlns:p14="http://schemas.microsoft.com/office/powerpoint/2010/main">
-    <mc:Choice Requires="p14">
-      <p:transition spd="slow" p14:dur="2000"/>
-    </mc:Choice>
-    <mc:Fallback xmlns="">
-      <p:transition spd="slow"/>
-    </mc:Fallback>
-  </mc:AlternateContent>
 </p:sld>
 </file>
 
@@ -17823,7 +16314,7 @@
               </a:tabLst>
             </a:pPr>
             <a:r>
-              <a:rPr lang="en-US" sz="2400" dirty="0" smtClean="0">
+              <a:rPr lang="en-US" sz="2400" dirty="0">
                 <a:solidFill>
                   <a:srgbClr val="000000"/>
                 </a:solidFill>
@@ -17833,7 +16324,7 @@
               <a:t>Question: h</a:t>
             </a:r>
             <a:r>
-              <a:rPr lang="en-US" sz="2400" b="0" i="0" u="none" strike="noStrike" baseline="0" dirty="0" smtClean="0">
+              <a:rPr lang="en-US" sz="2400" b="0" i="0" u="none" strike="noStrike" baseline="0" dirty="0">
                 <a:ln>
                   <a:noFill/>
                 </a:ln>
@@ -17846,7 +16337,7 @@
               <a:t>ow</a:t>
             </a:r>
             <a:r>
-              <a:rPr lang="en-US" sz="2400" b="0" i="0" u="none" strike="noStrike" dirty="0" smtClean="0">
+              <a:rPr lang="en-US" sz="2400" b="0" i="0" u="none" strike="noStrike" dirty="0">
                 <a:ln>
                   <a:noFill/>
                 </a:ln>
@@ -17859,7 +16350,7 @@
               <a:t> to build a </a:t>
             </a:r>
             <a:r>
-              <a:rPr lang="en-US" sz="2400" b="0" i="1" u="none" strike="noStrike" dirty="0" smtClean="0">
+              <a:rPr lang="en-US" sz="2400" b="0" i="1" u="none" strike="noStrike" dirty="0">
                 <a:ln>
                   <a:noFill/>
                 </a:ln>
@@ -17872,7 +16363,7 @@
               <a:t>heterogeneous </a:t>
             </a:r>
             <a:r>
-              <a:rPr lang="en-US" sz="2400" b="0" u="none" strike="noStrike" dirty="0" smtClean="0">
+              <a:rPr lang="en-US" sz="2400" b="0" u="none" strike="noStrike" dirty="0">
                 <a:ln>
                   <a:noFill/>
                 </a:ln>
@@ -17885,7 +16376,7 @@
               <a:t>ensemble consisting of different types of models (e.g</a:t>
             </a:r>
             <a:r>
-              <a:rPr lang="en-US" sz="2400" dirty="0" smtClean="0">
+              <a:rPr lang="en-US" sz="2400" dirty="0">
                 <a:solidFill>
                   <a:srgbClr val="000000"/>
                 </a:solidFill>
@@ -17922,7 +16413,7 @@
               </a:tabLst>
             </a:pPr>
             <a:r>
-              <a:rPr lang="en-US" sz="2400" b="0" i="0" u="none" strike="noStrike" baseline="0" dirty="0" smtClean="0">
+              <a:rPr lang="en-US" sz="2400" b="0" i="0" u="none" strike="noStrike" baseline="0" dirty="0">
                 <a:ln>
                   <a:noFill/>
                 </a:ln>
@@ -17935,7 +16426,7 @@
               <a:t>Problem:</a:t>
             </a:r>
             <a:r>
-              <a:rPr lang="en-US" sz="2400" b="0" i="0" u="none" strike="noStrike" dirty="0" smtClean="0">
+              <a:rPr lang="en-US" sz="2400" b="0" i="0" u="none" strike="noStrike" dirty="0">
                 <a:ln>
                   <a:noFill/>
                 </a:ln>
@@ -17947,7 +16438,7 @@
               </a:rPr>
               <a:t> models can be vastly different in accuracy</a:t>
             </a:r>
-            <a:endParaRPr lang="en-US" sz="2400" b="0" i="0" u="none" strike="noStrike" baseline="0" dirty="0" smtClean="0">
+            <a:endParaRPr lang="en-US" sz="2400" b="0" i="0" u="none" strike="noStrike" baseline="0" dirty="0">
               <a:ln>
                 <a:noFill/>
               </a:ln>
@@ -17991,7 +16482,7 @@
               </a:tabLst>
             </a:pPr>
             <a:r>
-              <a:rPr lang="en-US" sz="2400" dirty="0" smtClean="0">
+              <a:rPr lang="en-US" sz="2400" dirty="0">
                 <a:solidFill>
                   <a:srgbClr val="000000"/>
                 </a:solidFill>
@@ -18001,19 +16492,6 @@
               <a:t>Idea: t</a:t>
             </a:r>
             <a:r>
-              <a:rPr lang="en-US" sz="2400" b="0" i="0" u="none" strike="noStrike" baseline="0" dirty="0" smtClean="0">
-                <a:ln>
-                  <a:noFill/>
-                </a:ln>
-                <a:solidFill>
-                  <a:srgbClr val="000000"/>
-                </a:solidFill>
-                <a:ea typeface="Gothic" pitchFamily="2"/>
-                <a:cs typeface="Lucidasans" pitchFamily="2"/>
-              </a:rPr>
-              <a:t>o </a:t>
-            </a:r>
-            <a:r>
               <a:rPr lang="en-US" sz="2400" b="0" i="0" u="none" strike="noStrike" baseline="0" dirty="0">
                 <a:ln>
                   <a:noFill/>
@@ -18024,23 +16502,10 @@
                 <a:ea typeface="Gothic" pitchFamily="2"/>
                 <a:cs typeface="Lucidasans" pitchFamily="2"/>
               </a:rPr>
-              <a:t>combine predictions of base learners, </a:t>
-            </a:r>
-            <a:r>
-              <a:rPr lang="en-US" sz="2400" b="0" i="0" u="none" strike="noStrike" baseline="0" dirty="0" smtClean="0">
-                <a:ln>
-                  <a:noFill/>
-                </a:ln>
-                <a:solidFill>
-                  <a:srgbClr val="000000"/>
-                </a:solidFill>
-                <a:ea typeface="Gothic" pitchFamily="2"/>
-                <a:cs typeface="Lucidasans" pitchFamily="2"/>
-              </a:rPr>
-              <a:t>do</a:t>
-            </a:r>
-            <a:r>
-              <a:rPr lang="en-US" sz="2400" b="0" i="0" u="none" strike="noStrike" dirty="0" smtClean="0">
+              <a:t>o combine predictions of base learners, do</a:t>
+            </a:r>
+            <a:r>
+              <a:rPr lang="en-US" sz="2400" b="0" i="0" u="none" strike="noStrike" dirty="0">
                 <a:ln>
                   <a:noFill/>
                 </a:ln>
@@ -18053,7 +16518,7 @@
               <a:t> </a:t>
             </a:r>
             <a:r>
-              <a:rPr lang="en-US" sz="2400" b="0" i="1" u="none" strike="noStrike" dirty="0" smtClean="0">
+              <a:rPr lang="en-US" sz="2400" b="0" i="1" u="none" strike="noStrike" dirty="0">
                 <a:ln>
                   <a:noFill/>
                 </a:ln>
@@ -18066,19 +16531,6 @@
               <a:t>not</a:t>
             </a:r>
             <a:r>
-              <a:rPr lang="en-US" sz="2400" b="0" i="0" u="none" strike="noStrike" baseline="0" dirty="0" smtClean="0">
-                <a:ln>
-                  <a:noFill/>
-                </a:ln>
-                <a:solidFill>
-                  <a:srgbClr val="000000"/>
-                </a:solidFill>
-                <a:ea typeface="Gothic" pitchFamily="2"/>
-                <a:cs typeface="Lucidasans" pitchFamily="2"/>
-              </a:rPr>
-              <a:t> just vote</a:t>
-            </a:r>
-            <a:r>
               <a:rPr lang="en-US" sz="2400" b="0" i="0" u="none" strike="noStrike" baseline="0" dirty="0">
                 <a:ln>
                   <a:noFill/>
@@ -18089,20 +16541,7 @@
                 <a:ea typeface="Gothic" pitchFamily="2"/>
                 <a:cs typeface="Lucidasans" pitchFamily="2"/>
               </a:rPr>
-              <a:t>, </a:t>
-            </a:r>
-            <a:r>
-              <a:rPr lang="en-US" sz="2400" b="0" i="0" u="none" strike="noStrike" baseline="0" dirty="0" smtClean="0">
-                <a:ln>
-                  <a:noFill/>
-                </a:ln>
-                <a:solidFill>
-                  <a:srgbClr val="000000"/>
-                </a:solidFill>
-                <a:ea typeface="Gothic" pitchFamily="2"/>
-                <a:cs typeface="Lucidasans" pitchFamily="2"/>
-              </a:rPr>
-              <a:t>instead, use </a:t>
+              <a:t> just vote, instead, use </a:t>
             </a:r>
             <a:r>
               <a:rPr lang="en-US" sz="2400" b="0" i="1" u="none" strike="noStrike" baseline="0" dirty="0">
@@ -18171,7 +16610,7 @@
               </a:tabLst>
             </a:pPr>
             <a:r>
-              <a:rPr lang="en-US" sz="2000" b="0" i="0" u="none" strike="noStrike" baseline="0" dirty="0" smtClean="0">
+              <a:rPr lang="en-US" sz="2000" b="0" i="0" u="none" strike="noStrike" baseline="0" dirty="0">
                 <a:ln>
                   <a:noFill/>
                 </a:ln>
@@ -18234,23 +16673,10 @@
                 <a:ea typeface="Gothic" pitchFamily="2"/>
                 <a:cs typeface="Lucidasans" pitchFamily="2"/>
               </a:rPr>
-              <a:t>Meta </a:t>
-            </a:r>
-            <a:r>
-              <a:rPr lang="en-US" sz="2000" b="0" i="0" u="none" strike="noStrike" baseline="0" dirty="0" smtClean="0">
-                <a:ln>
-                  <a:noFill/>
-                </a:ln>
-                <a:solidFill>
-                  <a:srgbClr val="000000"/>
-                </a:solidFill>
-                <a:ea typeface="Gothic" pitchFamily="2"/>
-                <a:cs typeface="Lucidasans" pitchFamily="2"/>
-              </a:rPr>
-              <a:t>learner is</a:t>
-            </a:r>
-            <a:r>
-              <a:rPr lang="en-US" sz="2000" b="0" i="0" u="none" strike="noStrike" dirty="0" smtClean="0">
+              <a:t>Meta learner is</a:t>
+            </a:r>
+            <a:r>
+              <a:rPr lang="en-US" sz="2000" b="0" i="0" u="none" strike="noStrike" dirty="0">
                 <a:ln>
                   <a:noFill/>
                 </a:ln>
@@ -18263,7 +16689,7 @@
               <a:t> called</a:t>
             </a:r>
             <a:r>
-              <a:rPr lang="en-US" sz="2000" b="0" i="0" u="none" strike="noStrike" baseline="0" dirty="0" smtClean="0">
+              <a:rPr lang="en-US" sz="2000" b="0" i="0" u="none" strike="noStrike" baseline="0" dirty="0">
                 <a:ln>
                   <a:noFill/>
                 </a:ln>
@@ -18375,7 +16801,7 @@
               <a:t>Base learners are usually different </a:t>
             </a:r>
             <a:r>
-              <a:rPr lang="en-US" sz="2400" dirty="0" smtClean="0">
+              <a:rPr lang="en-US" sz="2400" dirty="0">
                 <a:solidFill>
                   <a:srgbClr val="000000"/>
                 </a:solidFill>
@@ -18428,7 +16854,7 @@
               </a:tabLst>
             </a:pPr>
             <a:r>
-              <a:rPr lang="en-US" sz="2400" dirty="0" smtClean="0">
+              <a:rPr lang="en-US" sz="2400" dirty="0">
                 <a:solidFill>
                   <a:srgbClr val="000000"/>
                 </a:solidFill>
@@ -18438,19 +16864,6 @@
               <a:t>Caveat: cannot</a:t>
             </a:r>
             <a:r>
-              <a:rPr lang="en-US" sz="2400" b="0" i="0" u="none" strike="noStrike" baseline="0" dirty="0" smtClean="0">
-                <a:ln>
-                  <a:noFill/>
-                </a:ln>
-                <a:solidFill>
-                  <a:srgbClr val="000000"/>
-                </a:solidFill>
-                <a:ea typeface="Gothic" pitchFamily="2"/>
-                <a:cs typeface="Lucidasans" pitchFamily="2"/>
-              </a:rPr>
-              <a:t> </a:t>
-            </a:r>
-            <a:r>
               <a:rPr lang="en-US" sz="2400" b="0" i="0" u="none" strike="noStrike" baseline="0" dirty="0">
                 <a:ln>
                   <a:noFill/>
@@ -18461,7 +16874,7 @@
                 <a:ea typeface="Gothic" pitchFamily="2"/>
                 <a:cs typeface="Lucidasans" pitchFamily="2"/>
               </a:rPr>
-              <a:t>use predictions on training data to generate data for level-1 model!</a:t>
+              <a:t> use predictions on training data to generate data for level-1 model!</a:t>
             </a:r>
           </a:p>
           <a:p>
@@ -18501,23 +16914,10 @@
                 <a:ea typeface="Gothic" pitchFamily="2"/>
                 <a:cs typeface="Lucidasans" pitchFamily="2"/>
               </a:rPr>
-              <a:t>Instead use </a:t>
-            </a:r>
-            <a:r>
-              <a:rPr lang="en-US" sz="2000" b="0" i="0" u="none" strike="noStrike" baseline="0" dirty="0" smtClean="0">
-                <a:ln>
-                  <a:noFill/>
-                </a:ln>
-                <a:solidFill>
-                  <a:srgbClr val="000000"/>
-                </a:solidFill>
-                <a:ea typeface="Gothic" pitchFamily="2"/>
-                <a:cs typeface="Lucidasans" pitchFamily="2"/>
-              </a:rPr>
-              <a:t>scheme based</a:t>
-            </a:r>
-            <a:r>
-              <a:rPr lang="en-US" sz="2000" b="0" i="0" u="none" strike="noStrike" dirty="0" smtClean="0">
+              <a:t>Instead use scheme based</a:t>
+            </a:r>
+            <a:r>
+              <a:rPr lang="en-US" sz="2000" b="0" i="0" u="none" strike="noStrike" dirty="0">
                 <a:ln>
                   <a:noFill/>
                 </a:ln>
@@ -18530,19 +16930,6 @@
               <a:t> on </a:t>
             </a:r>
             <a:r>
-              <a:rPr lang="en-US" sz="2000" b="0" i="0" u="none" strike="noStrike" baseline="0" dirty="0" smtClean="0">
-                <a:ln>
-                  <a:noFill/>
-                </a:ln>
-                <a:solidFill>
-                  <a:srgbClr val="000000"/>
-                </a:solidFill>
-                <a:ea typeface="Gothic" pitchFamily="2"/>
-                <a:cs typeface="Lucidasans" pitchFamily="2"/>
-              </a:rPr>
-              <a:t>cross</a:t>
-            </a:r>
-            <a:r>
               <a:rPr lang="en-US" sz="2000" b="0" i="0" u="none" strike="noStrike" baseline="0" dirty="0">
                 <a:ln>
                   <a:noFill/>
@@ -18553,31 +16940,8 @@
                 <a:ea typeface="Gothic" pitchFamily="2"/>
                 <a:cs typeface="Lucidasans" pitchFamily="2"/>
               </a:rPr>
-              <a:t>-</a:t>
-            </a:r>
-            <a:r>
-              <a:rPr lang="en-US" sz="2000" b="0" i="0" u="none" strike="noStrike" baseline="0" dirty="0" smtClean="0">
-                <a:ln>
-                  <a:noFill/>
-                </a:ln>
-                <a:solidFill>
-                  <a:srgbClr val="000000"/>
-                </a:solidFill>
-                <a:ea typeface="Gothic" pitchFamily="2"/>
-                <a:cs typeface="Lucidasans" pitchFamily="2"/>
-              </a:rPr>
-              <a:t>validation</a:t>
-            </a:r>
-            <a:endParaRPr lang="en-US" sz="2000" b="0" i="0" u="none" strike="noStrike" baseline="0" dirty="0">
-              <a:ln>
-                <a:noFill/>
-              </a:ln>
-              <a:solidFill>
-                <a:srgbClr val="000000"/>
-              </a:solidFill>
-              <a:ea typeface="Gothic" pitchFamily="2"/>
-              <a:cs typeface="Lucidasans" pitchFamily="2"/>
-            </a:endParaRPr>
+              <a:t>cross-validation</a:t>
+            </a:r>
           </a:p>
         </p:txBody>
       </p:sp>
@@ -18609,14 +16973,6 @@
   <p:clrMapOvr>
     <a:masterClrMapping/>
   </p:clrMapOvr>
-  <mc:AlternateContent xmlns:mc="http://schemas.openxmlformats.org/markup-compatibility/2006" xmlns:p14="http://schemas.microsoft.com/office/powerpoint/2010/main">
-    <mc:Choice Requires="p14">
-      <p:transition spd="slow" p14:dur="2000"/>
-    </mc:Choice>
-    <mc:Fallback xmlns="">
-      <p:transition spd="slow"/>
-    </mc:Fallback>
-  </mc:AlternateContent>
 </p:sld>
 </file>
 
@@ -18661,10 +17017,9 @@
           <a:p>
             <a:pPr lvl="0"/>
             <a:r>
-              <a:rPr lang="en-US" sz="3600" dirty="0" smtClean="0"/>
+              <a:rPr lang="en-US" sz="3600" dirty="0"/>
               <a:t>Generating the level-1 training data</a:t>
             </a:r>
-            <a:endParaRPr lang="en-US" sz="3600" dirty="0"/>
           </a:p>
         </p:txBody>
       </p:sp>
@@ -18725,7 +17080,7 @@
               </a:tabLst>
             </a:pPr>
             <a:r>
-              <a:rPr lang="en-US" sz="2400" dirty="0" smtClean="0">
+              <a:rPr lang="en-US" sz="2400" dirty="0">
                 <a:solidFill>
                   <a:srgbClr val="000000"/>
                 </a:solidFill>
@@ -18768,7 +17123,7 @@
               </a:tabLst>
             </a:pPr>
             <a:r>
-              <a:rPr lang="en-US" sz="2400" dirty="0" smtClean="0">
+              <a:rPr lang="en-US" sz="2400" dirty="0">
                 <a:solidFill>
                   <a:srgbClr val="000000"/>
                 </a:solidFill>
@@ -18778,7 +17133,7 @@
               <a:t>Problem: we c</a:t>
             </a:r>
             <a:r>
-              <a:rPr lang="en-US" sz="2400" b="0" i="0" u="none" strike="noStrike" baseline="0" dirty="0" smtClean="0">
+              <a:rPr lang="en-US" sz="2400" b="0" i="0" u="none" strike="noStrike" baseline="0" dirty="0">
                 <a:ln>
                   <a:noFill/>
                 </a:ln>
@@ -18791,7 +17146,7 @@
               <a:t>annot use the level-0</a:t>
             </a:r>
             <a:r>
-              <a:rPr lang="en-US" sz="2400" b="0" i="0" u="none" strike="noStrike" dirty="0" smtClean="0">
+              <a:rPr lang="en-US" sz="2400" b="0" i="0" u="none" strike="noStrike" dirty="0">
                 <a:ln>
                   <a:noFill/>
                 </a:ln>
@@ -18804,7 +17159,7 @@
               <a:t> models </a:t>
             </a:r>
             <a:r>
-              <a:rPr lang="en-US" sz="2400" b="0" i="0" u="none" strike="noStrike" baseline="0" dirty="0" smtClean="0">
+              <a:rPr lang="en-US" sz="2400" b="0" i="0" u="none" strike="noStrike" baseline="0" dirty="0">
                 <a:ln>
                   <a:noFill/>
                 </a:ln>
@@ -18817,7 +17172,7 @@
               <a:t>predictions on their </a:t>
             </a:r>
             <a:r>
-              <a:rPr lang="en-US" sz="2400" b="0" i="1" u="none" strike="noStrike" baseline="0" dirty="0" smtClean="0">
+              <a:rPr lang="en-US" sz="2400" b="0" i="1" u="none" strike="noStrike" baseline="0" dirty="0">
                 <a:ln>
                   <a:noFill/>
                 </a:ln>
@@ -18830,7 +17185,7 @@
               <a:t>training</a:t>
             </a:r>
             <a:r>
-              <a:rPr lang="en-US" sz="2400" b="0" i="0" u="none" strike="noStrike" baseline="0" dirty="0" smtClean="0">
+              <a:rPr lang="en-US" sz="2400" b="0" i="0" u="none" strike="noStrike" baseline="0" dirty="0">
                 <a:ln>
                   <a:noFill/>
                 </a:ln>
@@ -18870,7 +17225,7 @@
               </a:tabLst>
             </a:pPr>
             <a:r>
-              <a:rPr lang="en-US" sz="2000" dirty="0" smtClean="0">
+              <a:rPr lang="en-US" sz="2000" dirty="0">
                 <a:solidFill>
                   <a:srgbClr val="000000"/>
                 </a:solidFill>
@@ -18879,13 +17234,6 @@
               </a:rPr>
               <a:t>Assume we have a perfect rote learner as one of the level-0 learner </a:t>
             </a:r>
-            <a:endParaRPr lang="en-US" sz="2000" dirty="0">
-              <a:solidFill>
-                <a:srgbClr val="000000"/>
-              </a:solidFill>
-              <a:ea typeface="Gothic" pitchFamily="2"/>
-              <a:cs typeface="Lucidasans" pitchFamily="2"/>
-            </a:endParaRPr>
           </a:p>
           <a:p>
             <a:pPr marL="800100" lvl="1" indent="-342900" hangingPunct="0">
@@ -18914,7 +17262,7 @@
               </a:tabLst>
             </a:pPr>
             <a:r>
-              <a:rPr lang="en-US" sz="2000" dirty="0" smtClean="0">
+              <a:rPr lang="en-US" sz="2000" dirty="0">
                 <a:solidFill>
                   <a:srgbClr val="000000"/>
                 </a:solidFill>
@@ -18951,7 +17299,7 @@
               </a:tabLst>
             </a:pPr>
             <a:r>
-              <a:rPr lang="en-US" sz="2400" dirty="0" smtClean="0">
+              <a:rPr lang="en-US" sz="2400" dirty="0">
                 <a:solidFill>
                   <a:srgbClr val="000000"/>
                 </a:solidFill>
@@ -18961,7 +17309,7 @@
               <a:t>To solve this, we generate the level-1 training data by running a </a:t>
             </a:r>
             <a:r>
-              <a:rPr lang="en-US" sz="2400" i="1" dirty="0" smtClean="0">
+              <a:rPr lang="en-US" sz="2400" i="1" dirty="0">
                 <a:solidFill>
                   <a:srgbClr val="000000"/>
                 </a:solidFill>
@@ -18971,7 +17319,7 @@
               <a:t>cross-validation </a:t>
             </a:r>
             <a:r>
-              <a:rPr lang="en-US" sz="2400" dirty="0" smtClean="0">
+              <a:rPr lang="en-US" sz="2400" dirty="0">
                 <a:solidFill>
                   <a:srgbClr val="000000"/>
                 </a:solidFill>
@@ -19008,7 +17356,7 @@
               </a:tabLst>
             </a:pPr>
             <a:r>
-              <a:rPr lang="en-US" sz="2000" dirty="0" smtClean="0">
+              <a:rPr lang="en-US" sz="2000" dirty="0">
                 <a:solidFill>
                   <a:srgbClr val="000000"/>
                 </a:solidFill>
@@ -19018,7 +17366,7 @@
               <a:t>Then, the predictions (and actual class values) obtained for the </a:t>
             </a:r>
             <a:r>
-              <a:rPr lang="en-US" sz="2000" i="1" dirty="0" smtClean="0">
+              <a:rPr lang="en-US" sz="2000" i="1" dirty="0">
                 <a:solidFill>
                   <a:srgbClr val="000000"/>
                 </a:solidFill>
@@ -19028,7 +17376,7 @@
               <a:t>test</a:t>
             </a:r>
             <a:r>
-              <a:rPr lang="en-US" sz="2000" dirty="0" smtClean="0">
+              <a:rPr lang="en-US" sz="2000" dirty="0">
                 <a:solidFill>
                   <a:srgbClr val="000000"/>
                 </a:solidFill>
@@ -19038,7 +17386,7 @@
               <a:t> </a:t>
             </a:r>
             <a:r>
-              <a:rPr lang="en-US" sz="2000" i="1" dirty="0" smtClean="0">
+              <a:rPr lang="en-US" sz="2000" i="1" dirty="0">
                 <a:solidFill>
                   <a:srgbClr val="000000"/>
                 </a:solidFill>
@@ -19048,7 +17396,7 @@
               <a:t>instances</a:t>
             </a:r>
             <a:r>
-              <a:rPr lang="en-US" sz="2000" dirty="0" smtClean="0">
+              <a:rPr lang="en-US" sz="2000" dirty="0">
                 <a:solidFill>
                   <a:srgbClr val="000000"/>
                 </a:solidFill>
@@ -19085,7 +17433,7 @@
               </a:tabLst>
             </a:pPr>
             <a:r>
-              <a:rPr lang="en-US" sz="2000" dirty="0" smtClean="0">
+              <a:rPr lang="en-US" sz="2000" dirty="0">
                 <a:solidFill>
                   <a:srgbClr val="000000"/>
                 </a:solidFill>
@@ -19130,14 +17478,6 @@
   <p:clrMapOvr>
     <a:masterClrMapping/>
   </p:clrMapOvr>
-  <mc:AlternateContent xmlns:mc="http://schemas.openxmlformats.org/markup-compatibility/2006" xmlns:p14="http://schemas.microsoft.com/office/powerpoint/2010/main">
-    <mc:Choice Requires="p14">
-      <p:transition spd="slow" p14:dur="2000"/>
-    </mc:Choice>
-    <mc:Fallback xmlns="">
-      <p:transition spd="slow"/>
-    </mc:Fallback>
-  </mc:AlternateContent>
 </p:sld>
 </file>
 
@@ -19245,7 +17585,7 @@
               </a:tabLst>
             </a:pPr>
             <a:r>
-              <a:rPr lang="en-US" sz="2400" dirty="0" smtClean="0">
+              <a:rPr lang="en-US" sz="2400" dirty="0">
                 <a:solidFill>
                   <a:srgbClr val="000000"/>
                 </a:solidFill>
@@ -19254,7 +17594,7 @@
               </a:rPr>
               <a:t>Stacking is hard to analyze theoretically: “black magic”</a:t>
             </a:r>
-            <a:endParaRPr lang="en-US" sz="2400" b="0" i="0" u="none" strike="noStrike" baseline="0" dirty="0" smtClean="0">
+            <a:endParaRPr lang="en-US" sz="2400" b="0" i="0" u="none" strike="noStrike" baseline="0" dirty="0">
               <a:ln>
                 <a:noFill/>
               </a:ln>
@@ -19298,19 +17638,6 @@
               </a:tabLst>
             </a:pPr>
             <a:r>
-              <a:rPr lang="en-US" sz="2400" b="0" i="0" u="none" strike="noStrike" baseline="0" dirty="0" smtClean="0">
-                <a:ln>
-                  <a:noFill/>
-                </a:ln>
-                <a:solidFill>
-                  <a:srgbClr val="000000"/>
-                </a:solidFill>
-                <a:ea typeface="Gothic" pitchFamily="2"/>
-                <a:cs typeface="Lucidasans" pitchFamily="2"/>
-              </a:rPr>
-              <a:t>If the base </a:t>
-            </a:r>
-            <a:r>
               <a:rPr lang="en-US" sz="2400" b="0" i="0" u="none" strike="noStrike" baseline="0" dirty="0">
                 <a:ln>
                   <a:noFill/>
@@ -19321,46 +17648,7 @@
                 <a:ea typeface="Gothic" pitchFamily="2"/>
                 <a:cs typeface="Lucidasans" pitchFamily="2"/>
               </a:rPr>
-              <a:t>learners can output </a:t>
-            </a:r>
-            <a:r>
-              <a:rPr lang="en-US" sz="2400" b="0" i="0" u="none" strike="noStrike" baseline="0" dirty="0" smtClean="0">
-                <a:ln>
-                  <a:noFill/>
-                </a:ln>
-                <a:solidFill>
-                  <a:srgbClr val="000000"/>
-                </a:solidFill>
-                <a:ea typeface="Gothic" pitchFamily="2"/>
-                <a:cs typeface="Lucidasans" pitchFamily="2"/>
-              </a:rPr>
-              <a:t>class probabilities</a:t>
-            </a:r>
-            <a:r>
-              <a:rPr lang="en-US" sz="2400" b="0" i="0" u="none" strike="noStrike" baseline="0" dirty="0">
-                <a:ln>
-                  <a:noFill/>
-                </a:ln>
-                <a:solidFill>
-                  <a:srgbClr val="000000"/>
-                </a:solidFill>
-                <a:ea typeface="Gothic" pitchFamily="2"/>
-                <a:cs typeface="Lucidasans" pitchFamily="2"/>
-              </a:rPr>
-              <a:t>, use those as input to meta learner </a:t>
-            </a:r>
-            <a:r>
-              <a:rPr lang="en-US" sz="2400" b="0" i="0" u="none" strike="noStrike" baseline="0" dirty="0" smtClean="0">
-                <a:ln>
-                  <a:noFill/>
-                </a:ln>
-                <a:solidFill>
-                  <a:srgbClr val="000000"/>
-                </a:solidFill>
-                <a:ea typeface="Gothic" pitchFamily="2"/>
-                <a:cs typeface="Lucidasans" pitchFamily="2"/>
-              </a:rPr>
-              <a:t>instead of plain classifications</a:t>
+              <a:t>If the base learners can output class probabilities, use those as input to meta learner instead of plain classifications</a:t>
             </a:r>
           </a:p>
           <a:p>
@@ -19390,16 +17678,6 @@
               </a:tabLst>
             </a:pPr>
             <a:r>
-              <a:rPr lang="en-US" sz="2000" dirty="0" smtClean="0">
-                <a:solidFill>
-                  <a:srgbClr val="000000"/>
-                </a:solidFill>
-                <a:ea typeface="Gothic" pitchFamily="2"/>
-                <a:cs typeface="Lucidasans" pitchFamily="2"/>
-              </a:rPr>
-              <a:t>Makes more information available to the level-</a:t>
-            </a:r>
-            <a:r>
               <a:rPr lang="en-US" sz="2000" dirty="0">
                 <a:solidFill>
                   <a:srgbClr val="000000"/>
@@ -19407,17 +17685,7 @@
                 <a:ea typeface="Gothic" pitchFamily="2"/>
                 <a:cs typeface="Lucidasans" pitchFamily="2"/>
               </a:rPr>
-              <a:t>1</a:t>
-            </a:r>
-            <a:r>
-              <a:rPr lang="en-US" sz="2000" dirty="0" smtClean="0">
-                <a:solidFill>
-                  <a:srgbClr val="000000"/>
-                </a:solidFill>
-                <a:ea typeface="Gothic" pitchFamily="2"/>
-                <a:cs typeface="Lucidasans" pitchFamily="2"/>
-              </a:rPr>
-              <a:t> learner</a:t>
+              <a:t>Makes more information available to the level-1 learner</a:t>
             </a:r>
             <a:endParaRPr lang="en-US" sz="2000" b="0" i="0" u="none" strike="noStrike" baseline="0" dirty="0">
               <a:ln>
@@ -19463,7 +17731,7 @@
               </a:tabLst>
             </a:pPr>
             <a:r>
-              <a:rPr lang="en-US" sz="2400" dirty="0" smtClean="0">
+              <a:rPr lang="en-US" sz="2400" dirty="0">
                 <a:solidFill>
                   <a:srgbClr val="000000"/>
                 </a:solidFill>
@@ -19473,19 +17741,6 @@
               <a:t>Important question: w</a:t>
             </a:r>
             <a:r>
-              <a:rPr lang="en-US" sz="2400" b="0" i="0" u="none" strike="noStrike" baseline="0" dirty="0" smtClean="0">
-                <a:ln>
-                  <a:noFill/>
-                </a:ln>
-                <a:solidFill>
-                  <a:srgbClr val="000000"/>
-                </a:solidFill>
-                <a:ea typeface="Gothic" pitchFamily="2"/>
-                <a:cs typeface="Lucidasans" pitchFamily="2"/>
-              </a:rPr>
-              <a:t>hich </a:t>
-            </a:r>
-            <a:r>
               <a:rPr lang="en-US" sz="2400" b="0" i="0" u="none" strike="noStrike" baseline="0" dirty="0">
                 <a:ln>
                   <a:noFill/>
@@ -19496,23 +17751,10 @@
                 <a:ea typeface="Gothic" pitchFamily="2"/>
                 <a:cs typeface="Lucidasans" pitchFamily="2"/>
               </a:rPr>
-              <a:t>algorithm to use </a:t>
-            </a:r>
-            <a:r>
-              <a:rPr lang="en-US" sz="2400" b="0" i="0" u="none" strike="noStrike" baseline="0" dirty="0" smtClean="0">
-                <a:ln>
-                  <a:noFill/>
-                </a:ln>
-                <a:solidFill>
-                  <a:srgbClr val="000000"/>
-                </a:solidFill>
-                <a:ea typeface="Gothic" pitchFamily="2"/>
-                <a:cs typeface="Lucidasans" pitchFamily="2"/>
-              </a:rPr>
-              <a:t>as the meta learner (aka</a:t>
-            </a:r>
-            <a:r>
-              <a:rPr lang="en-US" sz="2400" b="0" i="0" u="none" strike="noStrike" dirty="0" smtClean="0">
+              <a:t>hich algorithm to use as the meta learner (aka</a:t>
+            </a:r>
+            <a:r>
+              <a:rPr lang="en-US" sz="2400" b="0" i="0" u="none" strike="noStrike" dirty="0">
                 <a:ln>
                   <a:noFill/>
                 </a:ln>
@@ -19525,7 +17767,7 @@
               <a:t> level-1 learner)</a:t>
             </a:r>
             <a:r>
-              <a:rPr lang="en-US" sz="2400" b="0" i="0" u="none" strike="noStrike" baseline="0" dirty="0" smtClean="0">
+              <a:rPr lang="en-US" sz="2400" b="0" i="0" u="none" strike="noStrike" baseline="0" dirty="0">
                 <a:ln>
                   <a:noFill/>
                 </a:ln>
@@ -19537,16 +17779,6 @@
               </a:rPr>
               <a:t>?</a:t>
             </a:r>
-            <a:endParaRPr lang="en-US" sz="2400" b="0" i="0" u="none" strike="noStrike" baseline="0" dirty="0">
-              <a:ln>
-                <a:noFill/>
-              </a:ln>
-              <a:solidFill>
-                <a:srgbClr val="000000"/>
-              </a:solidFill>
-              <a:ea typeface="Gothic" pitchFamily="2"/>
-              <a:cs typeface="Lucidasans" pitchFamily="2"/>
-            </a:endParaRPr>
           </a:p>
           <a:p>
             <a:pPr marL="800100" lvl="2" indent="-342900" hangingPunct="0">
@@ -19615,7 +17847,7 @@
               </a:tabLst>
             </a:pPr>
             <a:r>
-              <a:rPr lang="en-US" sz="2000" dirty="0" smtClean="0">
+              <a:rPr lang="en-US" sz="2000" dirty="0">
                 <a:solidFill>
                   <a:srgbClr val="000000"/>
                 </a:solidFill>
@@ -19625,19 +17857,6 @@
               <a:t>In practice, p</a:t>
             </a:r>
             <a:r>
-              <a:rPr lang="en-US" sz="2000" b="0" i="0" u="none" strike="noStrike" baseline="0" dirty="0" smtClean="0">
-                <a:ln>
-                  <a:noFill/>
-                </a:ln>
-                <a:solidFill>
-                  <a:srgbClr val="000000"/>
-                </a:solidFill>
-                <a:ea typeface="Gothic" pitchFamily="2"/>
-                <a:cs typeface="Lucidasans" pitchFamily="2"/>
-              </a:rPr>
-              <a:t>refer </a:t>
-            </a:r>
-            <a:r>
               <a:rPr lang="en-US" sz="2000" b="0" i="0" u="none" strike="noStrike" baseline="0" dirty="0">
                 <a:ln>
                   <a:noFill/>
@@ -19648,20 +17867,7 @@
                 <a:ea typeface="Gothic" pitchFamily="2"/>
                 <a:cs typeface="Lucidasans" pitchFamily="2"/>
               </a:rPr>
-              <a:t>“relatively global, smooth” </a:t>
-            </a:r>
-            <a:r>
-              <a:rPr lang="en-US" sz="2000" b="0" i="0" u="none" strike="noStrike" baseline="0" dirty="0" smtClean="0">
-                <a:ln>
-                  <a:noFill/>
-                </a:ln>
-                <a:solidFill>
-                  <a:srgbClr val="000000"/>
-                </a:solidFill>
-                <a:ea typeface="Gothic" pitchFamily="2"/>
-                <a:cs typeface="Lucidasans" pitchFamily="2"/>
-              </a:rPr>
-              <a:t>models because</a:t>
+              <a:t>refer “relatively global, smooth” models because</a:t>
             </a:r>
             <a:endParaRPr lang="en-US" sz="2000" dirty="0">
               <a:solidFill>
@@ -19698,7 +17904,7 @@
               </a:tabLst>
             </a:pPr>
             <a:r>
-              <a:rPr lang="en-US" sz="2000" dirty="0" smtClean="0">
+              <a:rPr lang="en-US" sz="2000" dirty="0">
                 <a:solidFill>
                   <a:srgbClr val="000000"/>
                 </a:solidFill>
@@ -19708,19 +17914,6 @@
               <a:t>b</a:t>
             </a:r>
             <a:r>
-              <a:rPr lang="en-US" sz="2000" b="0" i="0" u="none" strike="noStrike" baseline="0" dirty="0" smtClean="0">
-                <a:ln>
-                  <a:noFill/>
-                </a:ln>
-                <a:solidFill>
-                  <a:srgbClr val="000000"/>
-                </a:solidFill>
-                <a:ea typeface="Gothic" pitchFamily="2"/>
-                <a:cs typeface="Lucidasans" pitchFamily="2"/>
-              </a:rPr>
-              <a:t>ase </a:t>
-            </a:r>
-            <a:r>
               <a:rPr lang="en-US" sz="2000" b="0" i="0" u="none" strike="noStrike" baseline="0" dirty="0">
                 <a:ln>
                   <a:noFill/>
@@ -19731,31 +17924,8 @@
                 <a:ea typeface="Gothic" pitchFamily="2"/>
                 <a:cs typeface="Lucidasans" pitchFamily="2"/>
               </a:rPr>
-              <a:t>learners do most of the </a:t>
-            </a:r>
-            <a:r>
-              <a:rPr lang="en-US" sz="2000" b="0" i="0" u="none" strike="noStrike" baseline="0" dirty="0" smtClean="0">
-                <a:ln>
-                  <a:noFill/>
-                </a:ln>
-                <a:solidFill>
-                  <a:srgbClr val="000000"/>
-                </a:solidFill>
-                <a:ea typeface="Gothic" pitchFamily="2"/>
-                <a:cs typeface="Lucidasans" pitchFamily="2"/>
-              </a:rPr>
-              <a:t>work and</a:t>
-            </a:r>
-            <a:endParaRPr lang="en-US" sz="2000" b="0" i="0" u="none" strike="noStrike" baseline="0" dirty="0">
-              <a:ln>
-                <a:noFill/>
-              </a:ln>
-              <a:solidFill>
-                <a:srgbClr val="000000"/>
-              </a:solidFill>
-              <a:ea typeface="Gothic" pitchFamily="2"/>
-              <a:cs typeface="Lucidasans" pitchFamily="2"/>
-            </a:endParaRPr>
+              <a:t>ase learners do most of the work and</a:t>
+            </a:r>
           </a:p>
           <a:p>
             <a:pPr marL="800100" lvl="3" indent="-342900" hangingPunct="0">
@@ -19784,7 +17954,7 @@
               </a:tabLst>
             </a:pPr>
             <a:r>
-              <a:rPr lang="en-US" sz="2000" dirty="0" smtClean="0">
+              <a:rPr lang="en-US" sz="2000" dirty="0">
                 <a:solidFill>
                   <a:srgbClr val="000000"/>
                 </a:solidFill>
@@ -19794,19 +17964,6 @@
               <a:t>this r</a:t>
             </a:r>
             <a:r>
-              <a:rPr lang="en-US" sz="2000" b="0" i="0" u="none" strike="noStrike" baseline="0" dirty="0" smtClean="0">
-                <a:ln>
-                  <a:noFill/>
-                </a:ln>
-                <a:solidFill>
-                  <a:srgbClr val="000000"/>
-                </a:solidFill>
-                <a:ea typeface="Gothic" pitchFamily="2"/>
-                <a:cs typeface="Lucidasans" pitchFamily="2"/>
-              </a:rPr>
-              <a:t>educes the risk </a:t>
-            </a:r>
-            <a:r>
               <a:rPr lang="en-US" sz="2000" b="0" i="0" u="none" strike="noStrike" baseline="0" dirty="0">
                 <a:ln>
                   <a:noFill/>
@@ -19817,7 +17974,7 @@
                 <a:ea typeface="Gothic" pitchFamily="2"/>
                 <a:cs typeface="Lucidasans" pitchFamily="2"/>
               </a:rPr>
-              <a:t>of </a:t>
+              <a:t>educes the risk of </a:t>
             </a:r>
             <a:r>
               <a:rPr lang="en-US" sz="2000" b="0" i="0" u="none" strike="noStrike" baseline="0" dirty="0" err="1">
@@ -19876,7 +18033,7 @@
               </a:tabLst>
             </a:pPr>
             <a:r>
-              <a:rPr lang="en-US" sz="2400" dirty="0" smtClean="0">
+              <a:rPr lang="en-US" sz="2400" dirty="0">
                 <a:solidFill>
                   <a:srgbClr val="000000"/>
                 </a:solidFill>
@@ -19886,19 +18043,6 @@
               <a:t>Note that s</a:t>
             </a:r>
             <a:r>
-              <a:rPr lang="en-US" sz="2400" b="0" i="0" u="none" strike="noStrike" baseline="0" dirty="0" smtClean="0">
-                <a:ln>
-                  <a:noFill/>
-                </a:ln>
-                <a:solidFill>
-                  <a:srgbClr val="000000"/>
-                </a:solidFill>
-                <a:ea typeface="Gothic" pitchFamily="2"/>
-                <a:cs typeface="Lucidasans" pitchFamily="2"/>
-              </a:rPr>
-              <a:t>tacking </a:t>
-            </a:r>
-            <a:r>
               <a:rPr lang="en-US" sz="2400" b="0" i="0" u="none" strike="noStrike" baseline="0" dirty="0">
                 <a:ln>
                   <a:noFill/>
@@ -19909,23 +18053,10 @@
                 <a:ea typeface="Gothic" pitchFamily="2"/>
                 <a:cs typeface="Lucidasans" pitchFamily="2"/>
               </a:rPr>
-              <a:t>can </a:t>
-            </a:r>
-            <a:r>
-              <a:rPr lang="en-US" sz="2400" b="0" i="0" u="none" strike="noStrike" baseline="0" dirty="0" smtClean="0">
-                <a:ln>
-                  <a:noFill/>
-                </a:ln>
-                <a:solidFill>
-                  <a:srgbClr val="000000"/>
-                </a:solidFill>
-                <a:ea typeface="Gothic" pitchFamily="2"/>
-                <a:cs typeface="Lucidasans" pitchFamily="2"/>
-              </a:rPr>
-              <a:t>be</a:t>
-            </a:r>
-            <a:r>
-              <a:rPr lang="en-US" sz="2400" b="0" i="0" u="none" strike="noStrike" dirty="0" smtClean="0">
+              <a:t>tacking can be</a:t>
+            </a:r>
+            <a:r>
+              <a:rPr lang="en-US" sz="2400" b="0" i="0" u="none" strike="noStrike" dirty="0">
                 <a:ln>
                   <a:noFill/>
                 </a:ln>
@@ -19938,19 +18069,6 @@
               <a:t> trivially</a:t>
             </a:r>
             <a:r>
-              <a:rPr lang="en-US" sz="2400" b="0" i="0" u="none" strike="noStrike" baseline="0" dirty="0" smtClean="0">
-                <a:ln>
-                  <a:noFill/>
-                </a:ln>
-                <a:solidFill>
-                  <a:srgbClr val="000000"/>
-                </a:solidFill>
-                <a:ea typeface="Gothic" pitchFamily="2"/>
-                <a:cs typeface="Lucidasans" pitchFamily="2"/>
-              </a:rPr>
-              <a:t> </a:t>
-            </a:r>
-            <a:r>
               <a:rPr lang="en-US" sz="2400" b="0" i="0" u="none" strike="noStrike" baseline="0" dirty="0">
                 <a:ln>
                   <a:noFill/>
@@ -19961,20 +18079,7 @@
                 <a:ea typeface="Gothic" pitchFamily="2"/>
                 <a:cs typeface="Lucidasans" pitchFamily="2"/>
               </a:rPr>
-              <a:t>applied to numeric prediction </a:t>
-            </a:r>
-            <a:r>
-              <a:rPr lang="en-US" sz="2400" b="0" i="0" u="none" strike="noStrike" baseline="0" dirty="0" smtClean="0">
-                <a:ln>
-                  <a:noFill/>
-                </a:ln>
-                <a:solidFill>
-                  <a:srgbClr val="000000"/>
-                </a:solidFill>
-                <a:ea typeface="Gothic" pitchFamily="2"/>
-                <a:cs typeface="Lucidasans" pitchFamily="2"/>
-              </a:rPr>
-              <a:t>too</a:t>
+              <a:t> applied to numeric prediction too</a:t>
             </a:r>
           </a:p>
         </p:txBody>
@@ -20007,14 +18112,6 @@
   <p:clrMapOvr>
     <a:masterClrMapping/>
   </p:clrMapOvr>
-  <mc:AlternateContent xmlns:mc="http://schemas.openxmlformats.org/markup-compatibility/2006" xmlns:p14="http://schemas.microsoft.com/office/powerpoint/2010/main">
-    <mc:Choice Requires="p14">
-      <p:transition spd="slow" p14:dur="2000"/>
-    </mc:Choice>
-    <mc:Fallback xmlns="">
-      <p:transition spd="slow"/>
-    </mc:Fallback>
-  </mc:AlternateContent>
 </p:sld>
 </file>
 
@@ -20410,14 +18507,6 @@
   <p:clrMapOvr>
     <a:masterClrMapping/>
   </p:clrMapOvr>
-  <mc:AlternateContent xmlns:mc="http://schemas.openxmlformats.org/markup-compatibility/2006" xmlns:p14="http://schemas.microsoft.com/office/powerpoint/2010/main">
-    <mc:Choice Requires="p14">
-      <p:transition spd="slow" p14:dur="2000"/>
-    </mc:Choice>
-    <mc:Fallback xmlns="">
-      <p:transition spd="slow"/>
-    </mc:Fallback>
-  </mc:AlternateContent>
 </p:sld>
 </file>
 
@@ -20477,7 +18566,7 @@
         <p:spPr>
           <a:xfrm>
             <a:off x="862057" y="1474819"/>
-            <a:ext cx="7543799" cy="4344949"/>
+            <a:ext cx="7543799" cy="4410736"/>
           </a:xfrm>
           <a:prstGeom prst="rect">
             <a:avLst/>
@@ -20565,19 +18654,6 @@
               </a:tabLst>
             </a:pPr>
             <a:r>
-              <a:rPr lang="en-US" sz="2000" b="0" i="0" u="none" strike="noStrike" baseline="0" dirty="0" smtClean="0">
-                <a:ln>
-                  <a:noFill/>
-                </a:ln>
-                <a:solidFill>
-                  <a:srgbClr val="000000"/>
-                </a:solidFill>
-                <a:ea typeface="Gothic" pitchFamily="2"/>
-                <a:cs typeface="Lucidasans" pitchFamily="2"/>
-              </a:rPr>
-              <a:t>Each </a:t>
-            </a:r>
-            <a:r>
               <a:rPr lang="en-US" sz="2000" b="0" i="0" u="none" strike="noStrike" baseline="0" dirty="0">
                 <a:ln>
                   <a:noFill/>
@@ -20588,7 +18664,7 @@
                 <a:ea typeface="Gothic" pitchFamily="2"/>
                 <a:cs typeface="Lucidasans" pitchFamily="2"/>
               </a:rPr>
-              <a:t>model receives equal weight</a:t>
+              <a:t>Each model receives equal weight</a:t>
             </a:r>
           </a:p>
           <a:p>
@@ -20893,17 +18969,14 @@
               <a:t> </a:t>
             </a:r>
             <a:r>
-              <a:rPr lang="en-US" sz="2800" b="1" i="0" u="none" strike="noStrike" baseline="0" dirty="0">
-                <a:ln>
-                  <a:noFill/>
-                </a:ln>
-                <a:solidFill>
-                  <a:srgbClr val="000000"/>
-                </a:solidFill>
-                <a:ea typeface="Gothic" pitchFamily="2"/>
-                <a:cs typeface="Lucidasans" pitchFamily="2"/>
-              </a:rPr>
-              <a:t></a:t>
+              <a:rPr lang="en-US" sz="2800" b="1" dirty="0">
+                <a:solidFill>
+                  <a:srgbClr val="000000"/>
+                </a:solidFill>
+                <a:ea typeface="Gothic" pitchFamily="2"/>
+                <a:cs typeface="Lucidasans" pitchFamily="2"/>
+              </a:rPr>
+              <a:t>=&gt;</a:t>
             </a:r>
             <a:r>
               <a:rPr lang="en-US" sz="2400" b="0" i="0" u="none" strike="noStrike" baseline="0" dirty="0">
@@ -20971,19 +19044,6 @@
               </a:tabLst>
             </a:pPr>
             <a:r>
-              <a:rPr lang="en-US" sz="2000" b="0" i="0" u="none" strike="noStrike" baseline="0" dirty="0" smtClean="0">
-                <a:ln>
-                  <a:noFill/>
-                </a:ln>
-                <a:solidFill>
-                  <a:srgbClr val="000000"/>
-                </a:solidFill>
-                <a:ea typeface="Gothic" pitchFamily="2"/>
-                <a:cs typeface="Lucidasans" pitchFamily="2"/>
-              </a:rPr>
-              <a:t>Unstable learner: small </a:t>
-            </a:r>
-            <a:r>
               <a:rPr lang="en-US" sz="2000" b="0" i="0" u="none" strike="noStrike" baseline="0" dirty="0">
                 <a:ln>
                   <a:noFill/>
@@ -20994,33 +19054,7 @@
                 <a:ea typeface="Gothic" pitchFamily="2"/>
                 <a:cs typeface="Lucidasans" pitchFamily="2"/>
               </a:rPr>
-              <a:t>change in training data can make big change in model (e.g</a:t>
-            </a:r>
-            <a:r>
-              <a:rPr lang="en-US" sz="2000" b="0" i="0" u="none" strike="noStrike" baseline="0" dirty="0" smtClean="0">
-                <a:ln>
-                  <a:noFill/>
-                </a:ln>
-                <a:solidFill>
-                  <a:srgbClr val="000000"/>
-                </a:solidFill>
-                <a:ea typeface="Gothic" pitchFamily="2"/>
-                <a:cs typeface="Lucidasans" pitchFamily="2"/>
-              </a:rPr>
-              <a:t>., when learning </a:t>
-            </a:r>
-            <a:r>
-              <a:rPr lang="en-US" sz="2000" b="0" i="0" u="none" strike="noStrike" baseline="0" dirty="0">
-                <a:ln>
-                  <a:noFill/>
-                </a:ln>
-                <a:solidFill>
-                  <a:srgbClr val="000000"/>
-                </a:solidFill>
-                <a:ea typeface="Gothic" pitchFamily="2"/>
-                <a:cs typeface="Lucidasans" pitchFamily="2"/>
-              </a:rPr>
-              <a:t>decision trees)</a:t>
+              <a:t>Unstable learner: small change in training data can make big change in model (e.g., when learning decision trees)</a:t>
             </a:r>
           </a:p>
         </p:txBody>
@@ -21053,14 +19087,6 @@
   <p:clrMapOvr>
     <a:masterClrMapping/>
   </p:clrMapOvr>
-  <mc:AlternateContent xmlns:mc="http://schemas.openxmlformats.org/markup-compatibility/2006" xmlns:p14="http://schemas.microsoft.com/office/powerpoint/2010/main">
-    <mc:Choice Requires="p14">
-      <p:transition spd="slow" p14:dur="2000"/>
-    </mc:Choice>
-    <mc:Fallback xmlns="">
-      <p:transition spd="slow"/>
-    </mc:Fallback>
-  </mc:AlternateContent>
 </p:sld>
 </file>
 
@@ -21120,7 +19146,7 @@
         <p:spPr>
           <a:xfrm>
             <a:off x="515057" y="924379"/>
-            <a:ext cx="8064498" cy="5614142"/>
+            <a:ext cx="8064498" cy="5701346"/>
           </a:xfrm>
           <a:prstGeom prst="rect">
             <a:avLst/>
@@ -21168,7 +19194,7 @@
               </a:tabLst>
             </a:pPr>
             <a:r>
-              <a:rPr lang="en-US" sz="2400" b="0" i="0" u="none" strike="noStrike" baseline="0" dirty="0" smtClean="0">
+              <a:rPr lang="en-US" sz="2400" b="0" i="0" u="none" strike="noStrike" baseline="0" dirty="0">
                 <a:ln>
                   <a:noFill/>
                 </a:ln>
@@ -21181,7 +19207,7 @@
               <a:t>The </a:t>
             </a:r>
             <a:r>
-              <a:rPr lang="en-US" sz="2400" b="0" i="1" u="none" strike="noStrike" baseline="0" dirty="0" smtClean="0">
+              <a:rPr lang="en-US" sz="2400" b="0" i="1" u="none" strike="noStrike" baseline="0" dirty="0">
                 <a:ln>
                   <a:noFill/>
                 </a:ln>
@@ -21194,7 +19220,7 @@
               <a:t>bias-variance</a:t>
             </a:r>
             <a:r>
-              <a:rPr lang="en-US" sz="2400" b="0" i="1" u="none" strike="noStrike" dirty="0" smtClean="0">
+              <a:rPr lang="en-US" sz="2400" b="0" i="1" u="none" strike="noStrike" dirty="0">
                 <a:ln>
                   <a:noFill/>
                 </a:ln>
@@ -21207,7 +19233,7 @@
               <a:t> decomposition </a:t>
             </a:r>
             <a:r>
-              <a:rPr lang="en-US" sz="2400" b="0" i="0" u="none" strike="noStrike" dirty="0" smtClean="0">
+              <a:rPr lang="en-US" sz="2400" b="0" i="0" u="none" strike="noStrike" dirty="0">
                 <a:ln>
                   <a:noFill/>
                 </a:ln>
@@ -21230,19 +19256,6 @@
               <a:t>u</a:t>
             </a:r>
             <a:r>
-              <a:rPr lang="en-US" sz="2400" b="0" i="0" u="none" strike="noStrike" baseline="0" dirty="0" smtClean="0">
-                <a:ln>
-                  <a:noFill/>
-                </a:ln>
-                <a:solidFill>
-                  <a:srgbClr val="000000"/>
-                </a:solidFill>
-                <a:ea typeface="Gothic" pitchFamily="2"/>
-                <a:cs typeface="Lucidasans" pitchFamily="2"/>
-              </a:rPr>
-              <a:t>sed </a:t>
-            </a:r>
-            <a:r>
               <a:rPr lang="en-US" sz="2400" b="0" i="0" u="none" strike="noStrike" baseline="0" dirty="0">
                 <a:ln>
                   <a:noFill/>
@@ -21253,57 +19266,8 @@
                 <a:ea typeface="Gothic" pitchFamily="2"/>
                 <a:cs typeface="Lucidasans" pitchFamily="2"/>
               </a:rPr>
-              <a:t>to analyze how much </a:t>
-            </a:r>
-            <a:r>
-              <a:rPr lang="en-US" sz="2400" b="0" i="0" u="none" strike="noStrike" baseline="0" dirty="0" smtClean="0">
-                <a:ln>
-                  <a:noFill/>
-                </a:ln>
-                <a:solidFill>
-                  <a:srgbClr val="000000"/>
-                </a:solidFill>
-                <a:ea typeface="Gothic" pitchFamily="2"/>
-                <a:cs typeface="Lucidasans" pitchFamily="2"/>
-              </a:rPr>
-              <a:t>restriction to a single training </a:t>
-            </a:r>
-            <a:r>
-              <a:rPr lang="en-US" sz="2400" b="0" i="0" u="none" strike="noStrike" baseline="0" dirty="0">
-                <a:ln>
-                  <a:noFill/>
-                </a:ln>
-                <a:solidFill>
-                  <a:srgbClr val="000000"/>
-                </a:solidFill>
-                <a:ea typeface="Gothic" pitchFamily="2"/>
-                <a:cs typeface="Lucidasans" pitchFamily="2"/>
-              </a:rPr>
-              <a:t>set affects </a:t>
-            </a:r>
-            <a:r>
-              <a:rPr lang="en-US" sz="2400" b="0" i="0" u="none" strike="noStrike" baseline="0" dirty="0" smtClean="0">
-                <a:ln>
-                  <a:noFill/>
-                </a:ln>
-                <a:solidFill>
-                  <a:srgbClr val="000000"/>
-                </a:solidFill>
-                <a:ea typeface="Gothic" pitchFamily="2"/>
-                <a:cs typeface="Lucidasans" pitchFamily="2"/>
-              </a:rPr>
-              <a:t>performance</a:t>
-            </a:r>
-            <a:endParaRPr lang="en-US" sz="2400" b="0" i="0" u="none" strike="noStrike" baseline="0" dirty="0">
-              <a:ln>
-                <a:noFill/>
-              </a:ln>
-              <a:solidFill>
-                <a:srgbClr val="000000"/>
-              </a:solidFill>
-              <a:ea typeface="Gothic" pitchFamily="2"/>
-              <a:cs typeface="Lucidasans" pitchFamily="2"/>
-            </a:endParaRPr>
+              <a:t>sed to analyze how much restriction to a single training set affects performance</a:t>
+            </a:r>
           </a:p>
           <a:p>
             <a:pPr marL="342900" marR="0" lvl="0" indent="-342900" algn="l" rtl="0" hangingPunct="0">
@@ -21338,7 +19302,7 @@
               </a:tabLst>
             </a:pPr>
             <a:r>
-              <a:rPr lang="en-US" sz="2400" dirty="0" smtClean="0">
+              <a:rPr lang="en-US" sz="2400" dirty="0">
                 <a:solidFill>
                   <a:srgbClr val="000000"/>
                 </a:solidFill>
@@ -21391,7 +19355,7 @@
               </a:tabLst>
             </a:pPr>
             <a:r>
-              <a:rPr lang="en-US" sz="2400" b="0" i="0" u="none" strike="noStrike" baseline="0" dirty="0" smtClean="0">
+              <a:rPr lang="en-US" sz="2400" b="0" i="0" u="none" strike="noStrike" baseline="0" dirty="0">
                 <a:ln>
                   <a:noFill/>
                 </a:ln>
@@ -21404,7 +19368,7 @@
               <a:t>We can decompose the expected</a:t>
             </a:r>
             <a:r>
-              <a:rPr lang="en-US" sz="2400" b="0" i="0" u="none" strike="noStrike" dirty="0" smtClean="0">
+              <a:rPr lang="en-US" sz="2400" b="0" i="0" u="none" strike="noStrike" dirty="0">
                 <a:ln>
                   <a:noFill/>
                 </a:ln>
@@ -21417,7 +19381,7 @@
               <a:t> error of any individual ensemble member</a:t>
             </a:r>
             <a:r>
-              <a:rPr lang="en-US" sz="2400" b="0" i="1" u="none" strike="noStrike" dirty="0" smtClean="0">
+              <a:rPr lang="en-US" sz="2400" b="0" i="1" u="none" strike="noStrike" dirty="0">
                 <a:ln>
                   <a:noFill/>
                 </a:ln>
@@ -21430,7 +19394,7 @@
               <a:t> </a:t>
             </a:r>
             <a:r>
-              <a:rPr lang="en-US" sz="2400" b="0" u="none" strike="noStrike" dirty="0" smtClean="0">
+              <a:rPr lang="en-US" sz="2400" b="0" u="none" strike="noStrike" dirty="0">
                 <a:ln>
                   <a:noFill/>
                 </a:ln>
@@ -21501,23 +19465,10 @@
                 <a:ea typeface="Gothic" pitchFamily="2"/>
                 <a:cs typeface="Lucidasans" pitchFamily="2"/>
               </a:rPr>
-              <a:t>	</a:t>
-            </a:r>
-            <a:r>
-              <a:rPr lang="en-US" sz="2000" b="0" i="0" u="none" strike="noStrike" baseline="0" dirty="0" smtClean="0">
-                <a:ln>
-                  <a:noFill/>
-                </a:ln>
-                <a:solidFill>
-                  <a:srgbClr val="000000"/>
-                </a:solidFill>
-                <a:ea typeface="Gothic" pitchFamily="2"/>
-                <a:cs typeface="Lucidasans" pitchFamily="2"/>
-              </a:rPr>
-              <a:t> =</a:t>
-            </a:r>
-            <a:r>
-              <a:rPr lang="en-US" sz="2000" b="0" i="0" u="none" strike="noStrike" dirty="0" smtClean="0">
+              <a:t>	 =</a:t>
+            </a:r>
+            <a:r>
+              <a:rPr lang="en-US" sz="2000" b="0" i="0" u="none" strike="noStrike" dirty="0">
                 <a:ln>
                   <a:noFill/>
                 </a:ln>
@@ -21530,19 +19481,6 @@
               <a:t> </a:t>
             </a:r>
             <a:r>
-              <a:rPr lang="en-US" sz="2000" b="0" i="0" u="none" strike="noStrike" baseline="0" dirty="0" smtClean="0">
-                <a:ln>
-                  <a:noFill/>
-                </a:ln>
-                <a:solidFill>
-                  <a:srgbClr val="000000"/>
-                </a:solidFill>
-                <a:ea typeface="Gothic" pitchFamily="2"/>
-                <a:cs typeface="Lucidasans" pitchFamily="2"/>
-              </a:rPr>
-              <a:t>expected </a:t>
-            </a:r>
-            <a:r>
               <a:rPr lang="en-US" sz="2000" b="0" i="0" u="none" strike="noStrike" baseline="0" dirty="0">
                 <a:ln>
                   <a:noFill/>
@@ -21553,33 +19491,7 @@
                 <a:ea typeface="Gothic" pitchFamily="2"/>
                 <a:cs typeface="Lucidasans" pitchFamily="2"/>
               </a:rPr>
-              <a:t>error of the </a:t>
-            </a:r>
-            <a:r>
-              <a:rPr lang="en-US" sz="2000" b="0" i="0" u="none" strike="noStrike" baseline="0" dirty="0" smtClean="0">
-                <a:ln>
-                  <a:noFill/>
-                </a:ln>
-                <a:solidFill>
-                  <a:srgbClr val="000000"/>
-                </a:solidFill>
-                <a:ea typeface="Gothic" pitchFamily="2"/>
-                <a:cs typeface="Lucidasans" pitchFamily="2"/>
-              </a:rPr>
-              <a:t>ensemble classifier </a:t>
-            </a:r>
-            <a:r>
-              <a:rPr lang="en-US" sz="2000" b="0" i="0" u="none" strike="noStrike" baseline="0" dirty="0">
-                <a:ln>
-                  <a:noFill/>
-                </a:ln>
-                <a:solidFill>
-                  <a:srgbClr val="000000"/>
-                </a:solidFill>
-                <a:ea typeface="Gothic" pitchFamily="2"/>
-                <a:cs typeface="Lucidasans" pitchFamily="2"/>
-              </a:rPr>
-              <a:t>on new data</a:t>
+              <a:t>expected error of the ensemble classifier on new data</a:t>
             </a:r>
           </a:p>
           <a:p>
@@ -21630,23 +19542,10 @@
                 <a:ea typeface="Gothic" pitchFamily="2"/>
                 <a:cs typeface="Lucidasans" pitchFamily="2"/>
               </a:rPr>
-              <a:t>	</a:t>
-            </a:r>
-            <a:r>
-              <a:rPr lang="en-US" sz="2000" b="0" i="0" u="none" strike="noStrike" baseline="0" dirty="0" smtClean="0">
-                <a:ln>
-                  <a:noFill/>
-                </a:ln>
-                <a:solidFill>
-                  <a:srgbClr val="000000"/>
-                </a:solidFill>
-                <a:ea typeface="Gothic" pitchFamily="2"/>
-                <a:cs typeface="Lucidasans" pitchFamily="2"/>
-              </a:rPr>
-              <a:t> =</a:t>
-            </a:r>
-            <a:r>
-              <a:rPr lang="en-US" sz="2000" b="0" i="0" u="none" strike="noStrike" dirty="0" smtClean="0">
+              <a:t>	 =</a:t>
+            </a:r>
+            <a:r>
+              <a:rPr lang="en-US" sz="2000" b="0" i="0" u="none" strike="noStrike" dirty="0">
                 <a:ln>
                   <a:noFill/>
                 </a:ln>
@@ -21659,19 +19558,6 @@
               <a:t> component of the </a:t>
             </a:r>
             <a:r>
-              <a:rPr lang="en-US" sz="2000" b="0" i="0" u="none" strike="noStrike" baseline="0" dirty="0" smtClean="0">
-                <a:ln>
-                  <a:noFill/>
-                </a:ln>
-                <a:solidFill>
-                  <a:srgbClr val="000000"/>
-                </a:solidFill>
-                <a:ea typeface="Gothic" pitchFamily="2"/>
-                <a:cs typeface="Lucidasans" pitchFamily="2"/>
-              </a:rPr>
-              <a:t>expected </a:t>
-            </a:r>
-            <a:r>
               <a:rPr lang="en-US" sz="2000" b="0" i="0" u="none" strike="noStrike" baseline="0" dirty="0">
                 <a:ln>
                   <a:noFill/>
@@ -21682,20 +19568,7 @@
                 <a:ea typeface="Gothic" pitchFamily="2"/>
                 <a:cs typeface="Lucidasans" pitchFamily="2"/>
               </a:rPr>
-              <a:t>error due to </a:t>
-            </a:r>
-            <a:r>
-              <a:rPr lang="en-US" sz="2000" b="0" i="0" u="none" strike="noStrike" baseline="0" dirty="0" smtClean="0">
-                <a:ln>
-                  <a:noFill/>
-                </a:ln>
-                <a:solidFill>
-                  <a:srgbClr val="000000"/>
-                </a:solidFill>
-                <a:ea typeface="Gothic" pitchFamily="2"/>
-                <a:cs typeface="Lucidasans" pitchFamily="2"/>
-              </a:rPr>
-              <a:t>the</a:t>
+              <a:t>expected error due to the</a:t>
             </a:r>
             <a:r>
               <a:rPr lang="en-US" sz="2000" dirty="0">
@@ -21708,19 +19581,6 @@
               <a:t> </a:t>
             </a:r>
             <a:r>
-              <a:rPr lang="en-US" sz="2000" b="0" i="0" u="none" strike="noStrike" baseline="0" dirty="0" smtClean="0">
-                <a:ln>
-                  <a:noFill/>
-                </a:ln>
-                <a:solidFill>
-                  <a:srgbClr val="000000"/>
-                </a:solidFill>
-                <a:ea typeface="Gothic" pitchFamily="2"/>
-                <a:cs typeface="Lucidasans" pitchFamily="2"/>
-              </a:rPr>
-              <a:t>particular </a:t>
-            </a:r>
-            <a:r>
               <a:rPr lang="en-US" sz="2000" b="0" i="0" u="none" strike="noStrike" baseline="0" dirty="0">
                 <a:ln>
                   <a:noFill/>
@@ -21731,23 +19591,10 @@
                 <a:ea typeface="Gothic" pitchFamily="2"/>
                 <a:cs typeface="Lucidasans" pitchFamily="2"/>
               </a:rPr>
-              <a:t>training set </a:t>
-            </a:r>
-            <a:r>
-              <a:rPr lang="en-US" sz="2000" b="0" i="0" u="none" strike="noStrike" baseline="0" dirty="0" smtClean="0">
-                <a:ln>
-                  <a:noFill/>
-                </a:ln>
-                <a:solidFill>
-                  <a:srgbClr val="000000"/>
-                </a:solidFill>
-                <a:ea typeface="Gothic" pitchFamily="2"/>
-                <a:cs typeface="Lucidasans" pitchFamily="2"/>
-              </a:rPr>
-              <a:t>being used to built our</a:t>
-            </a:r>
-            <a:r>
-              <a:rPr lang="en-US" sz="2000" b="0" i="0" u="none" strike="noStrike" dirty="0" smtClean="0">
+              <a:t>particular training set being used to built our</a:t>
+            </a:r>
+            <a:r>
+              <a:rPr lang="en-US" sz="2000" b="0" i="0" u="none" strike="noStrike" dirty="0">
                 <a:ln>
                   <a:noFill/>
                 </a:ln>
@@ -21810,6 +19657,16 @@
               <a:t>Total expected error </a:t>
             </a:r>
             <a:r>
+              <a:rPr lang="en-US" sz="2000" dirty="0">
+                <a:solidFill>
+                  <a:srgbClr val="000000"/>
+                </a:solidFill>
+                <a:ea typeface="Gothic" pitchFamily="2"/>
+                <a:cs typeface="Lucidasans" pitchFamily="2"/>
+              </a:rPr>
+              <a:t>=</a:t>
+            </a:r>
+            <a:r>
               <a:rPr lang="en-US" sz="2000" b="0" i="0" u="none" strike="noStrike" baseline="0" dirty="0">
                 <a:ln>
                   <a:noFill/>
@@ -21817,36 +19674,10 @@
                 <a:solidFill>
                   <a:srgbClr val="000000"/>
                 </a:solidFill>
-                <a:ea typeface="Symbol" pitchFamily="2"/>
-                <a:cs typeface="Symbol" pitchFamily="2"/>
-              </a:rPr>
-              <a:t></a:t>
-            </a:r>
-            <a:r>
-              <a:rPr lang="en-US" sz="2000" b="0" i="0" u="none" strike="noStrike" baseline="0" dirty="0">
-                <a:ln>
-                  <a:noFill/>
-                </a:ln>
-                <a:solidFill>
-                  <a:srgbClr val="000000"/>
-                </a:solidFill>
-                <a:ea typeface="Gothic" pitchFamily="2"/>
-                <a:cs typeface="Lucidasans" pitchFamily="2"/>
-              </a:rPr>
-              <a:t> bias + </a:t>
-            </a:r>
-            <a:r>
-              <a:rPr lang="en-US" sz="2000" b="0" i="0" u="none" strike="noStrike" baseline="0" dirty="0" smtClean="0">
-                <a:ln>
-                  <a:noFill/>
-                </a:ln>
-                <a:solidFill>
-                  <a:srgbClr val="000000"/>
-                </a:solidFill>
-                <a:ea typeface="Gothic" pitchFamily="2"/>
-                <a:cs typeface="Lucidasans" pitchFamily="2"/>
-              </a:rPr>
-              <a:t>variance</a:t>
+                <a:ea typeface="Gothic" pitchFamily="2"/>
+                <a:cs typeface="Lucidasans" pitchFamily="2"/>
+              </a:rPr>
+              <a:t> bias + variance</a:t>
             </a:r>
           </a:p>
           <a:p>
@@ -21876,7 +19707,7 @@
               </a:tabLst>
             </a:pPr>
             <a:r>
-              <a:rPr lang="en-US" sz="2400" b="0" i="0" u="none" strike="noStrike" baseline="0" dirty="0" smtClean="0">
+              <a:rPr lang="en-US" sz="2400" b="0" i="0" u="none" strike="noStrike" baseline="0" dirty="0">
                 <a:ln>
                   <a:noFill/>
                 </a:ln>
@@ -21889,7 +19720,7 @@
               <a:t>Note</a:t>
             </a:r>
             <a:r>
-              <a:rPr lang="en-US" sz="2400" b="0" i="0" u="none" strike="noStrike" dirty="0" smtClean="0">
+              <a:rPr lang="en-US" sz="2400" b="0" i="0" u="none" strike="noStrike" dirty="0">
                 <a:ln>
                   <a:noFill/>
                 </a:ln>
@@ -21929,7 +19760,7 @@
               </a:tabLst>
             </a:pPr>
             <a:r>
-              <a:rPr lang="en-US" sz="2400" baseline="0" dirty="0" smtClean="0">
+              <a:rPr lang="en-US" sz="2400" baseline="0" dirty="0">
                 <a:solidFill>
                   <a:srgbClr val="000000"/>
                 </a:solidFill>
@@ -21939,7 +19770,7 @@
               <a:t>Note (B): multiple versions of this decomposition exist for</a:t>
             </a:r>
             <a:r>
-              <a:rPr lang="en-US" sz="2400" dirty="0" smtClean="0">
+              <a:rPr lang="en-US" sz="2400" dirty="0">
                 <a:solidFill>
                   <a:srgbClr val="000000"/>
                 </a:solidFill>
@@ -21989,14 +19820,6 @@
   <p:clrMapOvr>
     <a:masterClrMapping/>
   </p:clrMapOvr>
-  <mc:AlternateContent xmlns:mc="http://schemas.openxmlformats.org/markup-compatibility/2006" xmlns:p14="http://schemas.microsoft.com/office/powerpoint/2010/main">
-    <mc:Choice Requires="p14">
-      <p:transition spd="slow" p14:dur="2000"/>
-    </mc:Choice>
-    <mc:Fallback xmlns="">
-      <p:transition spd="slow"/>
-    </mc:Fallback>
-  </mc:AlternateContent>
 </p:sld>
 </file>
 
@@ -22104,7 +19927,7 @@
               </a:tabLst>
             </a:pPr>
             <a:r>
-              <a:rPr lang="en-US" sz="2400" dirty="0" smtClean="0">
+              <a:rPr lang="en-US" sz="2400" dirty="0">
                 <a:solidFill>
                   <a:srgbClr val="000000"/>
                 </a:solidFill>
@@ -22114,19 +19937,6 @@
               <a:t>The idealized version of b</a:t>
             </a:r>
             <a:r>
-              <a:rPr lang="en-US" sz="2400" b="0" i="0" u="none" strike="noStrike" baseline="0" dirty="0" smtClean="0">
-                <a:ln>
-                  <a:noFill/>
-                </a:ln>
-                <a:solidFill>
-                  <a:srgbClr val="000000"/>
-                </a:solidFill>
-                <a:ea typeface="Gothic" pitchFamily="2"/>
-                <a:cs typeface="Lucidasans" pitchFamily="2"/>
-              </a:rPr>
-              <a:t>agging improves performance because </a:t>
-            </a:r>
-            <a:r>
               <a:rPr lang="en-US" sz="2400" b="0" i="0" u="none" strike="noStrike" baseline="0" dirty="0">
                 <a:ln>
                   <a:noFill/>
@@ -22137,23 +19947,10 @@
                 <a:ea typeface="Gothic" pitchFamily="2"/>
                 <a:cs typeface="Lucidasans" pitchFamily="2"/>
               </a:rPr>
-              <a:t>it </a:t>
-            </a:r>
-            <a:r>
-              <a:rPr lang="en-US" sz="2400" b="0" i="0" u="none" strike="noStrike" baseline="0" dirty="0" smtClean="0">
-                <a:ln>
-                  <a:noFill/>
-                </a:ln>
-                <a:solidFill>
-                  <a:srgbClr val="000000"/>
-                </a:solidFill>
-                <a:ea typeface="Gothic" pitchFamily="2"/>
-                <a:cs typeface="Lucidasans" pitchFamily="2"/>
-              </a:rPr>
-              <a:t>eliminates the </a:t>
-            </a:r>
-            <a:r>
-              <a:rPr lang="en-US" sz="2400" b="0" i="1" u="none" strike="noStrike" baseline="0" dirty="0" smtClean="0">
+              <a:t>agging improves performance because it eliminates the </a:t>
+            </a:r>
+            <a:r>
+              <a:rPr lang="en-US" sz="2400" b="0" i="1" u="none" strike="noStrike" baseline="0" dirty="0">
                 <a:ln>
                   <a:noFill/>
                 </a:ln>
@@ -22166,7 +19963,7 @@
               <a:t>variance</a:t>
             </a:r>
             <a:r>
-              <a:rPr lang="en-US" sz="2400" b="0" i="0" u="none" strike="noStrike" baseline="0" dirty="0" smtClean="0">
+              <a:rPr lang="en-US" sz="2400" b="0" i="0" u="none" strike="noStrike" baseline="0" dirty="0">
                 <a:ln>
                   <a:noFill/>
                 </a:ln>
@@ -22178,16 +19975,6 @@
               </a:rPr>
               <a:t> component of the error</a:t>
             </a:r>
-            <a:endParaRPr lang="en-US" sz="2400" b="0" i="0" u="none" strike="noStrike" baseline="0" dirty="0">
-              <a:ln>
-                <a:noFill/>
-              </a:ln>
-              <a:solidFill>
-                <a:srgbClr val="000000"/>
-              </a:solidFill>
-              <a:ea typeface="Gothic" pitchFamily="2"/>
-              <a:cs typeface="Lucidasans" pitchFamily="2"/>
-            </a:endParaRPr>
           </a:p>
           <a:p>
             <a:pPr marL="800100" lvl="2" indent="-342900" hangingPunct="0">
@@ -22226,31 +20013,8 @@
                 <a:ea typeface="Gothic" pitchFamily="2"/>
                 <a:cs typeface="Lucidasans" pitchFamily="2"/>
               </a:rPr>
-              <a:t>Note: in some pathological hypothetical situations the overall error </a:t>
-            </a:r>
-            <a:r>
-              <a:rPr lang="en-US" sz="2000" b="0" i="0" u="none" strike="noStrike" baseline="0" dirty="0" smtClean="0">
-                <a:ln>
-                  <a:noFill/>
-                </a:ln>
-                <a:solidFill>
-                  <a:srgbClr val="000000"/>
-                </a:solidFill>
-                <a:ea typeface="Gothic" pitchFamily="2"/>
-                <a:cs typeface="Lucidasans" pitchFamily="2"/>
-              </a:rPr>
-              <a:t>may increase when zero-one loss is used (i.e., there is negative “variance”)</a:t>
-            </a:r>
-            <a:endParaRPr lang="en-US" sz="2000" b="0" i="0" u="none" strike="noStrike" baseline="0" dirty="0">
-              <a:ln>
-                <a:noFill/>
-              </a:ln>
-              <a:solidFill>
-                <a:srgbClr val="000000"/>
-              </a:solidFill>
-              <a:ea typeface="Gothic" pitchFamily="2"/>
-              <a:cs typeface="Lucidasans" pitchFamily="2"/>
-            </a:endParaRPr>
+              <a:t>Note: in some pathological hypothetical situations the overall error may increase when zero-one loss is used (i.e., there is negative “variance”)</a:t>
+            </a:r>
           </a:p>
           <a:p>
             <a:pPr marL="1257300" lvl="3" indent="-342900" hangingPunct="0">
@@ -22279,7 +20043,7 @@
               </a:tabLst>
             </a:pPr>
             <a:r>
-              <a:rPr lang="en-US" b="0" i="0" u="none" strike="noStrike" baseline="0" dirty="0" smtClean="0">
+              <a:rPr lang="en-US" b="0" i="0" u="none" strike="noStrike" baseline="0" dirty="0">
                 <a:ln>
                   <a:noFill/>
                 </a:ln>
@@ -22292,7 +20056,7 @@
               <a:t>The bias-variance decomposition was originally only known for numeric prediction with squared error where the error </a:t>
             </a:r>
             <a:r>
-              <a:rPr lang="en-US" b="0" i="1" u="none" strike="noStrike" baseline="0" dirty="0" smtClean="0">
+              <a:rPr lang="en-US" b="0" i="1" u="none" strike="noStrike" baseline="0" dirty="0">
                 <a:ln>
                   <a:noFill/>
                 </a:ln>
@@ -22305,7 +20069,7 @@
               <a:t>never</a:t>
             </a:r>
             <a:r>
-              <a:rPr lang="en-US" b="0" i="0" u="none" strike="noStrike" dirty="0" smtClean="0">
+              <a:rPr lang="en-US" b="0" i="0" u="none" strike="noStrike" dirty="0">
                 <a:ln>
                   <a:noFill/>
                 </a:ln>
@@ -22317,7 +20081,7 @@
               </a:rPr>
               <a:t> increases</a:t>
             </a:r>
-            <a:endParaRPr lang="en-US" b="0" i="0" u="none" strike="noStrike" baseline="0" dirty="0" smtClean="0">
+            <a:endParaRPr lang="en-US" b="0" i="0" u="none" strike="noStrike" baseline="0" dirty="0">
               <a:ln>
                 <a:noFill/>
               </a:ln>
@@ -22361,19 +20125,6 @@
               </a:tabLst>
             </a:pPr>
             <a:r>
-              <a:rPr lang="en-US" sz="2400" b="0" i="0" u="none" strike="noStrike" baseline="0" dirty="0" smtClean="0">
-                <a:ln>
-                  <a:noFill/>
-                </a:ln>
-                <a:solidFill>
-                  <a:srgbClr val="000000"/>
-                </a:solidFill>
-                <a:ea typeface="Gothic" pitchFamily="2"/>
-                <a:cs typeface="Lucidasans" pitchFamily="2"/>
-              </a:rPr>
-              <a:t>Problem</a:t>
-            </a:r>
-            <a:r>
               <a:rPr lang="en-US" sz="2400" b="0" i="0" u="none" strike="noStrike" baseline="0" dirty="0">
                 <a:ln>
                   <a:noFill/>
@@ -22384,7 +20135,7 @@
                 <a:ea typeface="Gothic" pitchFamily="2"/>
                 <a:cs typeface="Lucidasans" pitchFamily="2"/>
               </a:rPr>
-              <a:t>: we only have one dataset!</a:t>
+              <a:t>Problem: we only have one dataset!</a:t>
             </a:r>
           </a:p>
           <a:p>
@@ -22430,20 +20181,20 @@
                 <a:ea typeface="Gothic" pitchFamily="2"/>
                 <a:cs typeface="Lucidasans" pitchFamily="2"/>
               </a:rPr>
-              <a:t>Solution: generate new </a:t>
-            </a:r>
-            <a:r>
-              <a:rPr lang="en-US" sz="2400" b="0" i="0" u="none" strike="noStrike" baseline="0" dirty="0" smtClean="0">
-                <a:ln>
-                  <a:noFill/>
-                </a:ln>
-                <a:solidFill>
-                  <a:srgbClr val="000000"/>
-                </a:solidFill>
-                <a:ea typeface="Gothic" pitchFamily="2"/>
-                <a:cs typeface="Lucidasans" pitchFamily="2"/>
-              </a:rPr>
-              <a:t>datasets of </a:t>
+              <a:t>Solution: generate new datasets of size </a:t>
+            </a:r>
+            <a:r>
+              <a:rPr lang="en-US" sz="2400" b="0" i="1" u="none" strike="noStrike" baseline="0" dirty="0">
+                <a:ln>
+                  <a:noFill/>
+                </a:ln>
+                <a:solidFill>
+                  <a:srgbClr val="000000"/>
+                </a:solidFill>
+                <a:ea typeface="Gothic" pitchFamily="2"/>
+                <a:cs typeface="Lucidasans" pitchFamily="2"/>
+              </a:rPr>
+              <a:t>n</a:t>
             </a:r>
             <a:r>
               <a:rPr lang="en-US" sz="2400" b="0" i="0" u="none" strike="noStrike" baseline="0" dirty="0">
@@ -22456,7 +20207,30 @@
                 <a:ea typeface="Gothic" pitchFamily="2"/>
                 <a:cs typeface="Lucidasans" pitchFamily="2"/>
               </a:rPr>
-              <a:t>size </a:t>
+              <a:t> by sampling from </a:t>
+            </a:r>
+            <a:r>
+              <a:rPr lang="en-US" sz="2400" dirty="0">
+                <a:solidFill>
+                  <a:srgbClr val="000000"/>
+                </a:solidFill>
+                <a:ea typeface="Gothic" pitchFamily="2"/>
+                <a:cs typeface="Lucidasans" pitchFamily="2"/>
+              </a:rPr>
+              <a:t>the original dataset</a:t>
+            </a:r>
+            <a:r>
+              <a:rPr lang="en-US" sz="2400" b="0" i="0" u="none" strike="noStrike" baseline="0" dirty="0">
+                <a:ln>
+                  <a:noFill/>
+                </a:ln>
+                <a:solidFill>
+                  <a:srgbClr val="000000"/>
+                </a:solidFill>
+                <a:ea typeface="Gothic" pitchFamily="2"/>
+                <a:cs typeface="Lucidasans" pitchFamily="2"/>
+              </a:rPr>
+              <a:t> </a:t>
             </a:r>
             <a:r>
               <a:rPr lang="en-US" sz="2400" b="0" i="1" u="none" strike="noStrike" baseline="0" dirty="0">
@@ -22469,69 +20243,7 @@
                 <a:ea typeface="Gothic" pitchFamily="2"/>
                 <a:cs typeface="Lucidasans" pitchFamily="2"/>
               </a:rPr>
-              <a:t>n</a:t>
-            </a:r>
-            <a:r>
-              <a:rPr lang="en-US" sz="2400" b="0" i="0" u="none" strike="noStrike" baseline="0" dirty="0">
-                <a:ln>
-                  <a:noFill/>
-                </a:ln>
-                <a:solidFill>
-                  <a:srgbClr val="000000"/>
-                </a:solidFill>
-                <a:ea typeface="Gothic" pitchFamily="2"/>
-                <a:cs typeface="Lucidasans" pitchFamily="2"/>
-              </a:rPr>
-              <a:t> by sampling from </a:t>
-            </a:r>
-            <a:r>
-              <a:rPr lang="en-US" sz="2400" dirty="0" smtClean="0">
-                <a:solidFill>
-                  <a:srgbClr val="000000"/>
-                </a:solidFill>
-                <a:ea typeface="Gothic" pitchFamily="2"/>
-                <a:cs typeface="Lucidasans" pitchFamily="2"/>
-              </a:rPr>
-              <a:t>the original dataset</a:t>
-            </a:r>
-            <a:r>
-              <a:rPr lang="en-US" sz="2400" b="0" i="0" u="none" strike="noStrike" baseline="0" dirty="0" smtClean="0">
-                <a:ln>
-                  <a:noFill/>
-                </a:ln>
-                <a:solidFill>
-                  <a:srgbClr val="000000"/>
-                </a:solidFill>
-                <a:ea typeface="Gothic" pitchFamily="2"/>
-                <a:cs typeface="Lucidasans" pitchFamily="2"/>
-              </a:rPr>
-              <a:t> </a:t>
-            </a:r>
-            <a:r>
-              <a:rPr lang="en-US" sz="2400" b="0" i="1" u="none" strike="noStrike" baseline="0" dirty="0">
-                <a:ln>
-                  <a:noFill/>
-                </a:ln>
-                <a:solidFill>
-                  <a:srgbClr val="000000"/>
-                </a:solidFill>
-                <a:ea typeface="Gothic" pitchFamily="2"/>
-                <a:cs typeface="Lucidasans" pitchFamily="2"/>
-              </a:rPr>
-              <a:t>with </a:t>
-            </a:r>
-            <a:r>
-              <a:rPr lang="en-US" sz="2400" b="0" i="1" u="none" strike="noStrike" baseline="0" dirty="0" smtClean="0">
-                <a:ln>
-                  <a:noFill/>
-                </a:ln>
-                <a:solidFill>
-                  <a:srgbClr val="000000"/>
-                </a:solidFill>
-                <a:ea typeface="Gothic" pitchFamily="2"/>
-                <a:cs typeface="Lucidasans" pitchFamily="2"/>
-              </a:rPr>
-              <a:t>replacement</a:t>
+              <a:t>with replacement</a:t>
             </a:r>
           </a:p>
           <a:p>
@@ -22567,7 +20279,7 @@
               </a:tabLst>
             </a:pPr>
             <a:r>
-              <a:rPr lang="en-US" sz="2400" dirty="0" smtClean="0">
+              <a:rPr lang="en-US" sz="2400" dirty="0">
                 <a:solidFill>
                   <a:srgbClr val="000000"/>
                 </a:solidFill>
@@ -22577,7 +20289,7 @@
               <a:t>This is what </a:t>
             </a:r>
             <a:r>
-              <a:rPr lang="en-US" sz="2400" i="1" dirty="0" smtClean="0">
+              <a:rPr lang="en-US" sz="2400" i="1" dirty="0">
                 <a:solidFill>
                   <a:srgbClr val="000000"/>
                 </a:solidFill>
@@ -22587,24 +20299,14 @@
               <a:t>bagging</a:t>
             </a:r>
             <a:r>
-              <a:rPr lang="en-US" sz="2400" dirty="0" smtClean="0">
-                <a:solidFill>
-                  <a:srgbClr val="000000"/>
-                </a:solidFill>
-                <a:ea typeface="Gothic" pitchFamily="2"/>
-                <a:cs typeface="Lucidasans" pitchFamily="2"/>
-              </a:rPr>
-              <a:t> does and </a:t>
-            </a:r>
-            <a:r>
-              <a:rPr lang="en-US" sz="2400" dirty="0" smtClean="0">
-                <a:solidFill>
-                  <a:srgbClr val="000000"/>
-                </a:solidFill>
-                <a:ea typeface="Gothic" pitchFamily="2"/>
-                <a:cs typeface="Lucidasans" pitchFamily="2"/>
-              </a:rPr>
-              <a:t>even though the datasets are all dependent, bagging often reduces variance, and, thus, error</a:t>
+              <a:rPr lang="en-US" sz="2400" dirty="0">
+                <a:solidFill>
+                  <a:srgbClr val="000000"/>
+                </a:solidFill>
+                <a:ea typeface="Gothic" pitchFamily="2"/>
+                <a:cs typeface="Lucidasans" pitchFamily="2"/>
+              </a:rPr>
+              <a:t> does and even though the datasets are all dependent, bagging often reduces variance, and, thus, error</a:t>
             </a:r>
             <a:endParaRPr lang="en-US" sz="2400" b="0" u="none" strike="noStrike" baseline="0" dirty="0">
               <a:ln>
@@ -22644,19 +20346,6 @@
               </a:tabLst>
             </a:pPr>
             <a:r>
-              <a:rPr lang="en-US" sz="2000" b="0" i="0" u="none" strike="noStrike" baseline="0" dirty="0" smtClean="0">
-                <a:ln>
-                  <a:noFill/>
-                </a:ln>
-                <a:solidFill>
-                  <a:srgbClr val="000000"/>
-                </a:solidFill>
-                <a:ea typeface="Gothic" pitchFamily="2"/>
-                <a:cs typeface="Lucidasans" pitchFamily="2"/>
-              </a:rPr>
-              <a:t>Can be </a:t>
-            </a:r>
-            <a:r>
               <a:rPr lang="en-US" sz="2000" b="0" i="0" u="none" strike="noStrike" baseline="0" dirty="0">
                 <a:ln>
                   <a:noFill/>
@@ -22667,23 +20356,10 @@
                 <a:ea typeface="Gothic" pitchFamily="2"/>
                 <a:cs typeface="Lucidasans" pitchFamily="2"/>
               </a:rPr>
-              <a:t>applied to numeric </a:t>
-            </a:r>
-            <a:r>
-              <a:rPr lang="en-US" sz="2000" b="0" i="0" u="none" strike="noStrike" baseline="0" dirty="0" smtClean="0">
-                <a:ln>
-                  <a:noFill/>
-                </a:ln>
-                <a:solidFill>
-                  <a:srgbClr val="000000"/>
-                </a:solidFill>
-                <a:ea typeface="Gothic" pitchFamily="2"/>
-                <a:cs typeface="Lucidasans" pitchFamily="2"/>
-              </a:rPr>
-              <a:t>prediction</a:t>
-            </a:r>
-            <a:r>
-              <a:rPr lang="en-US" sz="2000" b="0" i="0" u="none" strike="noStrike" dirty="0" smtClean="0">
+              <a:t>Can be applied to numeric prediction</a:t>
+            </a:r>
+            <a:r>
+              <a:rPr lang="en-US" sz="2000" b="0" i="0" u="none" strike="noStrike" dirty="0">
                 <a:ln>
                   <a:noFill/>
                 </a:ln>
@@ -22695,7 +20371,7 @@
               </a:rPr>
               <a:t> and classification</a:t>
             </a:r>
-            <a:endParaRPr lang="en-US" sz="2000" b="0" i="0" u="none" strike="noStrike" baseline="0" dirty="0" smtClean="0">
+            <a:endParaRPr lang="en-US" sz="2000" b="0" i="0" u="none" strike="noStrike" baseline="0" dirty="0">
               <a:ln>
                 <a:noFill/>
               </a:ln>
@@ -22743,7 +20419,7 @@
               <a:t>C</a:t>
             </a:r>
             <a:r>
-              <a:rPr lang="en-US" sz="2000" b="0" i="0" u="none" strike="noStrike" baseline="0" dirty="0" smtClean="0">
+              <a:rPr lang="en-US" sz="2000" b="0" i="0" u="none" strike="noStrike" baseline="0" dirty="0">
                 <a:ln>
                   <a:noFill/>
                 </a:ln>
@@ -22790,25 +20466,8 @@
                 <a:ea typeface="Gothic" pitchFamily="2"/>
                 <a:cs typeface="Lucidasans" pitchFamily="2"/>
               </a:rPr>
-              <a:t>Usually, the more classifiers the </a:t>
-            </a:r>
-            <a:r>
-              <a:rPr lang="en-US" sz="2000" dirty="0" smtClean="0">
-                <a:solidFill>
-                  <a:srgbClr val="000000"/>
-                </a:solidFill>
-                <a:ea typeface="Gothic" pitchFamily="2"/>
-                <a:cs typeface="Lucidasans" pitchFamily="2"/>
-              </a:rPr>
-              <a:t>better, with diminishing returns</a:t>
-            </a:r>
-            <a:endParaRPr lang="en-US" sz="2000" dirty="0">
-              <a:solidFill>
-                <a:srgbClr val="000000"/>
-              </a:solidFill>
-              <a:ea typeface="Gothic" pitchFamily="2"/>
-              <a:cs typeface="Lucidasans" pitchFamily="2"/>
-            </a:endParaRPr>
+              <a:t>Usually, the more classifiers the better, with diminishing returns</a:t>
+            </a:r>
           </a:p>
         </p:txBody>
       </p:sp>
@@ -22840,14 +20499,6 @@
   <p:clrMapOvr>
     <a:masterClrMapping/>
   </p:clrMapOvr>
-  <mc:AlternateContent xmlns:mc="http://schemas.openxmlformats.org/markup-compatibility/2006" xmlns:p14="http://schemas.microsoft.com/office/powerpoint/2010/main">
-    <mc:Choice Requires="p14">
-      <p:transition spd="slow" p14:dur="2000"/>
-    </mc:Choice>
-    <mc:Fallback xmlns="">
-      <p:transition spd="slow"/>
-    </mc:Fallback>
-  </mc:AlternateContent>
 </p:sld>
 </file>
 
@@ -23776,14 +21427,6 @@
   <p:clrMapOvr>
     <a:masterClrMapping/>
   </p:clrMapOvr>
-  <mc:AlternateContent xmlns:mc="http://schemas.openxmlformats.org/markup-compatibility/2006" xmlns:p14="http://schemas.microsoft.com/office/powerpoint/2010/main">
-    <mc:Choice Requires="p14">
-      <p:transition spd="slow" p14:dur="2000"/>
-    </mc:Choice>
-    <mc:Fallback xmlns="">
-      <p:transition spd="slow"/>
-    </mc:Fallback>
-  </mc:AlternateContent>
 </p:sld>
 </file>
 
@@ -23867,15 +21510,7 @@
             </a:r>
             <a:r>
               <a:rPr lang="en-US" sz="2400" dirty="0"/>
-              <a:t> decision trees </a:t>
-            </a:r>
-            <a:r>
-              <a:rPr lang="en-US" sz="2400" dirty="0" smtClean="0"/>
-              <a:t>is known </a:t>
-            </a:r>
-            <a:r>
-              <a:rPr lang="en-US" sz="2400" dirty="0"/>
-              <a:t>to produce good probability estimates</a:t>
+              <a:t> decision trees is known to produce good probability estimates</a:t>
             </a:r>
           </a:p>
           <a:p>
@@ -23889,54 +21524,28 @@
             <a:pPr lvl="1"/>
             <a:r>
               <a:rPr lang="en-US" sz="2000" dirty="0"/>
-              <a:t>Note: this can also improve the </a:t>
-            </a:r>
-            <a:r>
-              <a:rPr lang="en-US" sz="2000" dirty="0" smtClean="0"/>
-              <a:t>zero-one loss</a:t>
-            </a:r>
-            <a:endParaRPr lang="en-US" sz="2000" dirty="0"/>
+              <a:t>Note: this can also improve the zero-one loss</a:t>
+            </a:r>
           </a:p>
           <a:p>
             <a:pPr lvl="0"/>
             <a:r>
               <a:rPr lang="en-US" sz="2400" dirty="0"/>
-              <a:t>Can use this with </a:t>
-            </a:r>
-            <a:r>
-              <a:rPr lang="en-US" sz="2400" dirty="0" smtClean="0"/>
-              <a:t>the minimum</a:t>
-            </a:r>
+              <a:t>Can use this with the minimum-expected cost approach for learning problems with costs</a:t>
+            </a:r>
+          </a:p>
+          <a:p>
+            <a:pPr lvl="1"/>
+            <a:r>
+              <a:rPr lang="en-US" sz="2000" dirty="0"/>
+              <a:t>Note that the minimum-expected cost approach requires accurate probabilities to work well</a:t>
+            </a:r>
+          </a:p>
+          <a:p>
+            <a:pPr lvl="0"/>
             <a:r>
               <a:rPr lang="en-US" sz="2400" dirty="0"/>
-              <a:t>-expected cost approach for learning problems with </a:t>
-            </a:r>
-            <a:r>
-              <a:rPr lang="en-US" sz="2400" dirty="0" smtClean="0"/>
-              <a:t>costs</a:t>
-            </a:r>
-          </a:p>
-          <a:p>
-            <a:pPr lvl="1"/>
-            <a:r>
-              <a:rPr lang="en-US" sz="2000" dirty="0" smtClean="0"/>
-              <a:t>Note that the minimum-expected cost approach requires accurate probabilities to work well</a:t>
-            </a:r>
-            <a:endParaRPr lang="en-US" sz="2000" dirty="0"/>
-          </a:p>
-          <a:p>
-            <a:pPr lvl="0"/>
-            <a:r>
-              <a:rPr lang="en-US" sz="2400" dirty="0"/>
-              <a:t>Problem: </a:t>
-            </a:r>
-            <a:r>
-              <a:rPr lang="en-US" sz="2400" dirty="0" smtClean="0"/>
-              <a:t>ensemble classifier is not </a:t>
-            </a:r>
-            <a:r>
-              <a:rPr lang="en-US" sz="2400" dirty="0"/>
-              <a:t>interpretable</a:t>
+              <a:t>Problem: ensemble classifier is not interpretable</a:t>
             </a:r>
           </a:p>
           <a:p>
@@ -23951,21 +21560,8 @@
             </a:r>
             <a:r>
               <a:rPr lang="en-US" sz="2000" dirty="0"/>
-              <a:t>re-labels </a:t>
-            </a:r>
-            <a:r>
-              <a:rPr lang="en-US" sz="2000" dirty="0" smtClean="0"/>
-              <a:t>the training </a:t>
-            </a:r>
-            <a:r>
-              <a:rPr lang="en-US" sz="2000" dirty="0"/>
-              <a:t>data using bagging with costs and then builds </a:t>
-            </a:r>
-            <a:r>
-              <a:rPr lang="en-US" sz="2000" dirty="0" smtClean="0"/>
-              <a:t>a single tree from this data</a:t>
-            </a:r>
-            <a:endParaRPr lang="en-US" sz="2000" dirty="0"/>
+              <a:t>re-labels the training data using bagging with costs and then builds a single tree from this data</a:t>
+            </a:r>
           </a:p>
         </p:txBody>
       </p:sp>
@@ -23997,14 +21593,6 @@
   <p:clrMapOvr>
     <a:masterClrMapping/>
   </p:clrMapOvr>
-  <mc:AlternateContent xmlns:mc="http://schemas.openxmlformats.org/markup-compatibility/2006" xmlns:p14="http://schemas.microsoft.com/office/powerpoint/2010/main">
-    <mc:Choice Requires="p14">
-      <p:transition spd="slow" p14:dur="2000"/>
-    </mc:Choice>
-    <mc:Fallback xmlns="">
-      <p:transition spd="slow"/>
-    </mc:Fallback>
-  </mc:AlternateContent>
 </p:sld>
 </file>
 
@@ -24049,10 +21637,9 @@
           <a:p>
             <a:pPr lvl="0"/>
             <a:r>
-              <a:rPr lang="en-US" sz="3600" dirty="0" smtClean="0"/>
+              <a:rPr lang="en-US" sz="3600" dirty="0"/>
               <a:t>Randomization and random forests</a:t>
             </a:r>
-            <a:endParaRPr lang="en-US" sz="3600" dirty="0"/>
           </a:p>
         </p:txBody>
       </p:sp>
@@ -24088,38 +21675,14 @@
             <a:pPr lvl="0"/>
             <a:r>
               <a:rPr lang="en-US" sz="2400" dirty="0"/>
-              <a:t>Some algorithms already have a random component: </a:t>
-            </a:r>
-            <a:r>
-              <a:rPr lang="en-US" sz="2400" dirty="0" smtClean="0"/>
-              <a:t>e.g., </a:t>
-            </a:r>
+              <a:t>Some algorithms already have a random component: e.g., initial weights in a neural net</a:t>
+            </a:r>
+          </a:p>
+          <a:p>
+            <a:pPr lvl="0"/>
             <a:r>
               <a:rPr lang="en-US" sz="2400" dirty="0"/>
-              <a:t>initial weights in </a:t>
-            </a:r>
-            <a:r>
-              <a:rPr lang="en-US" sz="2400" dirty="0" smtClean="0"/>
-              <a:t>a neural </a:t>
-            </a:r>
-            <a:r>
-              <a:rPr lang="en-US" sz="2400" dirty="0"/>
-              <a:t>net</a:t>
-            </a:r>
-          </a:p>
-          <a:p>
-            <a:pPr lvl="0"/>
-            <a:r>
-              <a:rPr lang="en-US" sz="2400" dirty="0"/>
-              <a:t>Most algorithms can be randomized, </a:t>
-            </a:r>
-            <a:r>
-              <a:rPr lang="en-US" sz="2400" dirty="0" smtClean="0"/>
-              <a:t>e.g., </a:t>
-            </a:r>
-            <a:r>
-              <a:rPr lang="en-US" sz="2400" dirty="0"/>
-              <a:t>greedy algorithms:</a:t>
+              <a:t>Most algorithms can be randomized, e.g., greedy algorithms:</a:t>
             </a:r>
           </a:p>
           <a:p>
@@ -24129,103 +21692,64 @@
               <a:t>Pick </a:t>
             </a:r>
             <a:r>
-              <a:rPr lang="en-US" sz="2000" i="1" dirty="0" smtClean="0"/>
+              <a:rPr lang="en-US" sz="2000" i="1" dirty="0"/>
               <a:t>N </a:t>
             </a:r>
             <a:r>
-              <a:rPr lang="en-US" sz="2000" dirty="0" smtClean="0"/>
+              <a:rPr lang="en-US" sz="2000" dirty="0"/>
               <a:t>options at random from the full set of options, then choose the best of those </a:t>
             </a:r>
             <a:r>
-              <a:rPr lang="en-US" sz="2000" i="1" dirty="0" smtClean="0"/>
+              <a:rPr lang="en-US" sz="2000" i="1" dirty="0"/>
               <a:t>N </a:t>
             </a:r>
             <a:r>
-              <a:rPr lang="en-US" sz="2000" dirty="0" smtClean="0"/>
+              <a:rPr lang="en-US" sz="2000" dirty="0"/>
               <a:t>choices</a:t>
             </a:r>
-            <a:endParaRPr lang="en-US" sz="2000" dirty="0"/>
           </a:p>
           <a:p>
             <a:pPr lvl="1"/>
             <a:r>
-              <a:rPr lang="en-US" sz="2000" dirty="0" smtClean="0"/>
-              <a:t>E.g</a:t>
-            </a:r>
-            <a:r>
               <a:rPr lang="en-US" sz="2000" dirty="0"/>
-              <a:t>.: attribute selection in decision trees</a:t>
+              <a:t>E.g.: attribute selection in decision trees</a:t>
             </a:r>
           </a:p>
           <a:p>
             <a:pPr lvl="0"/>
             <a:r>
               <a:rPr lang="en-US" sz="2400" dirty="0"/>
-              <a:t>More generally applicable than bagging: e.g</a:t>
-            </a:r>
-            <a:r>
-              <a:rPr lang="en-US" sz="2400" dirty="0" smtClean="0"/>
-              <a:t>., we can use random </a:t>
-            </a:r>
+              <a:t>More generally applicable than bagging: e.g., we can use random subsets in a nearest-neighbor classifier</a:t>
+            </a:r>
+          </a:p>
+          <a:p>
+            <a:pPr lvl="1"/>
+            <a:r>
+              <a:rPr lang="en-US" sz="2000" dirty="0"/>
+              <a:t>Bagging does not work with stable classifiers such as nearest neighbor classifiers</a:t>
+            </a:r>
+          </a:p>
+          <a:p>
+            <a:pPr lvl="0"/>
             <a:r>
               <a:rPr lang="en-US" sz="2400" dirty="0"/>
-              <a:t>subsets in </a:t>
-            </a:r>
-            <a:r>
-              <a:rPr lang="en-US" sz="2400" dirty="0" smtClean="0"/>
-              <a:t>a nearest</a:t>
-            </a:r>
-            <a:r>
-              <a:rPr lang="en-US" sz="2400" dirty="0"/>
-              <a:t>-neighbor </a:t>
-            </a:r>
-            <a:r>
-              <a:rPr lang="en-US" sz="2400" dirty="0" smtClean="0"/>
-              <a:t>classifier</a:t>
+              <a:t>Can be combined with bagging</a:t>
             </a:r>
           </a:p>
           <a:p>
             <a:pPr lvl="1"/>
             <a:r>
-              <a:rPr lang="en-US" sz="2000" dirty="0" smtClean="0"/>
-              <a:t>Bagging does not work with stable classifiers such as nearest </a:t>
-            </a:r>
-            <a:r>
-              <a:rPr lang="en-US" sz="2000" dirty="0" err="1" smtClean="0"/>
-              <a:t>neighbour</a:t>
-            </a:r>
-            <a:r>
-              <a:rPr lang="en-US" sz="2000" dirty="0" smtClean="0"/>
-              <a:t> classifiers</a:t>
-            </a:r>
-            <a:endParaRPr lang="en-US" sz="2000" dirty="0"/>
-          </a:p>
-          <a:p>
-            <a:pPr lvl="0"/>
-            <a:r>
-              <a:rPr lang="en-US" sz="2400" dirty="0"/>
-              <a:t>Can be combined with </a:t>
-            </a:r>
-            <a:r>
-              <a:rPr lang="en-US" sz="2400" dirty="0" smtClean="0"/>
-              <a:t>bagging</a:t>
-            </a:r>
-          </a:p>
-          <a:p>
-            <a:pPr lvl="1"/>
-            <a:r>
-              <a:rPr lang="en-US" sz="2000" dirty="0" smtClean="0"/>
+              <a:rPr lang="en-US" sz="2000" dirty="0"/>
               <a:t>When using decision trees, this yields the famous </a:t>
             </a:r>
             <a:r>
-              <a:rPr lang="en-US" sz="2000" i="1" dirty="0" smtClean="0"/>
+              <a:rPr lang="en-US" sz="2000" i="1" dirty="0"/>
               <a:t>random forest </a:t>
             </a:r>
             <a:r>
-              <a:rPr lang="en-US" sz="2000" dirty="0" smtClean="0"/>
+              <a:rPr lang="en-US" sz="2000" dirty="0"/>
               <a:t>method for building ensemble classifiers</a:t>
             </a:r>
-            <a:endParaRPr lang="en-US" sz="2000" dirty="0"/>
           </a:p>
         </p:txBody>
       </p:sp>
@@ -24257,14 +21781,6 @@
   <p:clrMapOvr>
     <a:masterClrMapping/>
   </p:clrMapOvr>
-  <mc:AlternateContent xmlns:mc="http://schemas.openxmlformats.org/markup-compatibility/2006" xmlns:p14="http://schemas.microsoft.com/office/powerpoint/2010/main">
-    <mc:Choice Requires="p14">
-      <p:transition spd="slow" p14:dur="2000"/>
-    </mc:Choice>
-    <mc:Fallback xmlns="">
-      <p:transition spd="slow"/>
-    </mc:Fallback>
-  </mc:AlternateContent>
 </p:sld>
 </file>
 
@@ -24523,7 +22039,7 @@
   <a:extraClrSchemeLst/>
   <a:extLst>
     <a:ext uri="{05A4C25C-085E-4340-85A3-A5531E510DB2}">
-      <thm15:themeFamily xmlns:thm15="http://schemas.microsoft.com/office/thememl/2012/main" xmlns="" name="Office Theme" id="{62F939B6-93AF-4DB8-9C6B-D6C7DFDC589F}" vid="{4A3C46E8-61CC-4603-A589-7422A47A8E4A}"/>
+      <thm15:themeFamily xmlns:thm15="http://schemas.microsoft.com/office/thememl/2012/main" name="Office Theme" id="{62F939B6-93AF-4DB8-9C6B-D6C7DFDC589F}" vid="{4A3C46E8-61CC-4603-A589-7422A47A8E4A}"/>
     </a:ext>
   </a:extLst>
 </a:theme>
@@ -24784,7 +22300,7 @@
   <a:extraClrSchemeLst/>
   <a:extLst>
     <a:ext uri="{05A4C25C-085E-4340-85A3-A5531E510DB2}">
-      <thm15:themeFamily xmlns:thm15="http://schemas.microsoft.com/office/thememl/2012/main" xmlns="" name="Office Theme" id="{62F939B6-93AF-4DB8-9C6B-D6C7DFDC589F}" vid="{4A3C46E8-61CC-4603-A589-7422A47A8E4A}"/>
+      <thm15:themeFamily xmlns:thm15="http://schemas.microsoft.com/office/thememl/2012/main" name="Office Theme" id="{62F939B6-93AF-4DB8-9C6B-D6C7DFDC589F}" vid="{4A3C46E8-61CC-4603-A589-7422A47A8E4A}"/>
     </a:ext>
   </a:extLst>
 </a:theme>
@@ -25045,7 +22561,7 @@
   <a:extraClrSchemeLst/>
   <a:extLst>
     <a:ext uri="{05A4C25C-085E-4340-85A3-A5531E510DB2}">
-      <thm15:themeFamily xmlns:thm15="http://schemas.microsoft.com/office/thememl/2012/main" xmlns="" name="Office Theme" id="{62F939B6-93AF-4DB8-9C6B-D6C7DFDC589F}" vid="{4A3C46E8-61CC-4603-A589-7422A47A8E4A}"/>
+      <thm15:themeFamily xmlns:thm15="http://schemas.microsoft.com/office/thememl/2012/main" name="Office Theme" id="{62F939B6-93AF-4DB8-9C6B-D6C7DFDC589F}" vid="{4A3C46E8-61CC-4603-A589-7422A47A8E4A}"/>
     </a:ext>
   </a:extLst>
 </a:theme>
@@ -25306,7 +22822,7 @@
   <a:extraClrSchemeLst/>
   <a:extLst>
     <a:ext uri="{05A4C25C-085E-4340-85A3-A5531E510DB2}">
-      <thm15:themeFamily xmlns:thm15="http://schemas.microsoft.com/office/thememl/2012/main" xmlns="" name="Office Theme" id="{62F939B6-93AF-4DB8-9C6B-D6C7DFDC589F}" vid="{4A3C46E8-61CC-4603-A589-7422A47A8E4A}"/>
+      <thm15:themeFamily xmlns:thm15="http://schemas.microsoft.com/office/thememl/2012/main" name="Office Theme" id="{62F939B6-93AF-4DB8-9C6B-D6C7DFDC589F}" vid="{4A3C46E8-61CC-4603-A589-7422A47A8E4A}"/>
     </a:ext>
   </a:extLst>
 </a:theme>
